--- a/卒論発表/最終版/20220208_卒業発表_土山雄飛.pptx
+++ b/卒論発表/最終版/20220208_卒業発表_土山雄飛.pptx
@@ -220,7 +220,7 @@
           <a:p>
             <a:fld id="{74408A3F-30A9-40AA-B28A-406E2DB7BA1D}" type="datetimeFigureOut">
               <a:rPr kumimoji="1" lang="ja-JP" altLang="en-US" smtClean="0"/>
-              <a:t>2022/2/4</a:t>
+              <a:t>2022/2/5</a:t>
             </a:fld>
             <a:endParaRPr kumimoji="1" lang="ja-JP" altLang="en-US"/>
           </a:p>
@@ -666,7 +666,7 @@
           <a:p>
             <a:fld id="{3876EF99-6AB4-452F-8C32-7BBA1B6A7691}" type="datetime1">
               <a:rPr kumimoji="1" lang="ja-JP" altLang="en-US" smtClean="0"/>
-              <a:t>2022/2/4</a:t>
+              <a:t>2022/2/5</a:t>
             </a:fld>
             <a:endParaRPr kumimoji="1" lang="ja-JP" altLang="en-US"/>
           </a:p>
@@ -896,7 +896,7 @@
           <a:p>
             <a:fld id="{5FD036F3-1F92-4C72-90C2-FDF31BFF519F}" type="datetime1">
               <a:rPr kumimoji="1" lang="ja-JP" altLang="en-US" smtClean="0"/>
-              <a:t>2022/2/4</a:t>
+              <a:t>2022/2/5</a:t>
             </a:fld>
             <a:endParaRPr kumimoji="1" lang="ja-JP" altLang="en-US"/>
           </a:p>
@@ -1136,7 +1136,7 @@
           <a:p>
             <a:fld id="{69A7F3B8-2E31-409C-A9C8-FB373F1EAA95}" type="datetime1">
               <a:rPr kumimoji="1" lang="ja-JP" altLang="en-US" smtClean="0"/>
-              <a:t>2022/2/4</a:t>
+              <a:t>2022/2/5</a:t>
             </a:fld>
             <a:endParaRPr kumimoji="1" lang="ja-JP" altLang="en-US"/>
           </a:p>
@@ -1366,7 +1366,7 @@
           <a:p>
             <a:fld id="{58B464F0-D6A4-4C38-8E41-5FC81EC9A0D7}" type="datetime1">
               <a:rPr kumimoji="1" lang="ja-JP" altLang="en-US" smtClean="0"/>
-              <a:t>2022/2/4</a:t>
+              <a:t>2022/2/5</a:t>
             </a:fld>
             <a:endParaRPr kumimoji="1" lang="ja-JP" altLang="en-US"/>
           </a:p>
@@ -1641,7 +1641,7 @@
           <a:p>
             <a:fld id="{3EE757C7-2BEA-4AD9-9902-D345B5D2CFE9}" type="datetime1">
               <a:rPr kumimoji="1" lang="ja-JP" altLang="en-US" smtClean="0"/>
-              <a:t>2022/2/4</a:t>
+              <a:t>2022/2/5</a:t>
             </a:fld>
             <a:endParaRPr kumimoji="1" lang="ja-JP" altLang="en-US"/>
           </a:p>
@@ -1970,7 +1970,7 @@
           <a:p>
             <a:fld id="{B8C66256-06F4-485A-9CCD-C69C2B6C9088}" type="datetime1">
               <a:rPr kumimoji="1" lang="ja-JP" altLang="en-US" smtClean="0"/>
-              <a:t>2022/2/4</a:t>
+              <a:t>2022/2/5</a:t>
             </a:fld>
             <a:endParaRPr kumimoji="1" lang="ja-JP" altLang="en-US"/>
           </a:p>
@@ -2446,7 +2446,7 @@
           <a:p>
             <a:fld id="{00B1DD46-5F2C-41E2-B0F0-6E1EFDF40117}" type="datetime1">
               <a:rPr kumimoji="1" lang="ja-JP" altLang="en-US" smtClean="0"/>
-              <a:t>2022/2/4</a:t>
+              <a:t>2022/2/5</a:t>
             </a:fld>
             <a:endParaRPr kumimoji="1" lang="ja-JP" altLang="en-US"/>
           </a:p>
@@ -2587,7 +2587,7 @@
           <a:p>
             <a:fld id="{62B29E65-EB2A-45C9-BAFE-33ED08D867EC}" type="datetime1">
               <a:rPr kumimoji="1" lang="ja-JP" altLang="en-US" smtClean="0"/>
-              <a:t>2022/2/4</a:t>
+              <a:t>2022/2/5</a:t>
             </a:fld>
             <a:endParaRPr kumimoji="1" lang="ja-JP" altLang="en-US"/>
           </a:p>
@@ -2700,7 +2700,7 @@
           <a:p>
             <a:fld id="{833403A9-935E-420C-AEA1-B8E3C99B7D2E}" type="datetime1">
               <a:rPr kumimoji="1" lang="ja-JP" altLang="en-US" smtClean="0"/>
-              <a:t>2022/2/4</a:t>
+              <a:t>2022/2/5</a:t>
             </a:fld>
             <a:endParaRPr kumimoji="1" lang="ja-JP" altLang="en-US"/>
           </a:p>
@@ -3043,7 +3043,7 @@
           <a:p>
             <a:fld id="{7D542DA1-5139-4EE3-812D-BF5871890822}" type="datetime1">
               <a:rPr kumimoji="1" lang="ja-JP" altLang="en-US" smtClean="0"/>
-              <a:t>2022/2/4</a:t>
+              <a:t>2022/2/5</a:t>
             </a:fld>
             <a:endParaRPr kumimoji="1" lang="ja-JP" altLang="en-US"/>
           </a:p>
@@ -3331,7 +3331,7 @@
           <a:p>
             <a:fld id="{24B73D90-8DE1-40AA-9623-2387C5EC1AB5}" type="datetime1">
               <a:rPr kumimoji="1" lang="ja-JP" altLang="en-US" smtClean="0"/>
-              <a:t>2022/2/4</a:t>
+              <a:t>2022/2/5</a:t>
             </a:fld>
             <a:endParaRPr kumimoji="1" lang="ja-JP" altLang="en-US"/>
           </a:p>
@@ -3604,7 +3604,7 @@
           <a:p>
             <a:fld id="{4F1D4575-AF48-485D-A563-D032921D4671}" type="datetime1">
               <a:rPr kumimoji="1" lang="ja-JP" altLang="en-US" smtClean="0"/>
-              <a:t>2022/2/4</a:t>
+              <a:t>2022/2/5</a:t>
             </a:fld>
             <a:endParaRPr kumimoji="1" lang="ja-JP" altLang="en-US"/>
           </a:p>
@@ -4921,8 +4921,8 @@
           </a:prstGeom>
         </p:spPr>
       </p:pic>
-      <mc:AlternateContent xmlns:mc="http://schemas.openxmlformats.org/markup-compatibility/2006">
-        <mc:Choice xmlns:a14="http://schemas.microsoft.com/office/drawing/2010/main" Requires="a14">
+      <mc:AlternateContent xmlns:mc="http://schemas.openxmlformats.org/markup-compatibility/2006" xmlns:a14="http://schemas.microsoft.com/office/drawing/2010/main">
+        <mc:Choice Requires="a14">
           <p:sp>
             <p:nvSpPr>
               <p:cNvPr id="17" name="テキスト ボックス 16">
@@ -4994,7 +4994,7 @@
             </p:txBody>
           </p:sp>
         </mc:Choice>
-        <mc:Fallback>
+        <mc:Fallback xmlns="">
           <p:sp>
             <p:nvSpPr>
               <p:cNvPr id="17" name="テキスト ボックス 16">
@@ -7738,7 +7738,7 @@
             </a:r>
             <a:r>
               <a:rPr lang="ja-JP" altLang="en-US" dirty="0"/>
-              <a:t>次共にローカルパッチのサイズをグローバルパッチの要素サイズの</a:t>
+              <a:t>次共にグローバルパッチの要素サイズに対するローカルパッチのサイズの比を</a:t>
             </a:r>
             <a:r>
               <a:rPr lang="en-US" altLang="ja-JP" dirty="0"/>
@@ -12189,8 +12189,8 @@
           </a:prstGeom>
         </p:spPr>
       </p:pic>
-      <mc:AlternateContent xmlns:mc="http://schemas.openxmlformats.org/markup-compatibility/2006">
-        <mc:Choice xmlns:a14="http://schemas.microsoft.com/office/drawing/2010/main" Requires="a14">
+      <mc:AlternateContent xmlns:mc="http://schemas.openxmlformats.org/markup-compatibility/2006" xmlns:a14="http://schemas.microsoft.com/office/drawing/2010/main">
+        <mc:Choice Requires="a14">
           <p:sp>
             <p:nvSpPr>
               <p:cNvPr id="37" name="テキスト ボックス 36">
@@ -12360,7 +12360,7 @@
             </p:txBody>
           </p:sp>
         </mc:Choice>
-        <mc:Fallback>
+        <mc:Fallback xmlns="">
           <p:sp>
             <p:nvSpPr>
               <p:cNvPr id="37" name="テキスト ボックス 36">
@@ -22946,8 +22946,8 @@
           </a:p>
         </p:txBody>
       </p:sp>
-      <mc:AlternateContent xmlns:mc="http://schemas.openxmlformats.org/markup-compatibility/2006">
-        <mc:Choice xmlns:a14="http://schemas.microsoft.com/office/drawing/2010/main" Requires="a14">
+      <mc:AlternateContent xmlns:mc="http://schemas.openxmlformats.org/markup-compatibility/2006" xmlns:a14="http://schemas.microsoft.com/office/drawing/2010/main">
+        <mc:Choice Requires="a14">
           <p:sp>
             <p:nvSpPr>
               <p:cNvPr id="14" name="テキスト ボックス 13">
@@ -23346,7 +23346,7 @@
             </p:txBody>
           </p:sp>
         </mc:Choice>
-        <mc:Fallback>
+        <mc:Fallback xmlns="">
           <p:sp>
             <p:nvSpPr>
               <p:cNvPr id="14" name="テキスト ボックス 13">
@@ -24335,8 +24335,8 @@
           </a:p>
         </p:txBody>
       </p:sp>
-      <mc:AlternateContent xmlns:mc="http://schemas.openxmlformats.org/markup-compatibility/2006">
-        <mc:Choice xmlns:a14="http://schemas.microsoft.com/office/drawing/2010/main" Requires="a14">
+      <mc:AlternateContent xmlns:mc="http://schemas.openxmlformats.org/markup-compatibility/2006" xmlns:a14="http://schemas.microsoft.com/office/drawing/2010/main">
+        <mc:Choice Requires="a14">
           <p:sp>
             <p:nvSpPr>
               <p:cNvPr id="9" name="テキスト ボックス 8">
@@ -24795,7 +24795,7 @@
             </p:txBody>
           </p:sp>
         </mc:Choice>
-        <mc:Fallback>
+        <mc:Fallback xmlns="">
           <p:sp>
             <p:nvSpPr>
               <p:cNvPr id="9" name="テキスト ボックス 8">
@@ -24840,8 +24840,8 @@
           </p:sp>
         </mc:Fallback>
       </mc:AlternateContent>
-      <mc:AlternateContent xmlns:mc="http://schemas.openxmlformats.org/markup-compatibility/2006">
-        <mc:Choice xmlns:a14="http://schemas.microsoft.com/office/drawing/2010/main" Requires="a14">
+      <mc:AlternateContent xmlns:mc="http://schemas.openxmlformats.org/markup-compatibility/2006" xmlns:a14="http://schemas.microsoft.com/office/drawing/2010/main">
+        <mc:Choice Requires="a14">
           <p:sp>
             <p:nvSpPr>
               <p:cNvPr id="10" name="テキスト ボックス 9">
@@ -25737,7 +25737,7 @@
             </p:txBody>
           </p:sp>
         </mc:Choice>
-        <mc:Fallback>
+        <mc:Fallback xmlns="">
           <p:sp>
             <p:nvSpPr>
               <p:cNvPr id="10" name="テキスト ボックス 9">
@@ -33926,8 +33926,8 @@
           </a:p>
         </p:txBody>
       </p:sp>
-      <mc:AlternateContent xmlns:mc="http://schemas.openxmlformats.org/markup-compatibility/2006">
-        <mc:Choice xmlns:a14="http://schemas.microsoft.com/office/drawing/2010/main" Requires="a14">
+      <mc:AlternateContent xmlns:mc="http://schemas.openxmlformats.org/markup-compatibility/2006" xmlns:a14="http://schemas.microsoft.com/office/drawing/2010/main">
+        <mc:Choice Requires="a14">
           <p:sp>
             <p:nvSpPr>
               <p:cNvPr id="14" name="テキスト ボックス 13">
@@ -34032,7 +34032,7 @@
             </p:txBody>
           </p:sp>
         </mc:Choice>
-        <mc:Fallback>
+        <mc:Fallback xmlns="">
           <p:sp>
             <p:nvSpPr>
               <p:cNvPr id="14" name="テキスト ボックス 13">
@@ -34367,8 +34367,8 @@
           </a:prstGeom>
         </p:spPr>
       </p:pic>
-      <mc:AlternateContent xmlns:mc="http://schemas.openxmlformats.org/markup-compatibility/2006">
-        <mc:Choice xmlns:a14="http://schemas.microsoft.com/office/drawing/2010/main" Requires="a14">
+      <mc:AlternateContent xmlns:mc="http://schemas.openxmlformats.org/markup-compatibility/2006" xmlns:a14="http://schemas.microsoft.com/office/drawing/2010/main">
+        <mc:Choice Requires="a14">
           <p:sp>
             <p:nvSpPr>
               <p:cNvPr id="23" name="テキスト ボックス 22">
@@ -34440,7 +34440,7 @@
             </p:txBody>
           </p:sp>
         </mc:Choice>
-        <mc:Fallback>
+        <mc:Fallback xmlns="">
           <p:sp>
             <p:nvSpPr>
               <p:cNvPr id="23" name="テキスト ボックス 22">

--- a/卒論発表/最終版/20220208_卒業発表_土山雄飛.pptx
+++ b/卒論発表/最終版/20220208_卒業発表_土山雄飛.pptx
@@ -220,7 +220,7 @@
           <a:p>
             <a:fld id="{74408A3F-30A9-40AA-B28A-406E2DB7BA1D}" type="datetimeFigureOut">
               <a:rPr kumimoji="1" lang="ja-JP" altLang="en-US" smtClean="0"/>
-              <a:t>2022/2/5</a:t>
+              <a:t>2022/2/7</a:t>
             </a:fld>
             <a:endParaRPr kumimoji="1" lang="ja-JP" altLang="en-US"/>
           </a:p>
@@ -666,7 +666,7 @@
           <a:p>
             <a:fld id="{3876EF99-6AB4-452F-8C32-7BBA1B6A7691}" type="datetime1">
               <a:rPr kumimoji="1" lang="ja-JP" altLang="en-US" smtClean="0"/>
-              <a:t>2022/2/5</a:t>
+              <a:t>2022/2/7</a:t>
             </a:fld>
             <a:endParaRPr kumimoji="1" lang="ja-JP" altLang="en-US"/>
           </a:p>
@@ -896,7 +896,7 @@
           <a:p>
             <a:fld id="{5FD036F3-1F92-4C72-90C2-FDF31BFF519F}" type="datetime1">
               <a:rPr kumimoji="1" lang="ja-JP" altLang="en-US" smtClean="0"/>
-              <a:t>2022/2/5</a:t>
+              <a:t>2022/2/7</a:t>
             </a:fld>
             <a:endParaRPr kumimoji="1" lang="ja-JP" altLang="en-US"/>
           </a:p>
@@ -1136,7 +1136,7 @@
           <a:p>
             <a:fld id="{69A7F3B8-2E31-409C-A9C8-FB373F1EAA95}" type="datetime1">
               <a:rPr kumimoji="1" lang="ja-JP" altLang="en-US" smtClean="0"/>
-              <a:t>2022/2/5</a:t>
+              <a:t>2022/2/7</a:t>
             </a:fld>
             <a:endParaRPr kumimoji="1" lang="ja-JP" altLang="en-US"/>
           </a:p>
@@ -1366,7 +1366,7 @@
           <a:p>
             <a:fld id="{58B464F0-D6A4-4C38-8E41-5FC81EC9A0D7}" type="datetime1">
               <a:rPr kumimoji="1" lang="ja-JP" altLang="en-US" smtClean="0"/>
-              <a:t>2022/2/5</a:t>
+              <a:t>2022/2/7</a:t>
             </a:fld>
             <a:endParaRPr kumimoji="1" lang="ja-JP" altLang="en-US"/>
           </a:p>
@@ -1641,7 +1641,7 @@
           <a:p>
             <a:fld id="{3EE757C7-2BEA-4AD9-9902-D345B5D2CFE9}" type="datetime1">
               <a:rPr kumimoji="1" lang="ja-JP" altLang="en-US" smtClean="0"/>
-              <a:t>2022/2/5</a:t>
+              <a:t>2022/2/7</a:t>
             </a:fld>
             <a:endParaRPr kumimoji="1" lang="ja-JP" altLang="en-US"/>
           </a:p>
@@ -1970,7 +1970,7 @@
           <a:p>
             <a:fld id="{B8C66256-06F4-485A-9CCD-C69C2B6C9088}" type="datetime1">
               <a:rPr kumimoji="1" lang="ja-JP" altLang="en-US" smtClean="0"/>
-              <a:t>2022/2/5</a:t>
+              <a:t>2022/2/7</a:t>
             </a:fld>
             <a:endParaRPr kumimoji="1" lang="ja-JP" altLang="en-US"/>
           </a:p>
@@ -2446,7 +2446,7 @@
           <a:p>
             <a:fld id="{00B1DD46-5F2C-41E2-B0F0-6E1EFDF40117}" type="datetime1">
               <a:rPr kumimoji="1" lang="ja-JP" altLang="en-US" smtClean="0"/>
-              <a:t>2022/2/5</a:t>
+              <a:t>2022/2/7</a:t>
             </a:fld>
             <a:endParaRPr kumimoji="1" lang="ja-JP" altLang="en-US"/>
           </a:p>
@@ -2587,7 +2587,7 @@
           <a:p>
             <a:fld id="{62B29E65-EB2A-45C9-BAFE-33ED08D867EC}" type="datetime1">
               <a:rPr kumimoji="1" lang="ja-JP" altLang="en-US" smtClean="0"/>
-              <a:t>2022/2/5</a:t>
+              <a:t>2022/2/7</a:t>
             </a:fld>
             <a:endParaRPr kumimoji="1" lang="ja-JP" altLang="en-US"/>
           </a:p>
@@ -2700,7 +2700,7 @@
           <a:p>
             <a:fld id="{833403A9-935E-420C-AEA1-B8E3C99B7D2E}" type="datetime1">
               <a:rPr kumimoji="1" lang="ja-JP" altLang="en-US" smtClean="0"/>
-              <a:t>2022/2/5</a:t>
+              <a:t>2022/2/7</a:t>
             </a:fld>
             <a:endParaRPr kumimoji="1" lang="ja-JP" altLang="en-US"/>
           </a:p>
@@ -3043,7 +3043,7 @@
           <a:p>
             <a:fld id="{7D542DA1-5139-4EE3-812D-BF5871890822}" type="datetime1">
               <a:rPr kumimoji="1" lang="ja-JP" altLang="en-US" smtClean="0"/>
-              <a:t>2022/2/5</a:t>
+              <a:t>2022/2/7</a:t>
             </a:fld>
             <a:endParaRPr kumimoji="1" lang="ja-JP" altLang="en-US"/>
           </a:p>
@@ -3331,7 +3331,7 @@
           <a:p>
             <a:fld id="{24B73D90-8DE1-40AA-9623-2387C5EC1AB5}" type="datetime1">
               <a:rPr kumimoji="1" lang="ja-JP" altLang="en-US" smtClean="0"/>
-              <a:t>2022/2/5</a:t>
+              <a:t>2022/2/7</a:t>
             </a:fld>
             <a:endParaRPr kumimoji="1" lang="ja-JP" altLang="en-US"/>
           </a:p>
@@ -3604,7 +3604,7 @@
           <a:p>
             <a:fld id="{4F1D4575-AF48-485D-A563-D032921D4671}" type="datetime1">
               <a:rPr kumimoji="1" lang="ja-JP" altLang="en-US" smtClean="0"/>
-              <a:t>2022/2/5</a:t>
+              <a:t>2022/2/7</a:t>
             </a:fld>
             <a:endParaRPr kumimoji="1" lang="ja-JP" altLang="en-US"/>
           </a:p>
@@ -4368,8 +4368,8 @@
         </p:nvSpPr>
         <p:spPr>
           <a:xfrm>
-            <a:off x="548081" y="958881"/>
-            <a:ext cx="11367084" cy="1200329"/>
+            <a:off x="606052" y="1005047"/>
+            <a:ext cx="8797255" cy="1107996"/>
           </a:xfrm>
           <a:prstGeom prst="rect">
             <a:avLst/>
@@ -4383,23 +4383,20 @@
           <a:lstStyle/>
           <a:p>
             <a:r>
-              <a:rPr lang="ja-JP" altLang="en-US" dirty="0"/>
+              <a:rPr lang="ja-JP" altLang="en-US" sz="2200" dirty="0"/>
               <a:t>一様引張応力を受ける円孔を有する平板を重合パッチ法で解析する</a:t>
             </a:r>
-            <a:endParaRPr lang="en-US" altLang="ja-JP" dirty="0"/>
+            <a:endParaRPr lang="en-US" altLang="ja-JP" sz="2200" dirty="0"/>
           </a:p>
           <a:p>
-            <a:endParaRPr lang="en-US" altLang="ja-JP" dirty="0"/>
+            <a:endParaRPr lang="en-US" altLang="ja-JP" sz="2200" dirty="0"/>
           </a:p>
           <a:p>
-            <a:endParaRPr lang="en-US" altLang="ja-JP" dirty="0"/>
-          </a:p>
-          <a:p>
-            <a:r>
-              <a:rPr lang="ja-JP" altLang="en-US" dirty="0"/>
+            <a:r>
+              <a:rPr lang="ja-JP" altLang="en-US" sz="2200" dirty="0"/>
               <a:t>解析条件</a:t>
             </a:r>
-            <a:endParaRPr lang="en-US" altLang="ja-JP" dirty="0"/>
+            <a:endParaRPr lang="en-US" altLang="ja-JP" sz="2200" dirty="0"/>
           </a:p>
         </p:txBody>
       </p:sp>
@@ -4534,8 +4531,8 @@
         </p:nvSpPr>
         <p:spPr>
           <a:xfrm>
-            <a:off x="8413596" y="1106444"/>
-            <a:ext cx="3137207" cy="923330"/>
+            <a:off x="9448800" y="1010054"/>
+            <a:ext cx="2743200" cy="1015663"/>
           </a:xfrm>
           <a:prstGeom prst="rect">
             <a:avLst/>
@@ -4549,36 +4546,36 @@
           <a:lstStyle/>
           <a:p>
             <a:r>
-              <a:rPr lang="ja-JP" altLang="en-US" dirty="0"/>
+              <a:rPr lang="ja-JP" altLang="en-US" sz="2000" dirty="0"/>
               <a:t>平面ひずみ</a:t>
             </a:r>
-            <a:endParaRPr lang="en-US" altLang="ja-JP" dirty="0"/>
+            <a:endParaRPr lang="en-US" altLang="ja-JP" sz="2000" dirty="0"/>
           </a:p>
           <a:p>
             <a:r>
-              <a:rPr lang="ja-JP" altLang="en-US" dirty="0"/>
+              <a:rPr lang="ja-JP" altLang="en-US" sz="2000" dirty="0"/>
               <a:t>ヤング率     </a:t>
             </a:r>
             <a:r>
-              <a:rPr lang="en-US" altLang="ja-JP" dirty="0"/>
+              <a:rPr lang="en-US" altLang="ja-JP" sz="2000" dirty="0"/>
               <a:t>:206[</a:t>
             </a:r>
             <a:r>
-              <a:rPr lang="en-US" altLang="ja-JP" dirty="0" err="1"/>
+              <a:rPr lang="en-US" altLang="ja-JP" sz="2000" dirty="0" err="1"/>
               <a:t>GPa</a:t>
             </a:r>
             <a:r>
-              <a:rPr lang="en-US" altLang="ja-JP" dirty="0"/>
+              <a:rPr lang="en-US" altLang="ja-JP" sz="2000" dirty="0"/>
               <a:t>]</a:t>
             </a:r>
           </a:p>
           <a:p>
             <a:r>
-              <a:rPr lang="ja-JP" altLang="en-US" dirty="0"/>
+              <a:rPr lang="ja-JP" altLang="en-US" sz="2000" dirty="0"/>
               <a:t>ポアソン比 </a:t>
             </a:r>
             <a:r>
-              <a:rPr lang="en-US" altLang="ja-JP" dirty="0"/>
+              <a:rPr lang="en-US" altLang="ja-JP" sz="2000" dirty="0"/>
               <a:t>:0.3 [-]</a:t>
             </a:r>
           </a:p>
@@ -4717,8 +4714,8 @@
         </p:nvSpPr>
         <p:spPr>
           <a:xfrm>
-            <a:off x="412459" y="801812"/>
-            <a:ext cx="5996730" cy="369332"/>
+            <a:off x="480967" y="813338"/>
+            <a:ext cx="7077514" cy="461665"/>
           </a:xfrm>
           <a:prstGeom prst="rect">
             <a:avLst/>
@@ -4732,22 +4729,22 @@
           <a:lstStyle/>
           <a:p>
             <a:r>
-              <a:rPr lang="ja-JP" altLang="en-US" dirty="0"/>
+              <a:rPr lang="ja-JP" altLang="en-US" sz="2400" dirty="0"/>
               <a:t>無限遠にて一様引張応力</a:t>
             </a:r>
             <a:r>
-              <a:rPr lang="en-US" altLang="ja-JP" i="1" dirty="0"/>
+              <a:rPr lang="en-US" altLang="ja-JP" sz="2400" i="1" dirty="0"/>
               <a:t>σ</a:t>
             </a:r>
             <a:r>
-              <a:rPr lang="en-US" altLang="ja-JP" i="1" baseline="-25000" dirty="0"/>
+              <a:rPr lang="en-US" altLang="ja-JP" sz="2400" i="1" baseline="-25000" dirty="0"/>
               <a:t>0</a:t>
             </a:r>
             <a:r>
-              <a:rPr lang="ja-JP" altLang="en-US" dirty="0"/>
+              <a:rPr lang="ja-JP" altLang="en-US" sz="2400" dirty="0"/>
               <a:t>を受ける場合の理論解</a:t>
             </a:r>
-            <a:endParaRPr lang="en-US" altLang="ja-JP" dirty="0"/>
+            <a:endParaRPr lang="en-US" altLang="ja-JP" sz="2400" dirty="0"/>
           </a:p>
         </p:txBody>
       </p:sp>
@@ -4812,8 +4809,8 @@
         </p:nvSpPr>
         <p:spPr>
           <a:xfrm>
-            <a:off x="412459" y="3857920"/>
-            <a:ext cx="8823820" cy="646331"/>
+            <a:off x="480967" y="4586332"/>
+            <a:ext cx="11504936" cy="461665"/>
           </a:xfrm>
           <a:prstGeom prst="rect">
             <a:avLst/>
@@ -4827,37 +4824,34 @@
           <a:lstStyle/>
           <a:p>
             <a:r>
-              <a:rPr lang="ja-JP" altLang="en-US" dirty="0"/>
+              <a:rPr lang="ja-JP" altLang="en-US" sz="2400" dirty="0"/>
               <a:t>誤差ノルムを以下のように定義し，ガウス点での</a:t>
             </a:r>
             <a:r>
-              <a:rPr lang="en-US" altLang="ja-JP" i="1" dirty="0" err="1"/>
+              <a:rPr lang="en-US" altLang="ja-JP" sz="2400" i="1" dirty="0" err="1"/>
               <a:t>σ</a:t>
             </a:r>
             <a:r>
-              <a:rPr lang="en-US" altLang="ja-JP" i="1" baseline="-25000" dirty="0" err="1"/>
+              <a:rPr lang="en-US" altLang="ja-JP" sz="2400" i="1" baseline="-25000" dirty="0" err="1"/>
               <a:t>rr</a:t>
             </a:r>
             <a:r>
-              <a:rPr lang="ja-JP" altLang="en-US" dirty="0"/>
+              <a:rPr lang="ja-JP" altLang="en-US" sz="2400" dirty="0"/>
               <a:t>，</a:t>
             </a:r>
             <a:r>
-              <a:rPr lang="en-US" altLang="ja-JP" i="1" dirty="0" err="1"/>
+              <a:rPr lang="en-US" altLang="ja-JP" sz="2400" i="1" dirty="0" err="1"/>
               <a:t>σ</a:t>
             </a:r>
             <a:r>
-              <a:rPr lang="en-US" altLang="ja-JP" i="1" baseline="-25000" dirty="0" err="1"/>
+              <a:rPr lang="en-US" altLang="ja-JP" sz="2400" i="1" baseline="-25000" dirty="0" err="1"/>
               <a:t>θθ</a:t>
             </a:r>
             <a:r>
-              <a:rPr lang="ja-JP" altLang="en-US" dirty="0"/>
+              <a:rPr lang="ja-JP" altLang="en-US" sz="2400" dirty="0"/>
               <a:t>を積分して計算を行った</a:t>
             </a:r>
-            <a:endParaRPr lang="en-US" altLang="ja-JP" dirty="0"/>
-          </a:p>
-          <a:p>
-            <a:endParaRPr lang="en-US" altLang="ja-JP" dirty="0"/>
+            <a:endParaRPr lang="en-US" altLang="ja-JP" sz="2400" dirty="0"/>
           </a:p>
         </p:txBody>
       </p:sp>
@@ -4883,8 +4877,8 @@
         </p:blipFill>
         <p:spPr>
           <a:xfrm>
-            <a:off x="343949" y="1153379"/>
-            <a:ext cx="4509017" cy="2395164"/>
+            <a:off x="412458" y="1332783"/>
+            <a:ext cx="5996730" cy="3185428"/>
           </a:xfrm>
           <a:prstGeom prst="rect">
             <a:avLst/>
@@ -4913,16 +4907,16 @@
         </p:blipFill>
         <p:spPr>
           <a:xfrm>
-            <a:off x="343949" y="4536629"/>
-            <a:ext cx="4477375" cy="1267002"/>
+            <a:off x="412458" y="5054563"/>
+            <a:ext cx="4905605" cy="1388182"/>
           </a:xfrm>
           <a:prstGeom prst="rect">
             <a:avLst/>
           </a:prstGeom>
         </p:spPr>
       </p:pic>
-      <mc:AlternateContent xmlns:mc="http://schemas.openxmlformats.org/markup-compatibility/2006" xmlns:a14="http://schemas.microsoft.com/office/drawing/2010/main">
-        <mc:Choice Requires="a14">
+      <mc:AlternateContent xmlns:mc="http://schemas.openxmlformats.org/markup-compatibility/2006">
+        <mc:Choice xmlns:a14="http://schemas.microsoft.com/office/drawing/2010/main" Requires="a14">
           <p:sp>
             <p:nvSpPr>
               <p:cNvPr id="17" name="テキスト ボックス 16">
@@ -4937,8 +4931,8 @@
             </p:nvSpPr>
             <p:spPr>
               <a:xfrm>
-                <a:off x="4852966" y="4985464"/>
-                <a:ext cx="5823396" cy="369332"/>
+                <a:off x="5139589" y="5488009"/>
+                <a:ext cx="5823396" cy="461665"/>
               </a:xfrm>
               <a:prstGeom prst="rect">
                 <a:avLst/>
@@ -4954,7 +4948,7 @@
                 <a14:m>
                   <m:oMath xmlns:m="http://schemas.openxmlformats.org/officeDocument/2006/math">
                     <m:r>
-                      <a:rPr lang="ja-JP" altLang="en-US" i="1" smtClean="0">
+                      <a:rPr lang="ja-JP" altLang="en-US" sz="2400" i="1" smtClean="0">
                         <a:latin typeface="Cambria Math" panose="02040503050406030204" pitchFamily="18" charset="0"/>
                       </a:rPr>
                       <m:t>𝛼</m:t>
@@ -4962,39 +4956,39 @@
                   </m:oMath>
                 </a14:m>
                 <a:r>
-                  <a:rPr lang="en-US" altLang="ja-JP" dirty="0"/>
+                  <a:rPr lang="en-US" altLang="ja-JP" sz="2400" dirty="0"/>
                   <a:t>: </a:t>
                 </a:r>
                 <a:r>
-                  <a:rPr lang="ja-JP" altLang="en-US" dirty="0"/>
+                  <a:rPr lang="ja-JP" altLang="en-US" sz="2400" dirty="0"/>
                   <a:t>比較パラメータの</a:t>
                 </a:r>
                 <a:r>
-                  <a:rPr lang="en-US" altLang="ja-JP" i="1" dirty="0" err="1"/>
+                  <a:rPr lang="en-US" altLang="ja-JP" sz="2400" i="1" dirty="0" err="1"/>
                   <a:t>σ</a:t>
                 </a:r>
                 <a:r>
-                  <a:rPr lang="en-US" altLang="ja-JP" i="1" baseline="-25000" dirty="0" err="1"/>
+                  <a:rPr lang="en-US" altLang="ja-JP" sz="2400" i="1" baseline="-25000" dirty="0" err="1"/>
                   <a:t>rr</a:t>
                 </a:r>
                 <a:r>
-                  <a:rPr lang="ja-JP" altLang="en-US" dirty="0"/>
+                  <a:rPr lang="ja-JP" altLang="en-US" sz="2400" dirty="0"/>
                   <a:t>，</a:t>
                 </a:r>
                 <a:r>
-                  <a:rPr lang="en-US" altLang="ja-JP" i="1" dirty="0" err="1"/>
+                  <a:rPr lang="en-US" altLang="ja-JP" sz="2400" i="1" dirty="0" err="1"/>
                   <a:t>σ</a:t>
                 </a:r>
                 <a:r>
-                  <a:rPr lang="en-US" altLang="ja-JP" i="1" baseline="-25000" dirty="0" err="1"/>
+                  <a:rPr lang="en-US" altLang="ja-JP" sz="2400" i="1" baseline="-25000" dirty="0" err="1"/>
                   <a:t>θθ</a:t>
                 </a:r>
-                <a:endParaRPr lang="en-US" altLang="ja-JP" dirty="0"/>
+                <a:endParaRPr lang="en-US" altLang="ja-JP" sz="2400" dirty="0"/>
               </a:p>
             </p:txBody>
           </p:sp>
         </mc:Choice>
-        <mc:Fallback xmlns="">
+        <mc:Fallback>
           <p:sp>
             <p:nvSpPr>
               <p:cNvPr id="17" name="テキスト ボックス 16">
@@ -5011,8 +5005,8 @@
             </p:nvSpPr>
             <p:spPr>
               <a:xfrm>
-                <a:off x="4852966" y="4985464"/>
-                <a:ext cx="5823396" cy="369332"/>
+                <a:off x="5139589" y="5488009"/>
+                <a:ext cx="5823396" cy="461665"/>
               </a:xfrm>
               <a:prstGeom prst="rect">
                 <a:avLst/>
@@ -5020,7 +5014,7 @@
               <a:blipFill>
                 <a:blip r:embed="rId4"/>
                 <a:stretch>
-                  <a:fillRect t="-15000" b="-30000"/>
+                  <a:fillRect t="-15789" b="-31579"/>
                 </a:stretch>
               </a:blipFill>
             </p:spPr>
@@ -5212,7 +5206,7 @@
         <p:spPr>
           <a:xfrm>
             <a:off x="425741" y="739092"/>
-            <a:ext cx="11367084" cy="2862322"/>
+            <a:ext cx="11367084" cy="2662267"/>
           </a:xfrm>
           <a:prstGeom prst="rect">
             <a:avLst/>
@@ -5226,96 +5220,81 @@
           <a:lstStyle/>
           <a:p>
             <a:r>
-              <a:rPr lang="ja-JP" altLang="en-US" dirty="0"/>
+              <a:rPr lang="ja-JP" altLang="en-US" sz="2000" dirty="0"/>
               <a:t>グローバルパッチとローカルパッチの基底関数の次数の組を以下のようにして解析を行った</a:t>
             </a:r>
-            <a:endParaRPr lang="en-US" altLang="ja-JP" dirty="0"/>
+            <a:endParaRPr lang="en-US" altLang="ja-JP" sz="2000" dirty="0"/>
           </a:p>
           <a:p>
-            <a:r>
-              <a:rPr lang="en-US" altLang="ja-JP" dirty="0"/>
-              <a:t>(a)(2</a:t>
-            </a:r>
-            <a:r>
-              <a:rPr lang="ja-JP" altLang="en-US" dirty="0"/>
-              <a:t>次</a:t>
-            </a:r>
-            <a:r>
-              <a:rPr lang="en-US" altLang="ja-JP" dirty="0"/>
-              <a:t>, 2</a:t>
-            </a:r>
-            <a:r>
-              <a:rPr lang="ja-JP" altLang="en-US" dirty="0"/>
-              <a:t>次</a:t>
-            </a:r>
-            <a:r>
-              <a:rPr lang="en-US" altLang="ja-JP" dirty="0"/>
-              <a:t>)</a:t>
-            </a:r>
+            <a:endParaRPr lang="en-US" altLang="ja-JP" sz="900" dirty="0"/>
           </a:p>
           <a:p>
             <a:r>
-              <a:rPr lang="en-US" altLang="ja-JP" dirty="0"/>
-              <a:t>(b)(2</a:t>
-            </a:r>
-            <a:r>
-              <a:rPr lang="ja-JP" altLang="en-US" dirty="0"/>
+              <a:rPr lang="en-US" altLang="ja-JP" sz="2000" dirty="0"/>
+              <a:t>(a)(2</a:t>
+            </a:r>
+            <a:r>
+              <a:rPr lang="ja-JP" altLang="en-US" sz="2000" dirty="0"/>
               <a:t>次</a:t>
             </a:r>
             <a:r>
-              <a:rPr lang="en-US" altLang="ja-JP" dirty="0"/>
+              <a:rPr lang="en-US" altLang="ja-JP" sz="2000" dirty="0"/>
+              <a:t>, 2</a:t>
+            </a:r>
+            <a:r>
+              <a:rPr lang="ja-JP" altLang="en-US" sz="2000" dirty="0"/>
+              <a:t>次</a:t>
+            </a:r>
+            <a:r>
+              <a:rPr lang="en-US" altLang="ja-JP" sz="2000" dirty="0"/>
+              <a:t>)	(b)(2</a:t>
+            </a:r>
+            <a:r>
+              <a:rPr lang="ja-JP" altLang="en-US" sz="2000" dirty="0"/>
+              <a:t>次</a:t>
+            </a:r>
+            <a:r>
+              <a:rPr lang="en-US" altLang="ja-JP" sz="2000" dirty="0"/>
               <a:t>, 3</a:t>
             </a:r>
             <a:r>
-              <a:rPr lang="ja-JP" altLang="en-US" dirty="0"/>
+              <a:rPr lang="ja-JP" altLang="en-US" sz="2000" dirty="0"/>
               <a:t>次</a:t>
             </a:r>
             <a:r>
-              <a:rPr lang="en-US" altLang="ja-JP" dirty="0"/>
-              <a:t>)</a:t>
-            </a:r>
-          </a:p>
-          <a:p>
-            <a:r>
-              <a:rPr lang="en-US" altLang="ja-JP" dirty="0"/>
-              <a:t>(c)(3</a:t>
-            </a:r>
-            <a:r>
-              <a:rPr lang="ja-JP" altLang="en-US" dirty="0"/>
+              <a:rPr lang="en-US" altLang="ja-JP" sz="2000" dirty="0"/>
+              <a:t>)	(c)(3</a:t>
+            </a:r>
+            <a:r>
+              <a:rPr lang="ja-JP" altLang="en-US" sz="2000" dirty="0"/>
               <a:t>次</a:t>
             </a:r>
             <a:r>
-              <a:rPr lang="en-US" altLang="ja-JP" dirty="0"/>
+              <a:rPr lang="en-US" altLang="ja-JP" sz="2000" dirty="0"/>
               <a:t>, 2</a:t>
             </a:r>
             <a:r>
-              <a:rPr lang="ja-JP" altLang="en-US" dirty="0"/>
+              <a:rPr lang="ja-JP" altLang="en-US" sz="2000" dirty="0"/>
               <a:t>次</a:t>
             </a:r>
             <a:r>
-              <a:rPr lang="en-US" altLang="ja-JP" dirty="0"/>
-              <a:t>)</a:t>
-            </a:r>
-          </a:p>
-          <a:p>
-            <a:r>
-              <a:rPr lang="en-US" altLang="ja-JP" dirty="0"/>
-              <a:t>(d)(3</a:t>
-            </a:r>
-            <a:r>
-              <a:rPr lang="ja-JP" altLang="en-US" dirty="0"/>
+              <a:rPr lang="en-US" altLang="ja-JP" sz="2000" dirty="0"/>
+              <a:t>)	(d)(3</a:t>
+            </a:r>
+            <a:r>
+              <a:rPr lang="ja-JP" altLang="en-US" sz="2000" dirty="0"/>
               <a:t>次</a:t>
             </a:r>
             <a:r>
-              <a:rPr lang="en-US" altLang="ja-JP" dirty="0"/>
+              <a:rPr lang="en-US" altLang="ja-JP" sz="2000" dirty="0"/>
               <a:t>, 3</a:t>
             </a:r>
             <a:r>
-              <a:rPr lang="ja-JP" altLang="en-US" dirty="0"/>
+              <a:rPr lang="ja-JP" altLang="en-US" sz="2000" dirty="0"/>
               <a:t>次</a:t>
             </a:r>
             <a:r>
-              <a:rPr lang="en-US" altLang="ja-JP" dirty="0"/>
+              <a:rPr lang="en-US" altLang="ja-JP" sz="2000" dirty="0"/>
               <a:t>)</a:t>
             </a:r>
           </a:p>
@@ -5323,80 +5302,83 @@
             <a:endParaRPr lang="en-US" altLang="ja-JP" dirty="0"/>
           </a:p>
           <a:p>
-            <a:r>
-              <a:rPr lang="ja-JP" altLang="en-US" dirty="0"/>
-              <a:t>グローバルパッチはコントロールポイントを</a:t>
-            </a:r>
-            <a:r>
-              <a:rPr lang="en-US" altLang="ja-JP" dirty="0"/>
-              <a:t>30x30</a:t>
-            </a:r>
-            <a:r>
-              <a:rPr lang="ja-JP" altLang="en-US" dirty="0"/>
-              <a:t>とし，</a:t>
-            </a:r>
             <a:endParaRPr lang="en-US" altLang="ja-JP" dirty="0"/>
           </a:p>
           <a:p>
             <a:r>
-              <a:rPr lang="ja-JP" altLang="en-US" dirty="0"/>
+              <a:rPr lang="ja-JP" altLang="en-US" sz="2000" dirty="0"/>
+              <a:t>グローバルパッチはコントロールポイントを</a:t>
+            </a:r>
+            <a:r>
+              <a:rPr lang="en-US" altLang="ja-JP" sz="2000" dirty="0"/>
+              <a:t>30x30</a:t>
+            </a:r>
+            <a:r>
+              <a:rPr lang="ja-JP" altLang="en-US" sz="2000" dirty="0"/>
+              <a:t>とし，</a:t>
+            </a:r>
+            <a:endParaRPr lang="en-US" altLang="ja-JP" sz="2000" dirty="0"/>
+          </a:p>
+          <a:p>
+            <a:r>
+              <a:rPr lang="ja-JP" altLang="en-US" sz="2000" dirty="0"/>
               <a:t>ローカルパッチは</a:t>
             </a:r>
             <a:r>
-              <a:rPr lang="en-US" altLang="ja-JP" dirty="0"/>
+              <a:rPr lang="en-US" altLang="ja-JP" sz="2000" dirty="0"/>
               <a:t>2</a:t>
             </a:r>
             <a:r>
-              <a:rPr lang="ja-JP" altLang="en-US" dirty="0"/>
+              <a:rPr lang="ja-JP" altLang="en-US" sz="2000" dirty="0"/>
               <a:t>次と</a:t>
             </a:r>
             <a:r>
-              <a:rPr lang="en-US" altLang="ja-JP" dirty="0"/>
+              <a:rPr lang="en-US" altLang="ja-JP" sz="2000" dirty="0"/>
               <a:t>3</a:t>
             </a:r>
             <a:r>
-              <a:rPr lang="ja-JP" altLang="en-US" dirty="0"/>
+              <a:rPr lang="ja-JP" altLang="en-US" sz="2000" dirty="0"/>
               <a:t>次でそれぞれ</a:t>
             </a:r>
             <a:r>
-              <a:rPr lang="en-US" altLang="ja-JP" dirty="0"/>
+              <a:rPr lang="en-US" altLang="ja-JP" sz="2000" dirty="0"/>
               <a:t>5x5,10x10,20x20,30x30</a:t>
             </a:r>
             <a:r>
-              <a:rPr lang="ja-JP" altLang="en-US" dirty="0"/>
+              <a:rPr lang="ja-JP" altLang="en-US" sz="2000" dirty="0"/>
               <a:t>の</a:t>
             </a:r>
             <a:r>
-              <a:rPr lang="en-US" altLang="ja-JP" dirty="0"/>
+              <a:rPr lang="en-US" altLang="ja-JP" sz="2000" dirty="0"/>
               <a:t>4</a:t>
             </a:r>
             <a:r>
-              <a:rPr lang="ja-JP" altLang="en-US" dirty="0"/>
+              <a:rPr lang="ja-JP" altLang="en-US" sz="2000" dirty="0"/>
               <a:t>通り</a:t>
             </a:r>
-            <a:endParaRPr lang="en-US" altLang="ja-JP" dirty="0"/>
+            <a:endParaRPr lang="en-US" altLang="ja-JP" sz="2000" dirty="0"/>
           </a:p>
           <a:p>
             <a:endParaRPr lang="en-US" altLang="ja-JP" i="1" dirty="0"/>
           </a:p>
           <a:p>
             <a:r>
-              <a:rPr lang="ja-JP" altLang="en-US" i="1" dirty="0"/>
-              <a:t>各次数の組での</a:t>
-            </a:r>
-            <a:r>
-              <a:rPr lang="en-US" altLang="ja-JP" i="1" dirty="0" err="1"/>
+              <a:rPr lang="ja-JP" altLang="en-US" sz="2000" i="1" dirty="0"/>
+              <a:t>ローカルパッチ上の各次数の組での</a:t>
+            </a:r>
+            <a:r>
+              <a:rPr lang="en-US" altLang="ja-JP" sz="2000" i="1" dirty="0" err="1"/>
               <a:t>σ</a:t>
             </a:r>
             <a:r>
-              <a:rPr lang="en-US" altLang="ja-JP" i="1" baseline="-25000" dirty="0" err="1"/>
+              <a:rPr lang="en-US" altLang="ja-JP" sz="2000" i="1" baseline="-25000" dirty="0" err="1"/>
               <a:t>yy</a:t>
             </a:r>
             <a:r>
-              <a:rPr lang="ja-JP" altLang="en-US" dirty="0"/>
+              <a:rPr lang="ja-JP" altLang="en-US" sz="2000" dirty="0"/>
               <a:t>のコンター図</a:t>
             </a:r>
-            <a:endParaRPr lang="en-US" altLang="ja-JP" dirty="0"/>
+            <a:endParaRPr lang="en-US" altLang="ja-JP" sz="2000" dirty="0"/>
           </a:p>
         </p:txBody>
       </p:sp>
@@ -5766,6 +5748,325 @@
           </a:p>
         </p:txBody>
       </p:sp>
+      <p:pic>
+        <p:nvPicPr>
+          <p:cNvPr id="4" name="図 3">
+            <a:extLst>
+              <a:ext uri="{FF2B5EF4-FFF2-40B4-BE49-F238E27FC236}">
+                <a16:creationId xmlns:a16="http://schemas.microsoft.com/office/drawing/2014/main" id="{61E35B34-9D2F-4D74-AD73-91E6B7F05E78}"/>
+              </a:ext>
+            </a:extLst>
+          </p:cNvPr>
+          <p:cNvPicPr>
+            <a:picLocks noChangeAspect="1"/>
+          </p:cNvPicPr>
+          <p:nvPr/>
+        </p:nvPicPr>
+        <p:blipFill>
+          <a:blip r:embed="rId6"/>
+          <a:stretch>
+            <a:fillRect/>
+          </a:stretch>
+        </p:blipFill>
+        <p:spPr>
+          <a:xfrm>
+            <a:off x="2520846" y="3485211"/>
+            <a:ext cx="438211" cy="1381318"/>
+          </a:xfrm>
+          <a:prstGeom prst="rect">
+            <a:avLst/>
+          </a:prstGeom>
+        </p:spPr>
+      </p:pic>
+      <p:pic>
+        <p:nvPicPr>
+          <p:cNvPr id="17" name="図 16">
+            <a:extLst>
+              <a:ext uri="{FF2B5EF4-FFF2-40B4-BE49-F238E27FC236}">
+                <a16:creationId xmlns:a16="http://schemas.microsoft.com/office/drawing/2014/main" id="{11A8CB4B-6A10-4B74-A867-598769E32F46}"/>
+              </a:ext>
+            </a:extLst>
+          </p:cNvPr>
+          <p:cNvPicPr>
+            <a:picLocks noChangeAspect="1"/>
+          </p:cNvPicPr>
+          <p:nvPr/>
+        </p:nvPicPr>
+        <p:blipFill>
+          <a:blip r:embed="rId6"/>
+          <a:stretch>
+            <a:fillRect/>
+          </a:stretch>
+        </p:blipFill>
+        <p:spPr>
+          <a:xfrm>
+            <a:off x="5242753" y="3485211"/>
+            <a:ext cx="438211" cy="1381318"/>
+          </a:xfrm>
+          <a:prstGeom prst="rect">
+            <a:avLst/>
+          </a:prstGeom>
+        </p:spPr>
+      </p:pic>
+      <p:pic>
+        <p:nvPicPr>
+          <p:cNvPr id="18" name="図 17">
+            <a:extLst>
+              <a:ext uri="{FF2B5EF4-FFF2-40B4-BE49-F238E27FC236}">
+                <a16:creationId xmlns:a16="http://schemas.microsoft.com/office/drawing/2014/main" id="{A50FABD2-0214-4895-B439-043395662FB5}"/>
+              </a:ext>
+            </a:extLst>
+          </p:cNvPr>
+          <p:cNvPicPr>
+            <a:picLocks noChangeAspect="1"/>
+          </p:cNvPicPr>
+          <p:nvPr/>
+        </p:nvPicPr>
+        <p:blipFill>
+          <a:blip r:embed="rId6"/>
+          <a:stretch>
+            <a:fillRect/>
+          </a:stretch>
+        </p:blipFill>
+        <p:spPr>
+          <a:xfrm>
+            <a:off x="8147202" y="3478303"/>
+            <a:ext cx="438211" cy="1381318"/>
+          </a:xfrm>
+          <a:prstGeom prst="rect">
+            <a:avLst/>
+          </a:prstGeom>
+        </p:spPr>
+      </p:pic>
+      <p:pic>
+        <p:nvPicPr>
+          <p:cNvPr id="19" name="図 18">
+            <a:extLst>
+              <a:ext uri="{FF2B5EF4-FFF2-40B4-BE49-F238E27FC236}">
+                <a16:creationId xmlns:a16="http://schemas.microsoft.com/office/drawing/2014/main" id="{0DCDE723-C294-4E45-9F8F-803CACB0F5B4}"/>
+              </a:ext>
+            </a:extLst>
+          </p:cNvPr>
+          <p:cNvPicPr>
+            <a:picLocks noChangeAspect="1"/>
+          </p:cNvPicPr>
+          <p:nvPr/>
+        </p:nvPicPr>
+        <p:blipFill>
+          <a:blip r:embed="rId6"/>
+          <a:stretch>
+            <a:fillRect/>
+          </a:stretch>
+        </p:blipFill>
+        <p:spPr>
+          <a:xfrm>
+            <a:off x="11091487" y="3459899"/>
+            <a:ext cx="438211" cy="1381318"/>
+          </a:xfrm>
+          <a:prstGeom prst="rect">
+            <a:avLst/>
+          </a:prstGeom>
+        </p:spPr>
+      </p:pic>
+      <p:pic>
+        <p:nvPicPr>
+          <p:cNvPr id="8" name="図 7">
+            <a:extLst>
+              <a:ext uri="{FF2B5EF4-FFF2-40B4-BE49-F238E27FC236}">
+                <a16:creationId xmlns:a16="http://schemas.microsoft.com/office/drawing/2014/main" id="{5E73BAEA-B176-4C51-BB06-0746F07D9EC0}"/>
+              </a:ext>
+            </a:extLst>
+          </p:cNvPr>
+          <p:cNvPicPr>
+            <a:picLocks noChangeAspect="1"/>
+          </p:cNvPicPr>
+          <p:nvPr/>
+        </p:nvPicPr>
+        <p:blipFill>
+          <a:blip r:embed="rId7"/>
+          <a:stretch>
+            <a:fillRect/>
+          </a:stretch>
+        </p:blipFill>
+        <p:spPr>
+          <a:xfrm>
+            <a:off x="2993917" y="3459899"/>
+            <a:ext cx="671946" cy="154751"/>
+          </a:xfrm>
+          <a:prstGeom prst="rect">
+            <a:avLst/>
+          </a:prstGeom>
+        </p:spPr>
+      </p:pic>
+      <p:pic>
+        <p:nvPicPr>
+          <p:cNvPr id="22" name="図 21">
+            <a:extLst>
+              <a:ext uri="{FF2B5EF4-FFF2-40B4-BE49-F238E27FC236}">
+                <a16:creationId xmlns:a16="http://schemas.microsoft.com/office/drawing/2014/main" id="{EF002CB1-ACB5-4244-AEA5-11DC11094C97}"/>
+              </a:ext>
+            </a:extLst>
+          </p:cNvPr>
+          <p:cNvPicPr>
+            <a:picLocks noChangeAspect="1"/>
+          </p:cNvPicPr>
+          <p:nvPr/>
+        </p:nvPicPr>
+        <p:blipFill>
+          <a:blip r:embed="rId7"/>
+          <a:stretch>
+            <a:fillRect/>
+          </a:stretch>
+        </p:blipFill>
+        <p:spPr>
+          <a:xfrm>
+            <a:off x="5685685" y="3452818"/>
+            <a:ext cx="671946" cy="154751"/>
+          </a:xfrm>
+          <a:prstGeom prst="rect">
+            <a:avLst/>
+          </a:prstGeom>
+        </p:spPr>
+      </p:pic>
+      <p:pic>
+        <p:nvPicPr>
+          <p:cNvPr id="23" name="図 22">
+            <a:extLst>
+              <a:ext uri="{FF2B5EF4-FFF2-40B4-BE49-F238E27FC236}">
+                <a16:creationId xmlns:a16="http://schemas.microsoft.com/office/drawing/2014/main" id="{5A1DFE3E-486F-4C1E-92CF-F07C12A86051}"/>
+              </a:ext>
+            </a:extLst>
+          </p:cNvPr>
+          <p:cNvPicPr>
+            <a:picLocks noChangeAspect="1"/>
+          </p:cNvPicPr>
+          <p:nvPr/>
+        </p:nvPicPr>
+        <p:blipFill>
+          <a:blip r:embed="rId7"/>
+          <a:stretch>
+            <a:fillRect/>
+          </a:stretch>
+        </p:blipFill>
+        <p:spPr>
+          <a:xfrm>
+            <a:off x="8604392" y="3452817"/>
+            <a:ext cx="671946" cy="154751"/>
+          </a:xfrm>
+          <a:prstGeom prst="rect">
+            <a:avLst/>
+          </a:prstGeom>
+        </p:spPr>
+      </p:pic>
+      <p:pic>
+        <p:nvPicPr>
+          <p:cNvPr id="25" name="図 24">
+            <a:extLst>
+              <a:ext uri="{FF2B5EF4-FFF2-40B4-BE49-F238E27FC236}">
+                <a16:creationId xmlns:a16="http://schemas.microsoft.com/office/drawing/2014/main" id="{6844FAF2-BC75-4953-85AE-6875B46D5A4A}"/>
+              </a:ext>
+            </a:extLst>
+          </p:cNvPr>
+          <p:cNvPicPr>
+            <a:picLocks noChangeAspect="1"/>
+          </p:cNvPicPr>
+          <p:nvPr/>
+        </p:nvPicPr>
+        <p:blipFill>
+          <a:blip r:embed="rId7"/>
+          <a:stretch>
+            <a:fillRect/>
+          </a:stretch>
+        </p:blipFill>
+        <p:spPr>
+          <a:xfrm>
+            <a:off x="11536298" y="3471322"/>
+            <a:ext cx="591589" cy="136245"/>
+          </a:xfrm>
+          <a:prstGeom prst="rect">
+            <a:avLst/>
+          </a:prstGeom>
+        </p:spPr>
+      </p:pic>
+      <p:pic>
+        <p:nvPicPr>
+          <p:cNvPr id="26" name="図 25" descr="グラフ が含まれている画像&#10;&#10;自動的に生成された説明">
+            <a:extLst>
+              <a:ext uri="{FF2B5EF4-FFF2-40B4-BE49-F238E27FC236}">
+                <a16:creationId xmlns:a16="http://schemas.microsoft.com/office/drawing/2014/main" id="{56023C6D-B5D8-43C6-A5E0-F4AC04104287}"/>
+              </a:ext>
+            </a:extLst>
+          </p:cNvPr>
+          <p:cNvPicPr>
+            <a:picLocks noChangeAspect="1"/>
+          </p:cNvPicPr>
+          <p:nvPr/>
+        </p:nvPicPr>
+        <p:blipFill>
+          <a:blip r:embed="rId8">
+            <a:extLst>
+              <a:ext uri="{28A0092B-C50C-407E-A947-70E740481C1C}">
+                <a14:useLocalDpi xmlns:a14="http://schemas.microsoft.com/office/drawing/2010/main" val="0"/>
+              </a:ext>
+            </a:extLst>
+          </a:blip>
+          <a:stretch>
+            <a:fillRect/>
+          </a:stretch>
+        </p:blipFill>
+        <p:spPr>
+          <a:xfrm>
+            <a:off x="9037020" y="502011"/>
+            <a:ext cx="3457509" cy="3457509"/>
+          </a:xfrm>
+          <a:prstGeom prst="rect">
+            <a:avLst/>
+          </a:prstGeom>
+        </p:spPr>
+      </p:pic>
+      <p:sp>
+        <p:nvSpPr>
+          <p:cNvPr id="27" name="テキスト ボックス 26">
+            <a:extLst>
+              <a:ext uri="{FF2B5EF4-FFF2-40B4-BE49-F238E27FC236}">
+                <a16:creationId xmlns:a16="http://schemas.microsoft.com/office/drawing/2014/main" id="{F5873833-994E-4189-88B8-971F2FEA799F}"/>
+              </a:ext>
+            </a:extLst>
+          </p:cNvPr>
+          <p:cNvSpPr txBox="1"/>
+          <p:nvPr/>
+        </p:nvSpPr>
+        <p:spPr>
+          <a:xfrm>
+            <a:off x="8366307" y="1436499"/>
+            <a:ext cx="1594866" cy="707886"/>
+          </a:xfrm>
+          <a:prstGeom prst="rect">
+            <a:avLst/>
+          </a:prstGeom>
+          <a:noFill/>
+        </p:spPr>
+        <p:txBody>
+          <a:bodyPr wrap="square" rtlCol="0">
+            <a:spAutoFit/>
+          </a:bodyPr>
+          <a:lstStyle/>
+          <a:p>
+            <a:r>
+              <a:rPr lang="ja-JP" altLang="en-US" sz="2000" dirty="0"/>
+              <a:t>解析モデル</a:t>
+            </a:r>
+            <a:endParaRPr lang="en-US" altLang="ja-JP" sz="2000" dirty="0"/>
+          </a:p>
+          <a:p>
+            <a:r>
+              <a:rPr lang="ja-JP" altLang="en-US" sz="2000" dirty="0"/>
+              <a:t>の例</a:t>
+            </a:r>
+            <a:endParaRPr lang="en-US" altLang="ja-JP" sz="2000" dirty="0"/>
+          </a:p>
+        </p:txBody>
+      </p:sp>
     </p:spTree>
     <p:extLst>
       <p:ext uri="{BB962C8B-B14F-4D97-AF65-F5344CB8AC3E}">
@@ -5909,8 +6210,8 @@
         </p:nvSpPr>
         <p:spPr>
           <a:xfrm>
-            <a:off x="425741" y="739092"/>
-            <a:ext cx="5279505" cy="369332"/>
+            <a:off x="425740" y="739092"/>
+            <a:ext cx="6470009" cy="461665"/>
           </a:xfrm>
           <a:prstGeom prst="rect">
             <a:avLst/>
@@ -5924,19 +6225,166 @@
           <a:lstStyle/>
           <a:p>
             <a:r>
-              <a:rPr lang="ja-JP" altLang="en-US" dirty="0"/>
+              <a:rPr lang="ja-JP" altLang="en-US" sz="2400" dirty="0"/>
               <a:t>各組み合せでの自由度と誤差ノルムの関係</a:t>
             </a:r>
-            <a:endParaRPr lang="en-US" altLang="ja-JP" dirty="0"/>
+            <a:endParaRPr lang="en-US" altLang="ja-JP" sz="2400" dirty="0"/>
+          </a:p>
+        </p:txBody>
+      </p:sp>
+      <p:sp>
+        <p:nvSpPr>
+          <p:cNvPr id="22" name="テキスト ボックス 21">
+            <a:extLst>
+              <a:ext uri="{FF2B5EF4-FFF2-40B4-BE49-F238E27FC236}">
+                <a16:creationId xmlns:a16="http://schemas.microsoft.com/office/drawing/2014/main" id="{9F371099-F7A7-46E8-804D-65FB759CF263}"/>
+              </a:ext>
+            </a:extLst>
+          </p:cNvPr>
+          <p:cNvSpPr txBox="1"/>
+          <p:nvPr/>
+        </p:nvSpPr>
+        <p:spPr>
+          <a:xfrm>
+            <a:off x="412459" y="5657243"/>
+            <a:ext cx="8785371" cy="461665"/>
+          </a:xfrm>
+          <a:prstGeom prst="rect">
+            <a:avLst/>
+          </a:prstGeom>
+          <a:noFill/>
+        </p:spPr>
+        <p:txBody>
+          <a:bodyPr wrap="square" rtlCol="0">
+            <a:spAutoFit/>
+          </a:bodyPr>
+          <a:lstStyle/>
+          <a:p>
+            <a:r>
+              <a:rPr lang="en-US" altLang="ja-JP" sz="2400" dirty="0"/>
+              <a:t>(d)(3</a:t>
+            </a:r>
+            <a:r>
+              <a:rPr lang="ja-JP" altLang="en-US" sz="2400" dirty="0"/>
+              <a:t>次</a:t>
+            </a:r>
+            <a:r>
+              <a:rPr lang="en-US" altLang="ja-JP" sz="2400" dirty="0"/>
+              <a:t>, 3</a:t>
+            </a:r>
+            <a:r>
+              <a:rPr lang="ja-JP" altLang="en-US" sz="2400" dirty="0"/>
+              <a:t>次</a:t>
+            </a:r>
+            <a:r>
+              <a:rPr lang="en-US" altLang="ja-JP" sz="2400" dirty="0"/>
+              <a:t>)</a:t>
+            </a:r>
+            <a:r>
+              <a:rPr lang="ja-JP" altLang="en-US" sz="2400" dirty="0"/>
+              <a:t>の組が最も高精度となることが確認された</a:t>
+            </a:r>
+            <a:endParaRPr lang="en-US" altLang="ja-JP" sz="2400" dirty="0"/>
+          </a:p>
+        </p:txBody>
+      </p:sp>
+      <p:sp>
+        <p:nvSpPr>
+          <p:cNvPr id="23" name="テキスト ボックス 22">
+            <a:extLst>
+              <a:ext uri="{FF2B5EF4-FFF2-40B4-BE49-F238E27FC236}">
+                <a16:creationId xmlns:a16="http://schemas.microsoft.com/office/drawing/2014/main" id="{0E06F1F0-88D7-4F16-A788-B7A8BB7FA902}"/>
+              </a:ext>
+            </a:extLst>
+          </p:cNvPr>
+          <p:cNvSpPr txBox="1"/>
+          <p:nvPr/>
+        </p:nvSpPr>
+        <p:spPr>
+          <a:xfrm>
+            <a:off x="972463" y="1396863"/>
+            <a:ext cx="2911640" cy="461665"/>
+          </a:xfrm>
+          <a:prstGeom prst="rect">
+            <a:avLst/>
+          </a:prstGeom>
+          <a:noFill/>
+        </p:spPr>
+        <p:txBody>
+          <a:bodyPr wrap="square" rtlCol="0">
+            <a:spAutoFit/>
+          </a:bodyPr>
+          <a:lstStyle/>
+          <a:p>
+            <a:r>
+              <a:rPr lang="en-US" altLang="ja-JP" sz="2400" dirty="0"/>
+              <a:t>Error norm of </a:t>
+            </a:r>
+            <a:r>
+              <a:rPr lang="en-US" altLang="ja-JP" sz="2400" i="1" dirty="0" err="1"/>
+              <a:t>σ</a:t>
+            </a:r>
+            <a:r>
+              <a:rPr lang="en-US" altLang="ja-JP" sz="2400" i="1" baseline="-25000" dirty="0" err="1"/>
+              <a:t>rr</a:t>
+            </a:r>
+            <a:r>
+              <a:rPr lang="en-US" altLang="ja-JP" sz="2400" dirty="0"/>
+              <a:t> </a:t>
+            </a:r>
+          </a:p>
+        </p:txBody>
+      </p:sp>
+      <p:sp>
+        <p:nvSpPr>
+          <p:cNvPr id="25" name="テキスト ボックス 24">
+            <a:extLst>
+              <a:ext uri="{FF2B5EF4-FFF2-40B4-BE49-F238E27FC236}">
+                <a16:creationId xmlns:a16="http://schemas.microsoft.com/office/drawing/2014/main" id="{BE5D76B8-CD2B-4229-B9CB-D20B7B4DCBEB}"/>
+              </a:ext>
+            </a:extLst>
+          </p:cNvPr>
+          <p:cNvSpPr txBox="1"/>
+          <p:nvPr/>
+        </p:nvSpPr>
+        <p:spPr>
+          <a:xfrm>
+            <a:off x="6581862" y="1396863"/>
+            <a:ext cx="2782843" cy="461665"/>
+          </a:xfrm>
+          <a:prstGeom prst="rect">
+            <a:avLst/>
+          </a:prstGeom>
+          <a:noFill/>
+        </p:spPr>
+        <p:txBody>
+          <a:bodyPr wrap="square" rtlCol="0">
+            <a:spAutoFit/>
+          </a:bodyPr>
+          <a:lstStyle/>
+          <a:p>
+            <a:r>
+              <a:rPr lang="en-US" altLang="ja-JP" sz="2400" dirty="0"/>
+              <a:t>Error norm of </a:t>
+            </a:r>
+            <a:r>
+              <a:rPr lang="en-US" altLang="ja-JP" sz="2400" i="1" dirty="0" err="1"/>
+              <a:t>σ</a:t>
+            </a:r>
+            <a:r>
+              <a:rPr lang="en-US" altLang="ja-JP" sz="2400" i="1" baseline="-25000" dirty="0" err="1"/>
+              <a:t>θθ</a:t>
+            </a:r>
+            <a:endParaRPr lang="en-US" altLang="ja-JP" sz="2400" dirty="0"/>
           </a:p>
         </p:txBody>
       </p:sp>
       <p:pic>
         <p:nvPicPr>
-          <p:cNvPr id="12" name="グラフィックス 11">
+          <p:cNvPr id="4" name="グラフィックス 3">
             <a:extLst>
               <a:ext uri="{FF2B5EF4-FFF2-40B4-BE49-F238E27FC236}">
-                <a16:creationId xmlns:a16="http://schemas.microsoft.com/office/drawing/2014/main" id="{1E7E43EB-2F05-4C0E-8F8A-542EFF8A0B88}"/>
+                <a16:creationId xmlns:a16="http://schemas.microsoft.com/office/drawing/2014/main" id="{223981F0-1479-419E-95F1-A0ADE32D006E}"/>
               </a:ext>
             </a:extLst>
           </p:cNvPr>
@@ -5962,8 +6410,8 @@
         </p:blipFill>
         <p:spPr>
           <a:xfrm>
-            <a:off x="412459" y="1845951"/>
-            <a:ext cx="5292786" cy="2989071"/>
+            <a:off x="181791" y="1845950"/>
+            <a:ext cx="5785865" cy="3512847"/>
           </a:xfrm>
           <a:prstGeom prst="rect">
             <a:avLst/>
@@ -5972,10 +6420,10 @@
       </p:pic>
       <p:pic>
         <p:nvPicPr>
-          <p:cNvPr id="15" name="グラフィックス 14">
+          <p:cNvPr id="6" name="グラフィックス 5">
             <a:extLst>
               <a:ext uri="{FF2B5EF4-FFF2-40B4-BE49-F238E27FC236}">
-                <a16:creationId xmlns:a16="http://schemas.microsoft.com/office/drawing/2014/main" id="{D01F7ADA-CCA1-48B3-9040-FE5B62E2C441}"/>
+                <a16:creationId xmlns:a16="http://schemas.microsoft.com/office/drawing/2014/main" id="{987D51F5-A719-4E24-8B97-787FB82DE026}"/>
               </a:ext>
             </a:extLst>
           </p:cNvPr>
@@ -6001,161 +6449,14 @@
         </p:blipFill>
         <p:spPr>
           <a:xfrm>
-            <a:off x="6010460" y="1845951"/>
-            <a:ext cx="5292786" cy="2989071"/>
+            <a:off x="5610139" y="1845949"/>
+            <a:ext cx="5785865" cy="3509514"/>
           </a:xfrm>
           <a:prstGeom prst="rect">
             <a:avLst/>
           </a:prstGeom>
         </p:spPr>
       </p:pic>
-      <p:sp>
-        <p:nvSpPr>
-          <p:cNvPr id="22" name="テキスト ボックス 21">
-            <a:extLst>
-              <a:ext uri="{FF2B5EF4-FFF2-40B4-BE49-F238E27FC236}">
-                <a16:creationId xmlns:a16="http://schemas.microsoft.com/office/drawing/2014/main" id="{9F371099-F7A7-46E8-804D-65FB759CF263}"/>
-              </a:ext>
-            </a:extLst>
-          </p:cNvPr>
-          <p:cNvSpPr txBox="1"/>
-          <p:nvPr/>
-        </p:nvSpPr>
-        <p:spPr>
-          <a:xfrm>
-            <a:off x="425741" y="5199407"/>
-            <a:ext cx="6156121" cy="369332"/>
-          </a:xfrm>
-          <a:prstGeom prst="rect">
-            <a:avLst/>
-          </a:prstGeom>
-          <a:noFill/>
-        </p:spPr>
-        <p:txBody>
-          <a:bodyPr wrap="square" rtlCol="0">
-            <a:spAutoFit/>
-          </a:bodyPr>
-          <a:lstStyle/>
-          <a:p>
-            <a:r>
-              <a:rPr lang="en-US" altLang="ja-JP" dirty="0"/>
-              <a:t>(d)(3</a:t>
-            </a:r>
-            <a:r>
-              <a:rPr lang="ja-JP" altLang="en-US" dirty="0"/>
-              <a:t>次</a:t>
-            </a:r>
-            <a:r>
-              <a:rPr lang="en-US" altLang="ja-JP" dirty="0"/>
-              <a:t>, 3</a:t>
-            </a:r>
-            <a:r>
-              <a:rPr lang="ja-JP" altLang="en-US" dirty="0"/>
-              <a:t>次</a:t>
-            </a:r>
-            <a:r>
-              <a:rPr lang="en-US" altLang="ja-JP" dirty="0"/>
-              <a:t>)</a:t>
-            </a:r>
-            <a:r>
-              <a:rPr lang="ja-JP" altLang="en-US" dirty="0"/>
-              <a:t>の組が最も高精度となることが確認された</a:t>
-            </a:r>
-            <a:endParaRPr lang="en-US" altLang="ja-JP" dirty="0"/>
-          </a:p>
-        </p:txBody>
-      </p:sp>
-      <p:sp>
-        <p:nvSpPr>
-          <p:cNvPr id="23" name="テキスト ボックス 22">
-            <a:extLst>
-              <a:ext uri="{FF2B5EF4-FFF2-40B4-BE49-F238E27FC236}">
-                <a16:creationId xmlns:a16="http://schemas.microsoft.com/office/drawing/2014/main" id="{0E06F1F0-88D7-4F16-A788-B7A8BB7FA902}"/>
-              </a:ext>
-            </a:extLst>
-          </p:cNvPr>
-          <p:cNvSpPr txBox="1"/>
-          <p:nvPr/>
-        </p:nvSpPr>
-        <p:spPr>
-          <a:xfrm>
-            <a:off x="972463" y="1396863"/>
-            <a:ext cx="2255653" cy="369332"/>
-          </a:xfrm>
-          <a:prstGeom prst="rect">
-            <a:avLst/>
-          </a:prstGeom>
-          <a:noFill/>
-        </p:spPr>
-        <p:txBody>
-          <a:bodyPr wrap="square" rtlCol="0">
-            <a:spAutoFit/>
-          </a:bodyPr>
-          <a:lstStyle/>
-          <a:p>
-            <a:r>
-              <a:rPr lang="en-US" altLang="ja-JP" dirty="0"/>
-              <a:t>Error norm of </a:t>
-            </a:r>
-            <a:r>
-              <a:rPr lang="en-US" altLang="ja-JP" i="1" dirty="0" err="1"/>
-              <a:t>σ</a:t>
-            </a:r>
-            <a:r>
-              <a:rPr lang="en-US" altLang="ja-JP" i="1" baseline="-25000" dirty="0" err="1"/>
-              <a:t>rr</a:t>
-            </a:r>
-            <a:r>
-              <a:rPr lang="en-US" altLang="ja-JP" dirty="0"/>
-              <a:t> </a:t>
-            </a:r>
-          </a:p>
-        </p:txBody>
-      </p:sp>
-      <p:sp>
-        <p:nvSpPr>
-          <p:cNvPr id="25" name="テキスト ボックス 24">
-            <a:extLst>
-              <a:ext uri="{FF2B5EF4-FFF2-40B4-BE49-F238E27FC236}">
-                <a16:creationId xmlns:a16="http://schemas.microsoft.com/office/drawing/2014/main" id="{BE5D76B8-CD2B-4229-B9CB-D20B7B4DCBEB}"/>
-              </a:ext>
-            </a:extLst>
-          </p:cNvPr>
-          <p:cNvSpPr txBox="1"/>
-          <p:nvPr/>
-        </p:nvSpPr>
-        <p:spPr>
-          <a:xfrm>
-            <a:off x="6581862" y="1396863"/>
-            <a:ext cx="2782843" cy="369332"/>
-          </a:xfrm>
-          <a:prstGeom prst="rect">
-            <a:avLst/>
-          </a:prstGeom>
-          <a:noFill/>
-        </p:spPr>
-        <p:txBody>
-          <a:bodyPr wrap="square" rtlCol="0">
-            <a:spAutoFit/>
-          </a:bodyPr>
-          <a:lstStyle/>
-          <a:p>
-            <a:r>
-              <a:rPr lang="en-US" altLang="ja-JP" dirty="0"/>
-              <a:t>Error norm of </a:t>
-            </a:r>
-            <a:r>
-              <a:rPr lang="en-US" altLang="ja-JP" i="1" dirty="0" err="1"/>
-              <a:t>σ</a:t>
-            </a:r>
-            <a:r>
-              <a:rPr lang="en-US" altLang="ja-JP" i="1" baseline="-25000" dirty="0" err="1"/>
-              <a:t>θθ</a:t>
-            </a:r>
-            <a:endParaRPr lang="en-US" altLang="ja-JP" dirty="0"/>
-          </a:p>
-        </p:txBody>
-      </p:sp>
     </p:spTree>
     <p:extLst>
       <p:ext uri="{BB962C8B-B14F-4D97-AF65-F5344CB8AC3E}">
@@ -6328,8 +6629,8 @@
         </p:nvSpPr>
         <p:spPr>
           <a:xfrm>
-            <a:off x="569820" y="958881"/>
-            <a:ext cx="11367084" cy="1200329"/>
+            <a:off x="392463" y="877657"/>
+            <a:ext cx="11367084" cy="1323439"/>
           </a:xfrm>
           <a:prstGeom prst="rect">
             <a:avLst/>
@@ -6343,111 +6644,111 @@
           <a:lstStyle/>
           <a:p>
             <a:r>
-              <a:rPr lang="ja-JP" altLang="en-US" dirty="0"/>
+              <a:rPr lang="ja-JP" altLang="en-US" sz="2000" dirty="0"/>
               <a:t>グローバルパッチとローカルパッチで同じ次数の基底関数を用いて解析</a:t>
             </a:r>
-            <a:endParaRPr lang="en-US" altLang="ja-JP" dirty="0"/>
+            <a:endParaRPr lang="en-US" altLang="ja-JP" sz="2000" dirty="0"/>
           </a:p>
           <a:p>
             <a:r>
-              <a:rPr lang="ja-JP" altLang="en-US" dirty="0"/>
+              <a:rPr lang="ja-JP" altLang="en-US" sz="2000" dirty="0"/>
               <a:t>グローバルパッチはコントロールポイントを</a:t>
             </a:r>
             <a:r>
-              <a:rPr lang="en-US" altLang="ja-JP" dirty="0"/>
+              <a:rPr lang="en-US" altLang="ja-JP" sz="2000" dirty="0"/>
               <a:t>30x30</a:t>
             </a:r>
             <a:r>
-              <a:rPr lang="ja-JP" altLang="en-US" dirty="0"/>
+              <a:rPr lang="ja-JP" altLang="en-US" sz="2000" dirty="0"/>
               <a:t>で固定し，</a:t>
             </a:r>
-            <a:endParaRPr lang="en-US" altLang="ja-JP" dirty="0"/>
+            <a:endParaRPr lang="en-US" altLang="ja-JP" sz="2000" dirty="0"/>
           </a:p>
           <a:p>
             <a:r>
-              <a:rPr lang="ja-JP" altLang="en-US" dirty="0"/>
+              <a:rPr lang="ja-JP" altLang="en-US" sz="2000" dirty="0"/>
               <a:t>ローカルパッチは</a:t>
             </a:r>
             <a:r>
-              <a:rPr lang="en-US" altLang="ja-JP" dirty="0"/>
+              <a:rPr lang="en-US" altLang="ja-JP" sz="2000" dirty="0"/>
               <a:t>2</a:t>
             </a:r>
             <a:r>
-              <a:rPr lang="ja-JP" altLang="en-US" dirty="0"/>
+              <a:rPr lang="ja-JP" altLang="en-US" sz="2000" dirty="0"/>
               <a:t>次と</a:t>
             </a:r>
             <a:r>
-              <a:rPr lang="en-US" altLang="ja-JP" dirty="0"/>
+              <a:rPr lang="en-US" altLang="ja-JP" sz="2000" dirty="0"/>
               <a:t>3</a:t>
             </a:r>
             <a:r>
-              <a:rPr lang="ja-JP" altLang="en-US" dirty="0"/>
+              <a:rPr lang="ja-JP" altLang="en-US" sz="2000" dirty="0"/>
               <a:t>次でそれぞれ</a:t>
             </a:r>
             <a:r>
-              <a:rPr lang="en-US" altLang="ja-JP" dirty="0"/>
+              <a:rPr lang="en-US" altLang="ja-JP" sz="2000" dirty="0"/>
               <a:t>5x5,10x10,20x20,30x30</a:t>
             </a:r>
             <a:r>
-              <a:rPr lang="ja-JP" altLang="en-US" dirty="0"/>
+              <a:rPr lang="ja-JP" altLang="en-US" sz="2000" dirty="0"/>
               <a:t>の</a:t>
             </a:r>
             <a:r>
-              <a:rPr lang="en-US" altLang="ja-JP" dirty="0"/>
+              <a:rPr lang="en-US" altLang="ja-JP" sz="2000" dirty="0"/>
               <a:t>4</a:t>
             </a:r>
             <a:r>
-              <a:rPr lang="ja-JP" altLang="en-US" dirty="0"/>
+              <a:rPr lang="ja-JP" altLang="en-US" sz="2000" dirty="0"/>
               <a:t>通り</a:t>
             </a:r>
-            <a:endParaRPr lang="en-US" altLang="ja-JP" dirty="0"/>
+            <a:endParaRPr lang="en-US" altLang="ja-JP" sz="2000" dirty="0"/>
           </a:p>
           <a:p>
             <a:r>
-              <a:rPr lang="ja-JP" altLang="en-US" dirty="0"/>
+              <a:rPr lang="ja-JP" altLang="en-US" sz="2000" dirty="0"/>
               <a:t>ローカルパッチの全体のサイズは</a:t>
             </a:r>
             <a:r>
-              <a:rPr lang="en-US" altLang="ja-JP" i="1" dirty="0"/>
+              <a:rPr lang="en-US" altLang="ja-JP" sz="2000" i="1" dirty="0"/>
               <a:t>r</a:t>
             </a:r>
             <a:r>
-              <a:rPr lang="en-US" altLang="ja-JP" i="1" baseline="-25000" dirty="0"/>
+              <a:rPr lang="en-US" altLang="ja-JP" sz="2000" i="1" baseline="-25000" dirty="0"/>
               <a:t>1</a:t>
             </a:r>
             <a:r>
-              <a:rPr lang="en-US" altLang="ja-JP" dirty="0"/>
+              <a:rPr lang="en-US" altLang="ja-JP" sz="2000" dirty="0"/>
               <a:t>=1[mm]</a:t>
             </a:r>
             <a:r>
-              <a:rPr lang="ja-JP" altLang="en-US" dirty="0"/>
+              <a:rPr lang="ja-JP" altLang="en-US" sz="2000" dirty="0"/>
               <a:t>，</a:t>
             </a:r>
             <a:r>
-              <a:rPr lang="en-US" altLang="ja-JP" i="1" dirty="0"/>
+              <a:rPr lang="en-US" altLang="ja-JP" sz="2000" i="1" dirty="0"/>
               <a:t>r</a:t>
             </a:r>
             <a:r>
-              <a:rPr lang="en-US" altLang="ja-JP" i="1" baseline="-25000" dirty="0"/>
+              <a:rPr lang="en-US" altLang="ja-JP" sz="2000" i="1" baseline="-25000" dirty="0"/>
               <a:t>2</a:t>
             </a:r>
             <a:r>
-              <a:rPr lang="en-US" altLang="ja-JP" dirty="0"/>
+              <a:rPr lang="en-US" altLang="ja-JP" sz="2000" dirty="0"/>
               <a:t>=1.25, 1.50, 1.75, 2.00, 2.25, 2.50[mm]</a:t>
             </a:r>
             <a:r>
-              <a:rPr lang="ja-JP" altLang="en-US" dirty="0"/>
+              <a:rPr lang="ja-JP" altLang="en-US" sz="2000" dirty="0"/>
               <a:t>の</a:t>
             </a:r>
             <a:r>
-              <a:rPr lang="en-US" altLang="ja-JP" dirty="0"/>
+              <a:rPr lang="en-US" altLang="ja-JP" sz="2000" dirty="0"/>
               <a:t>6</a:t>
             </a:r>
             <a:r>
-              <a:rPr lang="ja-JP" altLang="en-US" dirty="0"/>
+              <a:rPr lang="ja-JP" altLang="en-US" sz="2000" dirty="0"/>
               <a:t>通り</a:t>
             </a:r>
-            <a:endParaRPr lang="en-US" altLang="ja-JP" dirty="0"/>
+            <a:endParaRPr lang="en-US" altLang="ja-JP" sz="2000" dirty="0"/>
           </a:p>
         </p:txBody>
       </p:sp>
@@ -6479,7 +6780,7 @@
         </p:blipFill>
         <p:spPr>
           <a:xfrm>
-            <a:off x="-159390" y="1478573"/>
+            <a:off x="-142612" y="1828241"/>
             <a:ext cx="3201517" cy="3201517"/>
           </a:xfrm>
           <a:prstGeom prst="rect">
@@ -6515,7 +6816,7 @@
         </p:blipFill>
         <p:spPr>
           <a:xfrm>
-            <a:off x="2429941" y="1478573"/>
+            <a:off x="2446719" y="1828241"/>
             <a:ext cx="3201517" cy="3201517"/>
           </a:xfrm>
           <a:prstGeom prst="rect">
@@ -6551,7 +6852,7 @@
         </p:blipFill>
         <p:spPr>
           <a:xfrm>
-            <a:off x="4915598" y="1478573"/>
+            <a:off x="4932376" y="1828241"/>
             <a:ext cx="3201517" cy="3201517"/>
           </a:xfrm>
           <a:prstGeom prst="rect">
@@ -6587,7 +6888,7 @@
         </p:blipFill>
         <p:spPr>
           <a:xfrm>
-            <a:off x="7504929" y="1478573"/>
+            <a:off x="7521707" y="1828241"/>
             <a:ext cx="3201518" cy="3201518"/>
           </a:xfrm>
           <a:prstGeom prst="rect">
@@ -6834,10 +7135,10 @@
       </p:sp>
       <p:sp>
         <p:nvSpPr>
-          <p:cNvPr id="15" name="テキスト ボックス 14">
+          <p:cNvPr id="19" name="テキスト ボックス 18">
             <a:extLst>
               <a:ext uri="{FF2B5EF4-FFF2-40B4-BE49-F238E27FC236}">
-                <a16:creationId xmlns:a16="http://schemas.microsoft.com/office/drawing/2014/main" id="{C7677AD1-F8B3-4DE5-91DA-B32DCC00FB83}"/>
+                <a16:creationId xmlns:a16="http://schemas.microsoft.com/office/drawing/2014/main" id="{80708187-D588-43B2-9B3D-5C9DA10C9E5C}"/>
               </a:ext>
             </a:extLst>
           </p:cNvPr>
@@ -6846,8 +7147,8 @@
         </p:nvSpPr>
         <p:spPr>
           <a:xfrm>
-            <a:off x="456720" y="1217529"/>
-            <a:ext cx="2557244" cy="276999"/>
+            <a:off x="4616042" y="1104541"/>
+            <a:ext cx="2557244" cy="369332"/>
           </a:xfrm>
           <a:prstGeom prst="rect">
             <a:avLst/>
@@ -6861,58 +7162,15 @@
           <a:lstStyle/>
           <a:p>
             <a:r>
-              <a:rPr lang="en-US" altLang="ja-JP" sz="1200" i="1" dirty="0"/>
+              <a:rPr lang="en-US" altLang="ja-JP" i="1" dirty="0"/>
               <a:t>r</a:t>
             </a:r>
             <a:r>
-              <a:rPr lang="en-US" altLang="ja-JP" sz="1200" i="1" baseline="-25000" dirty="0"/>
+              <a:rPr lang="en-US" altLang="ja-JP" i="1" baseline="-25000" dirty="0"/>
               <a:t>2</a:t>
             </a:r>
             <a:r>
-              <a:rPr lang="en-US" altLang="ja-JP" sz="1200" dirty="0"/>
-              <a:t>=1.25[mm]</a:t>
-            </a:r>
-          </a:p>
-        </p:txBody>
-      </p:sp>
-      <p:sp>
-        <p:nvSpPr>
-          <p:cNvPr id="19" name="テキスト ボックス 18">
-            <a:extLst>
-              <a:ext uri="{FF2B5EF4-FFF2-40B4-BE49-F238E27FC236}">
-                <a16:creationId xmlns:a16="http://schemas.microsoft.com/office/drawing/2014/main" id="{80708187-D588-43B2-9B3D-5C9DA10C9E5C}"/>
-              </a:ext>
-            </a:extLst>
-          </p:cNvPr>
-          <p:cNvSpPr txBox="1"/>
-          <p:nvPr/>
-        </p:nvSpPr>
-        <p:spPr>
-          <a:xfrm>
-            <a:off x="4312482" y="1217529"/>
-            <a:ext cx="2557244" cy="276999"/>
-          </a:xfrm>
-          <a:prstGeom prst="rect">
-            <a:avLst/>
-          </a:prstGeom>
-          <a:noFill/>
-        </p:spPr>
-        <p:txBody>
-          <a:bodyPr wrap="square" rtlCol="0">
-            <a:spAutoFit/>
-          </a:bodyPr>
-          <a:lstStyle/>
-          <a:p>
-            <a:r>
-              <a:rPr lang="en-US" altLang="ja-JP" sz="1200" i="1" dirty="0"/>
-              <a:t>r</a:t>
-            </a:r>
-            <a:r>
-              <a:rPr lang="en-US" altLang="ja-JP" sz="1200" i="1" baseline="-25000" dirty="0"/>
-              <a:t>2</a:t>
-            </a:r>
-            <a:r>
-              <a:rPr lang="en-US" altLang="ja-JP" sz="1200" dirty="0"/>
+              <a:rPr lang="en-US" altLang="ja-JP" dirty="0"/>
               <a:t>=1.50[mm]</a:t>
             </a:r>
           </a:p>
@@ -6932,8 +7190,8 @@
         </p:nvSpPr>
         <p:spPr>
           <a:xfrm>
-            <a:off x="8421645" y="1225955"/>
-            <a:ext cx="2557244" cy="276999"/>
+            <a:off x="8720737" y="1101075"/>
+            <a:ext cx="2557244" cy="400110"/>
           </a:xfrm>
           <a:prstGeom prst="rect">
             <a:avLst/>
@@ -6947,17 +7205,22 @@
           <a:lstStyle/>
           <a:p>
             <a:r>
-              <a:rPr lang="en-US" altLang="ja-JP" sz="1200" i="1" dirty="0"/>
+              <a:rPr lang="en-US" altLang="ja-JP" sz="2000" i="1" dirty="0"/>
               <a:t>r</a:t>
             </a:r>
             <a:r>
-              <a:rPr lang="en-US" altLang="ja-JP" sz="1200" i="1" baseline="-25000" dirty="0"/>
+              <a:rPr lang="en-US" altLang="ja-JP" sz="2000" i="1" baseline="-25000" dirty="0"/>
               <a:t>2</a:t>
             </a:r>
             <a:r>
-              <a:rPr lang="en-US" altLang="ja-JP" sz="1200" dirty="0"/>
-              <a:t>=1.75[mm]</a:t>
-            </a:r>
+              <a:rPr lang="en-US" altLang="ja-JP" sz="2000" dirty="0"/>
+              <a:t>=1.75</a:t>
+            </a:r>
+            <a:r>
+              <a:rPr lang="en-US" altLang="ja-JP" dirty="0"/>
+              <a:t>[mm]</a:t>
+            </a:r>
+            <a:endParaRPr lang="en-US" altLang="ja-JP" sz="1200" dirty="0"/>
           </a:p>
         </p:txBody>
       </p:sp>
@@ -6975,8 +7238,8 @@
         </p:nvSpPr>
         <p:spPr>
           <a:xfrm>
-            <a:off x="422411" y="3847858"/>
-            <a:ext cx="2557244" cy="276999"/>
+            <a:off x="739133" y="3751981"/>
+            <a:ext cx="2557244" cy="369332"/>
           </a:xfrm>
           <a:prstGeom prst="rect">
             <a:avLst/>
@@ -6990,15 +7253,15 @@
           <a:lstStyle/>
           <a:p>
             <a:r>
-              <a:rPr lang="en-US" altLang="ja-JP" sz="1200" i="1" dirty="0"/>
+              <a:rPr lang="en-US" altLang="ja-JP" i="1" dirty="0"/>
               <a:t>r</a:t>
             </a:r>
             <a:r>
-              <a:rPr lang="en-US" altLang="ja-JP" sz="1200" i="1" baseline="-25000" dirty="0"/>
+              <a:rPr lang="en-US" altLang="ja-JP" i="1" baseline="-25000" dirty="0"/>
               <a:t>2</a:t>
             </a:r>
             <a:r>
-              <a:rPr lang="en-US" altLang="ja-JP" sz="1200" dirty="0"/>
+              <a:rPr lang="en-US" altLang="ja-JP" dirty="0"/>
               <a:t>=2.00[mm]</a:t>
             </a:r>
           </a:p>
@@ -7018,8 +7281,8 @@
         </p:nvSpPr>
         <p:spPr>
           <a:xfrm>
-            <a:off x="4410058" y="3844314"/>
-            <a:ext cx="2557244" cy="276999"/>
+            <a:off x="4609483" y="3718587"/>
+            <a:ext cx="2557244" cy="369332"/>
           </a:xfrm>
           <a:prstGeom prst="rect">
             <a:avLst/>
@@ -7033,15 +7296,15 @@
           <a:lstStyle/>
           <a:p>
             <a:r>
-              <a:rPr lang="en-US" altLang="ja-JP" sz="1200" i="1" dirty="0"/>
+              <a:rPr lang="en-US" altLang="ja-JP" i="1" dirty="0"/>
               <a:t>r</a:t>
             </a:r>
             <a:r>
-              <a:rPr lang="en-US" altLang="ja-JP" sz="1200" i="1" baseline="-25000" dirty="0"/>
+              <a:rPr lang="en-US" altLang="ja-JP" i="1" baseline="-25000" dirty="0"/>
               <a:t>2</a:t>
             </a:r>
             <a:r>
-              <a:rPr lang="en-US" altLang="ja-JP" sz="1200" dirty="0"/>
+              <a:rPr lang="en-US" altLang="ja-JP" dirty="0"/>
               <a:t>=2.25[mm]</a:t>
             </a:r>
           </a:p>
@@ -7061,8 +7324,8 @@
         </p:nvSpPr>
         <p:spPr>
           <a:xfrm>
-            <a:off x="8421645" y="3844314"/>
-            <a:ext cx="2557244" cy="276999"/>
+            <a:off x="8796556" y="3742125"/>
+            <a:ext cx="2557244" cy="369332"/>
           </a:xfrm>
           <a:prstGeom prst="rect">
             <a:avLst/>
@@ -7076,15 +7339,15 @@
           <a:lstStyle/>
           <a:p>
             <a:r>
-              <a:rPr lang="en-US" altLang="ja-JP" sz="1200" i="1" dirty="0"/>
+              <a:rPr lang="en-US" altLang="ja-JP" i="1" dirty="0"/>
               <a:t>r</a:t>
             </a:r>
             <a:r>
-              <a:rPr lang="en-US" altLang="ja-JP" sz="1200" i="1" baseline="-25000" dirty="0"/>
+              <a:rPr lang="en-US" altLang="ja-JP" i="1" baseline="-25000" dirty="0"/>
               <a:t>2</a:t>
             </a:r>
             <a:r>
-              <a:rPr lang="en-US" altLang="ja-JP" sz="1200" dirty="0"/>
+              <a:rPr lang="en-US" altLang="ja-JP" dirty="0"/>
               <a:t>=2.50[mm]</a:t>
             </a:r>
           </a:p>
@@ -7195,8 +7458,8 @@
         </p:nvSpPr>
         <p:spPr>
           <a:xfrm>
-            <a:off x="421550" y="852865"/>
-            <a:ext cx="11573444" cy="369332"/>
+            <a:off x="412459" y="801812"/>
+            <a:ext cx="11573444" cy="400110"/>
           </a:xfrm>
           <a:prstGeom prst="rect">
             <a:avLst/>
@@ -7210,31 +7473,74 @@
           <a:lstStyle/>
           <a:p>
             <a:r>
-              <a:rPr lang="ja-JP" altLang="en-US" dirty="0"/>
+              <a:rPr lang="ja-JP" altLang="en-US" sz="2000" dirty="0"/>
               <a:t>各サイズでの自由度数と</a:t>
             </a:r>
             <a:r>
-              <a:rPr lang="en-US" altLang="ja-JP" i="1" dirty="0" err="1"/>
+              <a:rPr lang="en-US" altLang="ja-JP" sz="2000" i="1" dirty="0" err="1"/>
               <a:t>σ</a:t>
             </a:r>
             <a:r>
-              <a:rPr lang="en-US" altLang="ja-JP" i="1" baseline="-25000" dirty="0" err="1"/>
+              <a:rPr lang="en-US" altLang="ja-JP" sz="2000" i="1" baseline="-25000" dirty="0" err="1"/>
               <a:t>rr</a:t>
             </a:r>
             <a:r>
-              <a:rPr lang="ja-JP" altLang="en-US" dirty="0"/>
+              <a:rPr lang="ja-JP" altLang="en-US" sz="2000" dirty="0"/>
               <a:t>の誤差ノルムの関係</a:t>
             </a:r>
-            <a:endParaRPr lang="en-US" altLang="ja-JP" dirty="0"/>
+            <a:endParaRPr lang="en-US" altLang="ja-JP" sz="2000" dirty="0"/>
+          </a:p>
+        </p:txBody>
+      </p:sp>
+      <p:sp>
+        <p:nvSpPr>
+          <p:cNvPr id="15" name="テキスト ボックス 14">
+            <a:extLst>
+              <a:ext uri="{FF2B5EF4-FFF2-40B4-BE49-F238E27FC236}">
+                <a16:creationId xmlns:a16="http://schemas.microsoft.com/office/drawing/2014/main" id="{C7677AD1-F8B3-4DE5-91DA-B32DCC00FB83}"/>
+              </a:ext>
+            </a:extLst>
+          </p:cNvPr>
+          <p:cNvSpPr txBox="1"/>
+          <p:nvPr/>
+        </p:nvSpPr>
+        <p:spPr>
+          <a:xfrm>
+            <a:off x="739133" y="1116464"/>
+            <a:ext cx="2557244" cy="369332"/>
+          </a:xfrm>
+          <a:prstGeom prst="rect">
+            <a:avLst/>
+          </a:prstGeom>
+          <a:noFill/>
+        </p:spPr>
+        <p:txBody>
+          <a:bodyPr wrap="square" rtlCol="0">
+            <a:spAutoFit/>
+          </a:bodyPr>
+          <a:lstStyle/>
+          <a:p>
+            <a:r>
+              <a:rPr lang="en-US" altLang="ja-JP" i="1" dirty="0"/>
+              <a:t>r</a:t>
+            </a:r>
+            <a:r>
+              <a:rPr lang="en-US" altLang="ja-JP" i="1" baseline="-25000" dirty="0"/>
+              <a:t>2</a:t>
+            </a:r>
+            <a:r>
+              <a:rPr lang="en-US" altLang="ja-JP" dirty="0"/>
+              <a:t>=1.25[mm]</a:t>
+            </a:r>
           </a:p>
         </p:txBody>
       </p:sp>
       <p:pic>
         <p:nvPicPr>
-          <p:cNvPr id="6" name="グラフィックス 5">
+          <p:cNvPr id="4" name="グラフィックス 3">
             <a:extLst>
               <a:ext uri="{FF2B5EF4-FFF2-40B4-BE49-F238E27FC236}">
-                <a16:creationId xmlns:a16="http://schemas.microsoft.com/office/drawing/2014/main" id="{2C23F387-E0F7-4202-82D6-A428A8F18A89}"/>
+                <a16:creationId xmlns:a16="http://schemas.microsoft.com/office/drawing/2014/main" id="{5F035059-3D2C-41DF-B11F-91DAD51B1A73}"/>
               </a:ext>
             </a:extLst>
           </p:cNvPr>
@@ -7260,8 +7566,8 @@
         </p:blipFill>
         <p:spPr>
           <a:xfrm>
-            <a:off x="312357" y="1476489"/>
-            <a:ext cx="3855762" cy="2170838"/>
+            <a:off x="312357" y="1460063"/>
+            <a:ext cx="3855762" cy="2313457"/>
           </a:xfrm>
           <a:prstGeom prst="rect">
             <a:avLst/>
@@ -7270,10 +7576,10 @@
       </p:pic>
       <p:pic>
         <p:nvPicPr>
-          <p:cNvPr id="12" name="グラフィックス 11">
+          <p:cNvPr id="8" name="グラフィックス 7">
             <a:extLst>
               <a:ext uri="{FF2B5EF4-FFF2-40B4-BE49-F238E27FC236}">
-                <a16:creationId xmlns:a16="http://schemas.microsoft.com/office/drawing/2014/main" id="{18D8A18C-6275-492A-8C67-4C4EA9265E1B}"/>
+                <a16:creationId xmlns:a16="http://schemas.microsoft.com/office/drawing/2014/main" id="{8F9DBB55-32A8-45F6-AAA5-50AF1C068D6C}"/>
               </a:ext>
             </a:extLst>
           </p:cNvPr>
@@ -7299,8 +7605,8 @@
         </p:blipFill>
         <p:spPr>
           <a:xfrm>
-            <a:off x="4168119" y="1476489"/>
-            <a:ext cx="3855762" cy="2170838"/>
+            <a:off x="4168119" y="1476760"/>
+            <a:ext cx="3855762" cy="2313457"/>
           </a:xfrm>
           <a:prstGeom prst="rect">
             <a:avLst/>
@@ -7309,10 +7615,10 @@
       </p:pic>
       <p:pic>
         <p:nvPicPr>
-          <p:cNvPr id="14" name="グラフィックス 13">
+          <p:cNvPr id="10" name="グラフィックス 9">
             <a:extLst>
               <a:ext uri="{FF2B5EF4-FFF2-40B4-BE49-F238E27FC236}">
-                <a16:creationId xmlns:a16="http://schemas.microsoft.com/office/drawing/2014/main" id="{338FF495-FB9F-47A6-9248-7397BF436AF5}"/>
+                <a16:creationId xmlns:a16="http://schemas.microsoft.com/office/drawing/2014/main" id="{2BD3209C-25B0-4E9B-8B9F-9FD7225D9164}"/>
               </a:ext>
             </a:extLst>
           </p:cNvPr>
@@ -7338,8 +7644,8 @@
         </p:blipFill>
         <p:spPr>
           <a:xfrm>
-            <a:off x="8272814" y="1496611"/>
-            <a:ext cx="3855762" cy="2177149"/>
+            <a:off x="8272814" y="1460062"/>
+            <a:ext cx="3855762" cy="2313458"/>
           </a:xfrm>
           <a:prstGeom prst="rect">
             <a:avLst/>
@@ -7348,10 +7654,10 @@
       </p:pic>
       <p:pic>
         <p:nvPicPr>
-          <p:cNvPr id="17" name="グラフィックス 16">
+          <p:cNvPr id="13" name="グラフィックス 12">
             <a:extLst>
               <a:ext uri="{FF2B5EF4-FFF2-40B4-BE49-F238E27FC236}">
-                <a16:creationId xmlns:a16="http://schemas.microsoft.com/office/drawing/2014/main" id="{1A630C49-129C-41D1-B5B2-1C9EDE0966B3}"/>
+                <a16:creationId xmlns:a16="http://schemas.microsoft.com/office/drawing/2014/main" id="{1A76A033-09B4-4BDD-8832-F3C04A0EDF4D}"/>
               </a:ext>
             </a:extLst>
           </p:cNvPr>
@@ -7377,8 +7683,8 @@
         </p:blipFill>
         <p:spPr>
           <a:xfrm>
-            <a:off x="312357" y="4111457"/>
-            <a:ext cx="3855762" cy="2177149"/>
+            <a:off x="312356" y="4091151"/>
+            <a:ext cx="3855763" cy="2313458"/>
           </a:xfrm>
           <a:prstGeom prst="rect">
             <a:avLst/>
@@ -7387,10 +7693,10 @@
       </p:pic>
       <p:pic>
         <p:nvPicPr>
-          <p:cNvPr id="27" name="グラフィックス 26">
+          <p:cNvPr id="18" name="グラフィックス 17">
             <a:extLst>
               <a:ext uri="{FF2B5EF4-FFF2-40B4-BE49-F238E27FC236}">
-                <a16:creationId xmlns:a16="http://schemas.microsoft.com/office/drawing/2014/main" id="{4CD65060-359B-45C4-9898-F69438FA34AB}"/>
+                <a16:creationId xmlns:a16="http://schemas.microsoft.com/office/drawing/2014/main" id="{E91C6DA3-30D8-4AC2-871E-5DEBC97A6E26}"/>
               </a:ext>
             </a:extLst>
           </p:cNvPr>
@@ -7416,8 +7722,8 @@
         </p:blipFill>
         <p:spPr>
           <a:xfrm>
-            <a:off x="4168119" y="4121313"/>
-            <a:ext cx="3855762" cy="2177149"/>
+            <a:off x="4168119" y="4087919"/>
+            <a:ext cx="3855763" cy="2315795"/>
           </a:xfrm>
           <a:prstGeom prst="rect">
             <a:avLst/>
@@ -7426,10 +7732,10 @@
       </p:pic>
       <p:pic>
         <p:nvPicPr>
-          <p:cNvPr id="32" name="グラフィックス 31">
+          <p:cNvPr id="28" name="グラフィックス 27">
             <a:extLst>
               <a:ext uri="{FF2B5EF4-FFF2-40B4-BE49-F238E27FC236}">
-                <a16:creationId xmlns:a16="http://schemas.microsoft.com/office/drawing/2014/main" id="{55AE869C-95C0-4B82-AE9D-7FB9FA326B08}"/>
+                <a16:creationId xmlns:a16="http://schemas.microsoft.com/office/drawing/2014/main" id="{E4073E42-9A9D-43EE-A2A4-2842BC3F29D3}"/>
               </a:ext>
             </a:extLst>
           </p:cNvPr>
@@ -7455,8 +7761,8 @@
         </p:blipFill>
         <p:spPr>
           <a:xfrm>
-            <a:off x="8272814" y="4124468"/>
-            <a:ext cx="3855762" cy="2170838"/>
+            <a:off x="8272814" y="4090256"/>
+            <a:ext cx="3855764" cy="2313458"/>
           </a:xfrm>
           <a:prstGeom prst="rect">
             <a:avLst/>
@@ -7493,6 +7799,45 @@
           <a:chExt cx="0" cy="0"/>
         </a:xfrm>
       </p:grpSpPr>
+      <p:pic>
+        <p:nvPicPr>
+          <p:cNvPr id="4" name="グラフィックス 3">
+            <a:extLst>
+              <a:ext uri="{FF2B5EF4-FFF2-40B4-BE49-F238E27FC236}">
+                <a16:creationId xmlns:a16="http://schemas.microsoft.com/office/drawing/2014/main" id="{44F2CD96-6ABB-492D-9099-95EA40B24A6B}"/>
+              </a:ext>
+            </a:extLst>
+          </p:cNvPr>
+          <p:cNvPicPr>
+            <a:picLocks noChangeAspect="1"/>
+          </p:cNvPicPr>
+          <p:nvPr/>
+        </p:nvPicPr>
+        <p:blipFill>
+          <a:blip r:embed="rId2">
+            <a:extLst>
+              <a:ext uri="{28A0092B-C50C-407E-A947-70E740481C1C}">
+                <a14:useLocalDpi xmlns:a14="http://schemas.microsoft.com/office/drawing/2010/main" val="0"/>
+              </a:ext>
+              <a:ext uri="{96DAC541-7B7A-43D3-8B79-37D633B846F1}">
+                <asvg:svgBlip xmlns:asvg="http://schemas.microsoft.com/office/drawing/2016/SVG/main" r:embed="rId3"/>
+              </a:ext>
+            </a:extLst>
+          </a:blip>
+          <a:stretch>
+            <a:fillRect/>
+          </a:stretch>
+        </p:blipFill>
+        <p:spPr>
+          <a:xfrm>
+            <a:off x="324375" y="2858027"/>
+            <a:ext cx="5234731" cy="3179357"/>
+          </a:xfrm>
+          <a:prstGeom prst="rect">
+            <a:avLst/>
+          </a:prstGeom>
+        </p:spPr>
+      </p:pic>
       <p:sp>
         <p:nvSpPr>
           <p:cNvPr id="3" name="正方形/長方形 2">
@@ -7597,7 +7942,7 @@
         <p:spPr>
           <a:xfrm>
             <a:off x="412459" y="973473"/>
-            <a:ext cx="11573444" cy="369332"/>
+            <a:ext cx="11573444" cy="400110"/>
           </a:xfrm>
           <a:prstGeom prst="rect">
             <a:avLst/>
@@ -7611,10 +7956,10 @@
           <a:lstStyle/>
           <a:p>
             <a:r>
-              <a:rPr lang="ja-JP" altLang="en-US" dirty="0"/>
+              <a:rPr lang="ja-JP" altLang="en-US" sz="2000" dirty="0"/>
               <a:t>各ローカルパッチサイズでの同自由度での誤差ノルムを比較した</a:t>
             </a:r>
-            <a:endParaRPr lang="en-US" altLang="ja-JP" dirty="0"/>
+            <a:endParaRPr lang="en-US" altLang="ja-JP" sz="2000" dirty="0"/>
           </a:p>
         </p:txBody>
       </p:sp>
@@ -7632,8 +7977,8 @@
         </p:nvSpPr>
         <p:spPr>
           <a:xfrm>
-            <a:off x="412459" y="1661186"/>
-            <a:ext cx="10067282" cy="923330"/>
+            <a:off x="412459" y="1488933"/>
+            <a:ext cx="11573443" cy="1015663"/>
           </a:xfrm>
           <a:prstGeom prst="rect">
             <a:avLst/>
@@ -7647,123 +7992,52 @@
           <a:lstStyle/>
           <a:p>
             <a:r>
-              <a:rPr lang="ja-JP" altLang="en-US" dirty="0"/>
+              <a:rPr lang="ja-JP" altLang="en-US" sz="2000" dirty="0"/>
               <a:t>グローバルパッチの要素サイズに対するローカルパッチの全体サイズの比と誤差ノルムの関係</a:t>
             </a:r>
-            <a:endParaRPr lang="en-US" altLang="ja-JP" dirty="0"/>
+            <a:endParaRPr lang="en-US" altLang="ja-JP" sz="2000" dirty="0"/>
           </a:p>
           <a:p>
             <a:r>
-              <a:rPr lang="en-US" altLang="ja-JP" i="1" dirty="0"/>
+              <a:rPr lang="en-US" altLang="ja-JP" sz="2000" i="1" dirty="0"/>
               <a:t>r</a:t>
             </a:r>
             <a:r>
-              <a:rPr lang="en-US" altLang="ja-JP" i="1" baseline="-25000" dirty="0"/>
+              <a:rPr lang="en-US" altLang="ja-JP" sz="2000" i="1" baseline="-25000" dirty="0"/>
               <a:t>2</a:t>
             </a:r>
             <a:r>
-              <a:rPr lang="en-US" altLang="ja-JP" i="1" dirty="0"/>
+              <a:rPr lang="en-US" altLang="ja-JP" sz="2000" i="1" dirty="0"/>
               <a:t>-r</a:t>
             </a:r>
             <a:r>
-              <a:rPr lang="en-US" altLang="ja-JP" i="1" baseline="-25000" dirty="0"/>
+              <a:rPr lang="en-US" altLang="ja-JP" sz="2000" i="1" baseline="-25000" dirty="0"/>
               <a:t>1</a:t>
             </a:r>
             <a:r>
-              <a:rPr lang="en-US" altLang="ja-JP" dirty="0"/>
+              <a:rPr lang="en-US" altLang="ja-JP" sz="2000" dirty="0"/>
               <a:t>:</a:t>
             </a:r>
             <a:r>
-              <a:rPr lang="ja-JP" altLang="en-US" dirty="0"/>
+              <a:rPr lang="ja-JP" altLang="en-US" sz="2000" dirty="0"/>
               <a:t>ローカルパッチの全体のサイズ</a:t>
             </a:r>
-            <a:endParaRPr lang="en-US" altLang="ja-JP" dirty="0"/>
+            <a:endParaRPr lang="en-US" altLang="ja-JP" sz="2000" dirty="0"/>
           </a:p>
           <a:p>
             <a:r>
-              <a:rPr lang="en-US" altLang="ja-JP" i="1" dirty="0"/>
+              <a:rPr lang="en-US" altLang="ja-JP" sz="2000" i="1" dirty="0"/>
               <a:t>d</a:t>
             </a:r>
             <a:r>
-              <a:rPr lang="en-US" altLang="ja-JP" dirty="0"/>
+              <a:rPr lang="en-US" altLang="ja-JP" sz="2000" dirty="0"/>
               <a:t>     : </a:t>
             </a:r>
             <a:r>
-              <a:rPr lang="ja-JP" altLang="en-US" dirty="0"/>
+              <a:rPr lang="ja-JP" altLang="en-US" sz="2000" dirty="0"/>
               <a:t>グローバルパッチの要素サイズ</a:t>
             </a:r>
-            <a:endParaRPr lang="en-US" altLang="ja-JP" dirty="0"/>
-          </a:p>
-        </p:txBody>
-      </p:sp>
-      <p:sp>
-        <p:nvSpPr>
-          <p:cNvPr id="27" name="テキスト ボックス 26">
-            <a:extLst>
-              <a:ext uri="{FF2B5EF4-FFF2-40B4-BE49-F238E27FC236}">
-                <a16:creationId xmlns:a16="http://schemas.microsoft.com/office/drawing/2014/main" id="{4A383A22-B97E-44A6-B95F-17652AFACDDB}"/>
-              </a:ext>
-            </a:extLst>
-          </p:cNvPr>
-          <p:cNvSpPr txBox="1"/>
-          <p:nvPr/>
-        </p:nvSpPr>
-        <p:spPr>
-          <a:xfrm>
-            <a:off x="412459" y="5884527"/>
-            <a:ext cx="11573444" cy="646331"/>
-          </a:xfrm>
-          <a:prstGeom prst="rect">
-            <a:avLst/>
-          </a:prstGeom>
-          <a:noFill/>
-        </p:spPr>
-        <p:txBody>
-          <a:bodyPr wrap="square" rtlCol="0">
-            <a:spAutoFit/>
-          </a:bodyPr>
-          <a:lstStyle/>
-          <a:p>
-            <a:r>
-              <a:rPr lang="en-US" altLang="ja-JP" dirty="0"/>
-              <a:t>2</a:t>
-            </a:r>
-            <a:r>
-              <a:rPr lang="ja-JP" altLang="en-US" dirty="0"/>
-              <a:t>次と</a:t>
-            </a:r>
-            <a:r>
-              <a:rPr lang="en-US" altLang="ja-JP" dirty="0"/>
-              <a:t>3</a:t>
-            </a:r>
-            <a:r>
-              <a:rPr lang="ja-JP" altLang="en-US" dirty="0"/>
-              <a:t>次共にグローバルパッチの要素サイズに対するローカルパッチのサイズの比を</a:t>
-            </a:r>
-            <a:r>
-              <a:rPr lang="en-US" altLang="ja-JP" dirty="0"/>
-              <a:t>2.5</a:t>
-            </a:r>
-            <a:r>
-              <a:rPr lang="ja-JP" altLang="en-US" dirty="0"/>
-              <a:t>～</a:t>
-            </a:r>
-            <a:r>
-              <a:rPr lang="en-US" altLang="ja-JP" dirty="0"/>
-              <a:t>4</a:t>
-            </a:r>
-            <a:r>
-              <a:rPr lang="ja-JP" altLang="en-US" dirty="0"/>
-              <a:t>倍程度にすると</a:t>
-            </a:r>
-            <a:endParaRPr lang="en-US" altLang="ja-JP" dirty="0"/>
-          </a:p>
-          <a:p>
-            <a:r>
-              <a:rPr lang="ja-JP" altLang="en-US" dirty="0"/>
-              <a:t>同自由度で最も精度が高くなることが確認された</a:t>
-            </a:r>
-            <a:endParaRPr lang="en-US" altLang="ja-JP" dirty="0"/>
+            <a:endParaRPr lang="en-US" altLang="ja-JP" sz="2000" dirty="0"/>
           </a:p>
         </p:txBody>
       </p:sp>
@@ -7820,8 +8094,8 @@
         </p:nvSpPr>
         <p:spPr>
           <a:xfrm>
-            <a:off x="1484192" y="2547787"/>
-            <a:ext cx="4756744" cy="369332"/>
+            <a:off x="982520" y="2547787"/>
+            <a:ext cx="5319280" cy="400110"/>
           </a:xfrm>
           <a:prstGeom prst="rect">
             <a:avLst/>
@@ -7835,19 +8109,19 @@
           <a:lstStyle/>
           <a:p>
             <a:r>
-              <a:rPr lang="en-US" altLang="ja-JP" dirty="0"/>
+              <a:rPr lang="en-US" altLang="ja-JP" sz="2000" dirty="0"/>
               <a:t>Error norm of </a:t>
             </a:r>
             <a:r>
-              <a:rPr lang="en-US" altLang="ja-JP" i="1" dirty="0" err="1"/>
+              <a:rPr lang="en-US" altLang="ja-JP" sz="2000" i="1" dirty="0" err="1"/>
               <a:t>σ</a:t>
             </a:r>
             <a:r>
-              <a:rPr lang="en-US" altLang="ja-JP" i="1" baseline="-25000" dirty="0" err="1"/>
+              <a:rPr lang="en-US" altLang="ja-JP" sz="2000" i="1" baseline="-25000" dirty="0" err="1"/>
               <a:t>rr</a:t>
             </a:r>
             <a:r>
-              <a:rPr lang="en-US" altLang="ja-JP" dirty="0"/>
+              <a:rPr lang="en-US" altLang="ja-JP" sz="2000" dirty="0"/>
               <a:t> (Global_30x30, Local_30x30)</a:t>
             </a:r>
           </a:p>
@@ -7868,7 +8142,7 @@
         <p:spPr>
           <a:xfrm>
             <a:off x="6632895" y="2547787"/>
-            <a:ext cx="5146646" cy="369332"/>
+            <a:ext cx="5447252" cy="400110"/>
           </a:xfrm>
           <a:prstGeom prst="rect">
             <a:avLst/>
@@ -7882,19 +8156,19 @@
           <a:lstStyle/>
           <a:p>
             <a:r>
-              <a:rPr lang="en-US" altLang="ja-JP" dirty="0"/>
+              <a:rPr lang="en-US" altLang="ja-JP" sz="2000" dirty="0"/>
               <a:t>Error norm of </a:t>
             </a:r>
             <a:r>
-              <a:rPr lang="en-US" altLang="ja-JP" i="1" dirty="0" err="1"/>
+              <a:rPr lang="en-US" altLang="ja-JP" sz="2000" i="1" dirty="0" err="1"/>
               <a:t>σ</a:t>
             </a:r>
             <a:r>
-              <a:rPr lang="en-US" altLang="ja-JP" i="1" baseline="-25000" dirty="0" err="1"/>
+              <a:rPr lang="en-US" altLang="ja-JP" sz="2000" i="1" baseline="-25000" dirty="0" err="1"/>
               <a:t>θθ</a:t>
             </a:r>
             <a:r>
-              <a:rPr lang="en-US" altLang="ja-JP" dirty="0"/>
+              <a:rPr lang="en-US" altLang="ja-JP" sz="2000" dirty="0"/>
               <a:t> (Global_30x30, Local_30x30)</a:t>
             </a:r>
           </a:p>
@@ -7902,49 +8176,10 @@
       </p:sp>
       <p:pic>
         <p:nvPicPr>
-          <p:cNvPr id="6" name="グラフィックス 5">
+          <p:cNvPr id="8" name="グラフィックス 7">
             <a:extLst>
               <a:ext uri="{FF2B5EF4-FFF2-40B4-BE49-F238E27FC236}">
-                <a16:creationId xmlns:a16="http://schemas.microsoft.com/office/drawing/2014/main" id="{0233AF3B-A917-4903-910F-C3EA012262DD}"/>
-              </a:ext>
-            </a:extLst>
-          </p:cNvPr>
-          <p:cNvPicPr>
-            <a:picLocks noChangeAspect="1"/>
-          </p:cNvPicPr>
-          <p:nvPr/>
-        </p:nvPicPr>
-        <p:blipFill>
-          <a:blip r:embed="rId2">
-            <a:extLst>
-              <a:ext uri="{28A0092B-C50C-407E-A947-70E740481C1C}">
-                <a14:useLocalDpi xmlns:a14="http://schemas.microsoft.com/office/drawing/2010/main" val="0"/>
-              </a:ext>
-              <a:ext uri="{96DAC541-7B7A-43D3-8B79-37D633B846F1}">
-                <asvg:svgBlip xmlns:asvg="http://schemas.microsoft.com/office/drawing/2016/SVG/main" r:embed="rId3"/>
-              </a:ext>
-            </a:extLst>
-          </a:blip>
-          <a:stretch>
-            <a:fillRect/>
-          </a:stretch>
-        </p:blipFill>
-        <p:spPr>
-          <a:xfrm>
-            <a:off x="914131" y="3047119"/>
-            <a:ext cx="4756744" cy="2701457"/>
-          </a:xfrm>
-          <a:prstGeom prst="rect">
-            <a:avLst/>
-          </a:prstGeom>
-        </p:spPr>
-      </p:pic>
-      <p:pic>
-        <p:nvPicPr>
-          <p:cNvPr id="10" name="グラフィックス 9">
-            <a:extLst>
-              <a:ext uri="{FF2B5EF4-FFF2-40B4-BE49-F238E27FC236}">
-                <a16:creationId xmlns:a16="http://schemas.microsoft.com/office/drawing/2014/main" id="{FF0BA436-8D31-4507-A837-D5B8F7F4FDCD}"/>
+                <a16:creationId xmlns:a16="http://schemas.microsoft.com/office/drawing/2014/main" id="{A8790B21-A5CE-4A65-A9CD-DCAD8C665A77}"/>
               </a:ext>
             </a:extLst>
           </p:cNvPr>
@@ -7970,14 +8205,78 @@
         </p:blipFill>
         <p:spPr>
           <a:xfrm>
-            <a:off x="6096000" y="3047119"/>
-            <a:ext cx="4756744" cy="2701457"/>
+            <a:off x="5993234" y="2947897"/>
+            <a:ext cx="5234732" cy="3176200"/>
           </a:xfrm>
           <a:prstGeom prst="rect">
             <a:avLst/>
           </a:prstGeom>
         </p:spPr>
       </p:pic>
+      <p:sp>
+        <p:nvSpPr>
+          <p:cNvPr id="27" name="テキスト ボックス 26">
+            <a:extLst>
+              <a:ext uri="{FF2B5EF4-FFF2-40B4-BE49-F238E27FC236}">
+                <a16:creationId xmlns:a16="http://schemas.microsoft.com/office/drawing/2014/main" id="{4A383A22-B97E-44A6-B95F-17652AFACDDB}"/>
+              </a:ext>
+            </a:extLst>
+          </p:cNvPr>
+          <p:cNvSpPr txBox="1"/>
+          <p:nvPr/>
+        </p:nvSpPr>
+        <p:spPr>
+          <a:xfrm>
+            <a:off x="412458" y="6002407"/>
+            <a:ext cx="11573444" cy="707886"/>
+          </a:xfrm>
+          <a:prstGeom prst="rect">
+            <a:avLst/>
+          </a:prstGeom>
+          <a:noFill/>
+        </p:spPr>
+        <p:txBody>
+          <a:bodyPr wrap="square" rtlCol="0">
+            <a:spAutoFit/>
+          </a:bodyPr>
+          <a:lstStyle/>
+          <a:p>
+            <a:r>
+              <a:rPr lang="en-US" altLang="ja-JP" sz="2000" dirty="0"/>
+              <a:t>2</a:t>
+            </a:r>
+            <a:r>
+              <a:rPr lang="ja-JP" altLang="en-US" sz="2000" dirty="0"/>
+              <a:t>次と</a:t>
+            </a:r>
+            <a:r>
+              <a:rPr lang="en-US" altLang="ja-JP" sz="2000" dirty="0"/>
+              <a:t>3</a:t>
+            </a:r>
+            <a:r>
+              <a:rPr lang="ja-JP" altLang="en-US" sz="2000" dirty="0"/>
+              <a:t>次共にグローバルパッチの要素サイズに対するローカルパッチのサイズの比を</a:t>
+            </a:r>
+            <a:r>
+              <a:rPr lang="en-US" altLang="ja-JP" sz="2000" dirty="0"/>
+              <a:t>2.5</a:t>
+            </a:r>
+            <a:r>
+              <a:rPr lang="ja-JP" altLang="en-US" sz="2000" dirty="0"/>
+              <a:t>～</a:t>
+            </a:r>
+            <a:r>
+              <a:rPr lang="en-US" altLang="ja-JP" sz="2000" dirty="0"/>
+              <a:t>4</a:t>
+            </a:r>
+            <a:r>
+              <a:rPr lang="ja-JP" altLang="en-US" sz="2000" dirty="0"/>
+              <a:t>倍程度にすると同自由度で最も精度が高くなることが確認された</a:t>
+            </a:r>
+            <a:endParaRPr lang="en-US" altLang="ja-JP" sz="2000" dirty="0"/>
+          </a:p>
+        </p:txBody>
+      </p:sp>
     </p:spTree>
     <p:extLst>
       <p:ext uri="{BB962C8B-B14F-4D97-AF65-F5344CB8AC3E}">
@@ -8147,7 +8446,7 @@
         <p:spPr>
           <a:xfrm>
             <a:off x="412458" y="1154149"/>
-            <a:ext cx="11172737" cy="1477328"/>
+            <a:ext cx="11172737" cy="2677656"/>
           </a:xfrm>
           <a:prstGeom prst="rect">
             <a:avLst/>
@@ -8165,34 +8464,34 @@
               <a:buChar char="•"/>
             </a:pPr>
             <a:r>
-              <a:rPr lang="ja-JP" altLang="en-US" dirty="0"/>
+              <a:rPr lang="ja-JP" altLang="en-US" sz="2400" dirty="0"/>
               <a:t>通常の</a:t>
             </a:r>
             <a:r>
-              <a:rPr lang="en-US" altLang="ja-JP" dirty="0"/>
+              <a:rPr lang="en-US" altLang="ja-JP" sz="2400" dirty="0"/>
               <a:t>IGA</a:t>
             </a:r>
             <a:r>
-              <a:rPr lang="ja-JP" altLang="en-US" dirty="0"/>
+              <a:rPr lang="ja-JP" altLang="en-US" sz="2400" dirty="0"/>
               <a:t>解析と重合パッチ法解析で，同自由度では基底関数が</a:t>
             </a:r>
             <a:r>
-              <a:rPr lang="en-US" altLang="ja-JP" dirty="0"/>
+              <a:rPr lang="en-US" altLang="ja-JP" sz="2400" dirty="0"/>
               <a:t>2</a:t>
             </a:r>
             <a:r>
-              <a:rPr lang="ja-JP" altLang="en-US" dirty="0"/>
+              <a:rPr lang="ja-JP" altLang="en-US" sz="2400" dirty="0"/>
               <a:t>次の場合より</a:t>
             </a:r>
             <a:r>
-              <a:rPr lang="en-US" altLang="ja-JP" dirty="0"/>
+              <a:rPr lang="en-US" altLang="ja-JP" sz="2400" dirty="0"/>
               <a:t>3</a:t>
             </a:r>
             <a:r>
-              <a:rPr lang="ja-JP" altLang="en-US" dirty="0"/>
+              <a:rPr lang="ja-JP" altLang="en-US" sz="2400" dirty="0"/>
               <a:t>次の場合の方が精度が高くなる</a:t>
             </a:r>
-            <a:endParaRPr lang="en-US" altLang="ja-JP" dirty="0"/>
+            <a:endParaRPr lang="en-US" altLang="ja-JP" sz="2400" dirty="0"/>
           </a:p>
           <a:p>
             <a:pPr marL="342900" indent="-342900">
@@ -8200,18 +8499,18 @@
               <a:buChar char="•"/>
             </a:pPr>
             <a:r>
-              <a:rPr lang="ja-JP" altLang="en-US" dirty="0"/>
+              <a:rPr lang="ja-JP" altLang="en-US" sz="2400" dirty="0"/>
               <a:t>重合パッチ法では，グローバルパッチとローカルパッチの基底関数が共に</a:t>
             </a:r>
             <a:r>
-              <a:rPr lang="en-US" altLang="ja-JP" dirty="0"/>
+              <a:rPr lang="en-US" altLang="ja-JP" sz="2400" dirty="0"/>
               <a:t>3</a:t>
             </a:r>
             <a:r>
-              <a:rPr lang="ja-JP" altLang="en-US" dirty="0"/>
+              <a:rPr lang="ja-JP" altLang="en-US" sz="2400" dirty="0"/>
               <a:t>次の場合に最も高精度となる</a:t>
             </a:r>
-            <a:endParaRPr lang="en-US" altLang="ja-JP" dirty="0"/>
+            <a:endParaRPr lang="en-US" altLang="ja-JP" sz="2400" dirty="0"/>
           </a:p>
           <a:p>
             <a:pPr marL="342900" indent="-342900">
@@ -8219,26 +8518,26 @@
               <a:buChar char="•"/>
             </a:pPr>
             <a:r>
-              <a:rPr lang="ja-JP" altLang="en-US" dirty="0"/>
+              <a:rPr lang="ja-JP" altLang="en-US" sz="2400" dirty="0"/>
               <a:t>重合パッチ法では，グローバルパッチの要素の代表長さに対するローカルパッチの全体のサイズの代表長さを</a:t>
             </a:r>
             <a:r>
-              <a:rPr lang="en-US" altLang="ja-JP" dirty="0"/>
+              <a:rPr lang="en-US" altLang="ja-JP" sz="2400" dirty="0"/>
               <a:t>2.5</a:t>
             </a:r>
             <a:r>
-              <a:rPr lang="ja-JP" altLang="en-US" dirty="0"/>
+              <a:rPr lang="ja-JP" altLang="en-US" sz="2400" dirty="0"/>
               <a:t>～</a:t>
             </a:r>
             <a:r>
-              <a:rPr lang="en-US" altLang="ja-JP" dirty="0"/>
+              <a:rPr lang="en-US" altLang="ja-JP" sz="2400" dirty="0"/>
               <a:t>4</a:t>
             </a:r>
             <a:r>
-              <a:rPr lang="ja-JP" altLang="en-US" dirty="0"/>
+              <a:rPr lang="ja-JP" altLang="en-US" sz="2400" dirty="0"/>
               <a:t>倍程度にすると同自由度で最も精度が高くなる</a:t>
             </a:r>
-            <a:endParaRPr lang="en-US" altLang="ja-JP" dirty="0"/>
+            <a:endParaRPr lang="en-US" altLang="ja-JP" sz="2400" dirty="0"/>
           </a:p>
         </p:txBody>
       </p:sp>
@@ -8472,8 +8771,8 @@
         </p:nvSpPr>
         <p:spPr>
           <a:xfrm>
-            <a:off x="378287" y="977410"/>
-            <a:ext cx="5754213" cy="369332"/>
+            <a:off x="378288" y="977410"/>
+            <a:ext cx="4504106" cy="369332"/>
           </a:xfrm>
           <a:prstGeom prst="rect">
             <a:avLst/>
@@ -8498,8 +8797,8 @@
           </a:p>
         </p:txBody>
       </p:sp>
-      <mc:AlternateContent xmlns:mc="http://schemas.openxmlformats.org/markup-compatibility/2006" xmlns:a14="http://schemas.microsoft.com/office/drawing/2010/main">
-        <mc:Choice Requires="a14">
+      <mc:AlternateContent xmlns:mc="http://schemas.openxmlformats.org/markup-compatibility/2006">
+        <mc:Choice xmlns:a14="http://schemas.microsoft.com/office/drawing/2010/main" Requires="a14">
           <p:sp>
             <p:nvSpPr>
               <p:cNvPr id="36" name="テキスト ボックス 35">
@@ -10397,7 +10696,7 @@
             </p:txBody>
           </p:sp>
         </mc:Choice>
-        <mc:Fallback xmlns="">
+        <mc:Fallback>
           <p:sp>
             <p:nvSpPr>
               <p:cNvPr id="36" name="テキスト ボックス 35">
@@ -12127,8 +12426,8 @@
         </p:nvSpPr>
         <p:spPr>
           <a:xfrm>
-            <a:off x="378287" y="977410"/>
-            <a:ext cx="5754213" cy="369332"/>
+            <a:off x="378288" y="977410"/>
+            <a:ext cx="4856442" cy="369332"/>
           </a:xfrm>
           <a:prstGeom prst="rect">
             <a:avLst/>
@@ -13814,7 +14113,7 @@
         <p:spPr>
           <a:xfrm>
             <a:off x="1410749" y="1276463"/>
-            <a:ext cx="5213641" cy="4462760"/>
+            <a:ext cx="5213641" cy="4647426"/>
           </a:xfrm>
           <a:prstGeom prst="rect">
             <a:avLst/>
@@ -13857,40 +14156,40 @@
               <a:t>   </a:t>
             </a:r>
             <a:r>
-              <a:rPr lang="ja-JP" altLang="en-US" sz="2000" dirty="0"/>
+              <a:rPr lang="ja-JP" altLang="en-US" sz="2400" dirty="0"/>
               <a:t>・</a:t>
             </a:r>
             <a:r>
-              <a:rPr lang="en-US" altLang="ja-JP" sz="2000" dirty="0"/>
+              <a:rPr lang="en-US" altLang="ja-JP" sz="2400" dirty="0"/>
               <a:t>NURBS</a:t>
             </a:r>
             <a:r>
-              <a:rPr lang="ja-JP" altLang="en-US" sz="2000" dirty="0"/>
+              <a:rPr lang="ja-JP" altLang="en-US" sz="2400" dirty="0"/>
               <a:t>基底関数</a:t>
             </a:r>
-            <a:endParaRPr lang="en-US" altLang="ja-JP" sz="2000" dirty="0"/>
+            <a:endParaRPr lang="en-US" altLang="ja-JP" sz="2400" dirty="0"/>
           </a:p>
           <a:p>
             <a:r>
-              <a:rPr lang="en-US" altLang="ja-JP" sz="2000" dirty="0"/>
+              <a:rPr lang="en-US" altLang="ja-JP" sz="2400" dirty="0"/>
               <a:t>   </a:t>
             </a:r>
             <a:r>
-              <a:rPr lang="ja-JP" altLang="en-US" sz="2000" dirty="0"/>
+              <a:rPr lang="ja-JP" altLang="en-US" sz="2400" dirty="0"/>
               <a:t>・細分化・高次化手法</a:t>
             </a:r>
-            <a:endParaRPr lang="en-US" altLang="ja-JP" sz="2000" dirty="0"/>
+            <a:endParaRPr lang="en-US" altLang="ja-JP" sz="2400" dirty="0"/>
           </a:p>
           <a:p>
             <a:r>
-              <a:rPr lang="en-US" altLang="ja-JP" sz="2000" dirty="0"/>
+              <a:rPr lang="en-US" altLang="ja-JP" sz="2400" dirty="0"/>
               <a:t>   </a:t>
             </a:r>
             <a:r>
-              <a:rPr lang="ja-JP" altLang="en-US" sz="2000" dirty="0"/>
+              <a:rPr lang="ja-JP" altLang="en-US" sz="2400" dirty="0"/>
               <a:t>・重合パッチ法</a:t>
             </a:r>
-            <a:endParaRPr lang="en-US" altLang="ja-JP" sz="2000" dirty="0"/>
+            <a:endParaRPr lang="en-US" altLang="ja-JP" sz="2400" dirty="0"/>
           </a:p>
           <a:p>
             <a:endParaRPr lang="en-US" altLang="ja-JP" sz="2800" dirty="0"/>
@@ -22292,8 +22591,8 @@
         </p:nvSpPr>
         <p:spPr>
           <a:xfrm>
-            <a:off x="390512" y="1045677"/>
-            <a:ext cx="5543724" cy="923330"/>
+            <a:off x="390511" y="829656"/>
+            <a:ext cx="5657011" cy="923330"/>
           </a:xfrm>
           <a:prstGeom prst="rect">
             <a:avLst/>
@@ -22319,7 +22618,7 @@
           <a:p>
             <a:r>
               <a:rPr lang="ja-JP" altLang="en-US" dirty="0"/>
-              <a:t>次数はそのままで細分化した方が</a:t>
+              <a:t>問題によっては，次数はそのままで細分化した方が</a:t>
             </a:r>
             <a:endParaRPr lang="en-US" altLang="ja-JP" dirty="0"/>
           </a:p>
@@ -22464,7 +22763,15 @@
           <a:p>
             <a:r>
               <a:rPr lang="ja-JP" altLang="en-US" dirty="0"/>
-              <a:t>同自由度数で高次の方が高精度になることは</a:t>
+              <a:t>同自由</a:t>
+            </a:r>
+            <a:r>
+              <a:rPr lang="ja-JP" altLang="en-US"/>
+              <a:t>度数で常に高次</a:t>
+            </a:r>
+            <a:r>
+              <a:rPr lang="ja-JP" altLang="en-US" dirty="0"/>
+              <a:t>の方が高精度になることは</a:t>
             </a:r>
             <a:endParaRPr lang="en-US" altLang="ja-JP" dirty="0"/>
           </a:p>
@@ -23473,7 +23780,7 @@
         </p:blipFill>
         <p:spPr>
           <a:xfrm>
-            <a:off x="7962213" y="802893"/>
+            <a:off x="8073536" y="920117"/>
             <a:ext cx="3817328" cy="2935635"/>
           </a:xfrm>
           <a:prstGeom prst="rect">
@@ -23620,7 +23927,7 @@
         <p:spPr>
           <a:xfrm>
             <a:off x="412457" y="801812"/>
-            <a:ext cx="10778457" cy="5509200"/>
+            <a:ext cx="10778457" cy="5293757"/>
           </a:xfrm>
           <a:prstGeom prst="rect">
             <a:avLst/>
@@ -23657,59 +23964,59 @@
           </a:p>
           <a:p>
             <a:r>
-              <a:rPr lang="en-US" altLang="ja-JP" sz="1600" dirty="0"/>
+              <a:rPr lang="en-US" altLang="ja-JP" dirty="0"/>
               <a:t>FEM</a:t>
             </a:r>
             <a:r>
-              <a:rPr lang="ja-JP" altLang="en-US" sz="1600" dirty="0"/>
+              <a:rPr lang="ja-JP" altLang="en-US" dirty="0"/>
               <a:t>の解析モデルは</a:t>
             </a:r>
             <a:r>
-              <a:rPr lang="en-US" altLang="ja-JP" sz="1600" dirty="0"/>
+              <a:rPr lang="en-US" altLang="ja-JP" dirty="0"/>
               <a:t>CAD</a:t>
             </a:r>
             <a:r>
-              <a:rPr lang="ja-JP" altLang="en-US" sz="1600" dirty="0"/>
+              <a:rPr lang="ja-JP" altLang="en-US" dirty="0"/>
               <a:t>データの近似であり，誤差の原因となるが</a:t>
             </a:r>
-            <a:endParaRPr lang="en-US" altLang="ja-JP" sz="1600" dirty="0"/>
+            <a:endParaRPr lang="en-US" altLang="ja-JP" dirty="0"/>
           </a:p>
           <a:p>
             <a:r>
-              <a:rPr lang="en-US" altLang="ja-JP" sz="1600" dirty="0"/>
+              <a:rPr lang="en-US" altLang="ja-JP" dirty="0"/>
               <a:t>IGA</a:t>
             </a:r>
             <a:r>
-              <a:rPr lang="ja-JP" altLang="en-US" sz="1600" dirty="0"/>
+              <a:rPr lang="ja-JP" altLang="en-US" dirty="0"/>
               <a:t>では</a:t>
             </a:r>
             <a:r>
-              <a:rPr lang="en-US" altLang="ja-JP" sz="1600" dirty="0"/>
+              <a:rPr lang="en-US" altLang="ja-JP" dirty="0"/>
               <a:t>CAD</a:t>
             </a:r>
             <a:r>
-              <a:rPr lang="ja-JP" altLang="en-US" sz="1600" dirty="0"/>
+              <a:rPr lang="ja-JP" altLang="en-US" dirty="0"/>
               <a:t>と同じ幾何学表現</a:t>
             </a:r>
             <a:r>
-              <a:rPr lang="en-US" altLang="ja-JP" sz="1600" dirty="0"/>
+              <a:rPr lang="en-US" altLang="ja-JP" dirty="0"/>
               <a:t>(NURBS)</a:t>
             </a:r>
             <a:r>
-              <a:rPr lang="ja-JP" altLang="en-US" sz="1600" dirty="0"/>
+              <a:rPr lang="ja-JP" altLang="en-US" dirty="0"/>
               <a:t>を用いているため，曲面を厳密に表現できる</a:t>
             </a:r>
-            <a:endParaRPr lang="en-US" altLang="ja-JP" sz="1600" dirty="0"/>
+            <a:endParaRPr lang="en-US" altLang="ja-JP" dirty="0"/>
           </a:p>
           <a:p>
             <a:r>
-              <a:rPr lang="ja-JP" altLang="en-US" sz="1600" dirty="0"/>
+              <a:rPr lang="ja-JP" altLang="en-US" dirty="0"/>
               <a:t>基底関数の連続性を自在に操作可能</a:t>
             </a:r>
-            <a:endParaRPr lang="en-US" altLang="ja-JP" sz="1600" dirty="0"/>
+            <a:endParaRPr lang="en-US" altLang="ja-JP" dirty="0"/>
           </a:p>
           <a:p>
-            <a:endParaRPr lang="en-US" altLang="ja-JP" sz="1600" dirty="0"/>
+            <a:endParaRPr lang="en-US" altLang="ja-JP" sz="700" dirty="0"/>
           </a:p>
           <a:p>
             <a:pPr marL="285750" indent="-285750">
@@ -23717,10 +24024,10 @@
               <a:buChar char="ü"/>
             </a:pPr>
             <a:r>
-              <a:rPr lang="ja-JP" altLang="en-US" sz="1600" dirty="0"/>
+              <a:rPr lang="ja-JP" altLang="en-US" dirty="0"/>
               <a:t>形状誤差をなくすことができる</a:t>
             </a:r>
-            <a:endParaRPr lang="en-US" altLang="ja-JP" sz="1600" dirty="0"/>
+            <a:endParaRPr lang="en-US" altLang="ja-JP" dirty="0"/>
           </a:p>
           <a:p>
             <a:pPr marL="285750" indent="-285750">
@@ -23728,10 +24035,10 @@
               <a:buChar char="ü"/>
             </a:pPr>
             <a:r>
-              <a:rPr lang="ja-JP" altLang="en-US" sz="1600" dirty="0"/>
+              <a:rPr lang="ja-JP" altLang="en-US" dirty="0"/>
               <a:t>モデル生成の時間が短縮できる</a:t>
             </a:r>
-            <a:endParaRPr lang="en-US" altLang="ja-JP" sz="1600" dirty="0"/>
+            <a:endParaRPr lang="en-US" altLang="ja-JP" dirty="0"/>
           </a:p>
           <a:p>
             <a:pPr marL="285750" indent="-285750">
@@ -23739,17 +24046,17 @@
               <a:buChar char="ü"/>
             </a:pPr>
             <a:r>
-              <a:rPr lang="ja-JP" altLang="en-US" sz="1600" dirty="0"/>
+              <a:rPr lang="ja-JP" altLang="en-US" dirty="0"/>
               <a:t>基底関数の次数をあげて解析精度の向上が期待できる</a:t>
             </a:r>
-            <a:endParaRPr lang="en-US" altLang="ja-JP" sz="1600" dirty="0"/>
+            <a:endParaRPr lang="en-US" altLang="ja-JP" dirty="0"/>
           </a:p>
           <a:p>
             <a:pPr marL="285750" indent="-285750">
               <a:buFont typeface="Wingdings" panose="05000000000000000000" pitchFamily="2" charset="2"/>
               <a:buChar char="ü"/>
             </a:pPr>
-            <a:endParaRPr lang="en-US" altLang="ja-JP" sz="1600" dirty="0"/>
+            <a:endParaRPr lang="en-US" altLang="ja-JP" sz="900" dirty="0"/>
           </a:p>
           <a:p>
             <a:r>
@@ -23776,58 +24083,58 @@
           </a:p>
           <a:p>
             <a:r>
-              <a:rPr lang="ja-JP" altLang="en-US" sz="1600" dirty="0"/>
+              <a:rPr lang="ja-JP" altLang="en-US" dirty="0"/>
               <a:t>グローバルパッチとローカルパッチを用いたマルチスケール解析手法</a:t>
             </a:r>
-            <a:endParaRPr lang="en-US" altLang="ja-JP" sz="1600" dirty="0"/>
+            <a:endParaRPr lang="en-US" altLang="ja-JP" dirty="0"/>
           </a:p>
           <a:p>
             <a:r>
-              <a:rPr lang="en-US" altLang="ja-JP" sz="1600" dirty="0"/>
+              <a:rPr lang="en-US" altLang="ja-JP" dirty="0"/>
               <a:t>FEM</a:t>
             </a:r>
             <a:r>
-              <a:rPr lang="ja-JP" altLang="en-US" sz="1600" dirty="0"/>
+              <a:rPr lang="ja-JP" altLang="en-US" dirty="0"/>
               <a:t>のマルチスケール解析手法である重合メッシュ法</a:t>
             </a:r>
             <a:r>
-              <a:rPr lang="en-US" altLang="ja-JP" sz="1600" dirty="0"/>
+              <a:rPr lang="en-US" altLang="ja-JP" dirty="0"/>
               <a:t>(S-FEM)</a:t>
             </a:r>
             <a:r>
-              <a:rPr lang="en-US" altLang="ja-JP" sz="1600" baseline="30000" dirty="0"/>
+              <a:rPr lang="en-US" altLang="ja-JP" baseline="30000" dirty="0"/>
               <a:t>[3]</a:t>
             </a:r>
             <a:r>
-              <a:rPr lang="ja-JP" altLang="en-US" sz="1600" dirty="0"/>
+              <a:rPr lang="ja-JP" altLang="en-US" dirty="0"/>
               <a:t>を</a:t>
             </a:r>
             <a:r>
-              <a:rPr lang="en-US" altLang="ja-JP" sz="1600" dirty="0"/>
+              <a:rPr lang="en-US" altLang="ja-JP" dirty="0"/>
               <a:t>IGA</a:t>
             </a:r>
             <a:r>
-              <a:rPr lang="ja-JP" altLang="en-US" sz="1600" dirty="0"/>
+              <a:rPr lang="ja-JP" altLang="en-US" dirty="0"/>
               <a:t>に応用した手法</a:t>
             </a:r>
-            <a:endParaRPr lang="en-US" altLang="ja-JP" sz="1600" dirty="0"/>
+            <a:endParaRPr lang="en-US" altLang="ja-JP" dirty="0"/>
           </a:p>
           <a:p>
             <a:r>
-              <a:rPr lang="ja-JP" altLang="en-US" sz="1600" dirty="0"/>
+              <a:rPr lang="ja-JP" altLang="en-US" dirty="0"/>
               <a:t>応力集中が予想される場所やき裂付近等で詳細な分割を施したパッチを用いて解析できる</a:t>
             </a:r>
-            <a:endParaRPr lang="en-US" altLang="ja-JP" sz="1600" dirty="0"/>
+            <a:endParaRPr lang="en-US" altLang="ja-JP" dirty="0"/>
           </a:p>
           <a:p>
             <a:r>
-              <a:rPr lang="ja-JP" altLang="en-US" sz="1600" dirty="0"/>
+              <a:rPr lang="ja-JP" altLang="en-US" dirty="0"/>
               <a:t>パッチ間で境界やコントロールポイントが一致する必要がない</a:t>
             </a:r>
-            <a:endParaRPr lang="en-US" altLang="ja-JP" sz="1600" dirty="0"/>
+            <a:endParaRPr lang="en-US" altLang="ja-JP" dirty="0"/>
           </a:p>
           <a:p>
-            <a:endParaRPr lang="en-US" altLang="ja-JP" sz="1600" dirty="0"/>
+            <a:endParaRPr lang="en-US" altLang="ja-JP" sz="700" dirty="0"/>
           </a:p>
           <a:p>
             <a:pPr marL="285750" indent="-285750">
@@ -23835,10 +24142,10 @@
               <a:buChar char="ü"/>
             </a:pPr>
             <a:r>
-              <a:rPr lang="ja-JP" altLang="en-US" sz="1600" dirty="0"/>
+              <a:rPr lang="ja-JP" altLang="en-US" dirty="0"/>
               <a:t>解析モデル生成が容易</a:t>
             </a:r>
-            <a:endParaRPr lang="en-US" altLang="ja-JP" sz="1600" dirty="0"/>
+            <a:endParaRPr lang="en-US" altLang="ja-JP" dirty="0"/>
           </a:p>
           <a:p>
             <a:pPr marL="285750" indent="-285750">
@@ -23846,17 +24153,17 @@
               <a:buChar char="ü"/>
             </a:pPr>
             <a:r>
-              <a:rPr lang="ja-JP" altLang="en-US" sz="1600" dirty="0"/>
+              <a:rPr lang="ja-JP" altLang="en-US" dirty="0"/>
               <a:t>柔軟なモデリングが可能</a:t>
             </a:r>
-            <a:endParaRPr lang="en-US" altLang="ja-JP" sz="1600" dirty="0"/>
+            <a:endParaRPr lang="en-US" altLang="ja-JP" dirty="0"/>
           </a:p>
           <a:p>
             <a:pPr marL="285750" indent="-285750">
               <a:buFont typeface="Wingdings" panose="05000000000000000000" pitchFamily="2" charset="2"/>
               <a:buChar char="ü"/>
             </a:pPr>
-            <a:endParaRPr lang="en-US" altLang="ja-JP" sz="1600" dirty="0"/>
+            <a:endParaRPr lang="en-US" altLang="ja-JP" sz="900" dirty="0"/>
           </a:p>
           <a:p>
             <a:r>
@@ -23867,25 +24174,25 @@
           </a:p>
           <a:p>
             <a:r>
-              <a:rPr lang="ja-JP" altLang="en-US" sz="1600" dirty="0"/>
+              <a:rPr lang="ja-JP" altLang="en-US" dirty="0"/>
               <a:t>重合パッチ法のグローバルパッチやローカルパッチの基底関数の次数を</a:t>
             </a:r>
             <a:r>
-              <a:rPr lang="en-US" altLang="ja-JP" sz="1600" dirty="0"/>
+              <a:rPr lang="en-US" altLang="ja-JP" dirty="0"/>
               <a:t>3</a:t>
             </a:r>
             <a:r>
-              <a:rPr lang="ja-JP" altLang="en-US" sz="1600" dirty="0"/>
-              <a:t>次にした数値解析例を示し，</a:t>
-            </a:r>
-            <a:endParaRPr lang="en-US" altLang="ja-JP" sz="1600" dirty="0"/>
+              <a:rPr lang="ja-JP" altLang="en-US" dirty="0"/>
+              <a:t>次にした</a:t>
+            </a:r>
+            <a:endParaRPr lang="en-US" altLang="ja-JP" dirty="0"/>
           </a:p>
           <a:p>
             <a:r>
-              <a:rPr lang="ja-JP" altLang="en-US" sz="1600" dirty="0"/>
-              <a:t>解析精度の検証を行う</a:t>
-            </a:r>
-            <a:endParaRPr lang="en-US" altLang="ja-JP" sz="1600" dirty="0"/>
+              <a:rPr lang="ja-JP" altLang="en-US" dirty="0"/>
+              <a:t>数値解析例を示し，解析精度の検証を行う</a:t>
+            </a:r>
+            <a:endParaRPr lang="en-US" altLang="ja-JP" dirty="0"/>
           </a:p>
         </p:txBody>
       </p:sp>
@@ -24284,7 +24591,7 @@
         </p:blipFill>
         <p:spPr>
           <a:xfrm>
-            <a:off x="7885722" y="2945638"/>
+            <a:off x="7890830" y="3331043"/>
             <a:ext cx="2743200" cy="3410712"/>
           </a:xfrm>
           <a:prstGeom prst="rect">
@@ -24335,8 +24642,8 @@
           </a:p>
         </p:txBody>
       </p:sp>
-      <mc:AlternateContent xmlns:mc="http://schemas.openxmlformats.org/markup-compatibility/2006" xmlns:a14="http://schemas.microsoft.com/office/drawing/2010/main">
-        <mc:Choice Requires="a14">
+      <mc:AlternateContent xmlns:mc="http://schemas.openxmlformats.org/markup-compatibility/2006">
+        <mc:Choice xmlns:a14="http://schemas.microsoft.com/office/drawing/2010/main" Requires="a14">
           <p:sp>
             <p:nvSpPr>
               <p:cNvPr id="9" name="テキスト ボックス 8">
@@ -24795,7 +25102,7 @@
             </p:txBody>
           </p:sp>
         </mc:Choice>
-        <mc:Fallback xmlns="">
+        <mc:Fallback>
           <p:sp>
             <p:nvSpPr>
               <p:cNvPr id="9" name="テキスト ボックス 8">
@@ -25782,8 +26089,8 @@
           </p:sp>
         </mc:Fallback>
       </mc:AlternateContent>
-      <mc:AlternateContent xmlns:mc="http://schemas.openxmlformats.org/markup-compatibility/2006" xmlns:a14="http://schemas.microsoft.com/office/drawing/2010/main">
-        <mc:Choice Requires="a14">
+      <mc:AlternateContent xmlns:mc="http://schemas.openxmlformats.org/markup-compatibility/2006">
+        <mc:Choice xmlns:a14="http://schemas.microsoft.com/office/drawing/2010/main" Requires="a14">
           <p:sp>
             <p:nvSpPr>
               <p:cNvPr id="12" name="テキスト ボックス 11">
@@ -25798,8 +26105,8 @@
             </p:nvSpPr>
             <p:spPr>
               <a:xfrm>
-                <a:off x="6351155" y="1597489"/>
-                <a:ext cx="5822551" cy="1402563"/>
+                <a:off x="6736004" y="2504236"/>
+                <a:ext cx="3749191" cy="1402563"/>
               </a:xfrm>
               <a:prstGeom prst="rect">
                 <a:avLst/>
@@ -26020,7 +26327,7 @@
             </p:txBody>
           </p:sp>
         </mc:Choice>
-        <mc:Fallback xmlns="">
+        <mc:Fallback>
           <p:sp>
             <p:nvSpPr>
               <p:cNvPr id="12" name="テキスト ボックス 11">
@@ -26037,16 +26344,16 @@
             </p:nvSpPr>
             <p:spPr>
               <a:xfrm>
-                <a:off x="6351155" y="1597489"/>
-                <a:ext cx="5822551" cy="1402563"/>
+                <a:off x="6736004" y="2504236"/>
+                <a:ext cx="3749191" cy="1402563"/>
               </a:xfrm>
               <a:prstGeom prst="rect">
                 <a:avLst/>
               </a:prstGeom>
               <a:blipFill>
-                <a:blip r:embed="rId6"/>
+                <a:blip r:embed="rId5"/>
                 <a:stretch>
-                  <a:fillRect l="-942" t="-3478" b="-6957"/>
+                  <a:fillRect l="-1463" t="-3913" b="-6957"/>
                 </a:stretch>
               </a:blipFill>
             </p:spPr>
@@ -26065,8 +26372,8 @@
           </p:sp>
         </mc:Fallback>
       </mc:AlternateContent>
-      <mc:AlternateContent xmlns:mc="http://schemas.openxmlformats.org/markup-compatibility/2006" xmlns:a14="http://schemas.microsoft.com/office/drawing/2010/main">
-        <mc:Choice Requires="a14">
+      <mc:AlternateContent xmlns:mc="http://schemas.openxmlformats.org/markup-compatibility/2006">
+        <mc:Choice xmlns:a14="http://schemas.microsoft.com/office/drawing/2010/main" Requires="a14">
           <p:sp>
             <p:nvSpPr>
               <p:cNvPr id="14" name="テキスト ボックス 13">
@@ -26081,8 +26388,8 @@
             </p:nvSpPr>
             <p:spPr>
               <a:xfrm>
-                <a:off x="8377382" y="929520"/>
-                <a:ext cx="3680176" cy="307777"/>
+                <a:off x="7163856" y="845820"/>
+                <a:ext cx="4043536" cy="307777"/>
               </a:xfrm>
               <a:prstGeom prst="rect">
                 <a:avLst/>
@@ -26183,7 +26490,7 @@
             </p:txBody>
           </p:sp>
         </mc:Choice>
-        <mc:Fallback xmlns="">
+        <mc:Fallback>
           <p:sp>
             <p:nvSpPr>
               <p:cNvPr id="14" name="テキスト ボックス 13">
@@ -26200,16 +26507,16 @@
             </p:nvSpPr>
             <p:spPr>
               <a:xfrm>
-                <a:off x="8377382" y="929520"/>
-                <a:ext cx="3680176" cy="307777"/>
+                <a:off x="7163856" y="845820"/>
+                <a:ext cx="4043536" cy="307777"/>
               </a:xfrm>
               <a:prstGeom prst="rect">
                 <a:avLst/>
               </a:prstGeom>
               <a:blipFill>
-                <a:blip r:embed="rId7"/>
+                <a:blip r:embed="rId6"/>
                 <a:stretch>
-                  <a:fillRect b="-1961"/>
+                  <a:fillRect b="-4000"/>
                 </a:stretch>
               </a:blipFill>
             </p:spPr>
@@ -26243,15 +26550,15 @@
           <p:nvPr/>
         </p:nvPicPr>
         <p:blipFill>
-          <a:blip r:embed="rId8"/>
+          <a:blip r:embed="rId7"/>
           <a:stretch>
             <a:fillRect/>
           </a:stretch>
         </p:blipFill>
         <p:spPr>
           <a:xfrm>
-            <a:off x="8377382" y="1266498"/>
-            <a:ext cx="3568541" cy="1314015"/>
+            <a:off x="7169367" y="1127557"/>
+            <a:ext cx="3920880" cy="1443754"/>
           </a:xfrm>
           <a:prstGeom prst="rect">
             <a:avLst/>
@@ -30219,8 +30526,8 @@
           </a:p>
         </p:txBody>
       </p:sp>
-      <mc:AlternateContent xmlns:mc="http://schemas.openxmlformats.org/markup-compatibility/2006" xmlns:a14="http://schemas.microsoft.com/office/drawing/2010/main">
-        <mc:Choice Requires="a14">
+      <mc:AlternateContent xmlns:mc="http://schemas.openxmlformats.org/markup-compatibility/2006">
+        <mc:Choice xmlns:a14="http://schemas.microsoft.com/office/drawing/2010/main" Requires="a14">
           <p:sp>
             <p:nvSpPr>
               <p:cNvPr id="20" name="テキスト ボックス 19">
@@ -30235,8 +30542,8 @@
             </p:nvSpPr>
             <p:spPr>
               <a:xfrm>
-                <a:off x="412459" y="3951165"/>
-                <a:ext cx="5822551" cy="947888"/>
+                <a:off x="412459" y="3905949"/>
+                <a:ext cx="5822551" cy="1017715"/>
               </a:xfrm>
               <a:prstGeom prst="rect">
                 <a:avLst/>
@@ -30250,11 +30557,11 @@
               <a:lstStyle/>
               <a:p>
                 <a:r>
-                  <a:rPr lang="ja-JP" altLang="en-US" b="0" dirty="0"/>
+                  <a:rPr lang="ja-JP" altLang="en-US" sz="2000" b="0" dirty="0"/>
                   <a:t>グローバル領域 </a:t>
                 </a:r>
                 <a:r>
-                  <a:rPr lang="en-US" altLang="ja-JP" b="0" dirty="0"/>
+                  <a:rPr lang="en-US" altLang="ja-JP" sz="2000" b="0" dirty="0"/>
                   <a:t>: </a:t>
                 </a:r>
                 <a14:m>
@@ -30262,7 +30569,7 @@
                     <m:sSup>
                       <m:sSupPr>
                         <m:ctrlPr>
-                          <a:rPr lang="en-US" altLang="ja-JP" b="0" i="1" smtClean="0">
+                          <a:rPr lang="en-US" altLang="ja-JP" sz="2000" b="0" i="1" smtClean="0">
                             <a:latin typeface="Cambria Math" panose="02040503050406030204" pitchFamily="18" charset="0"/>
                           </a:rPr>
                         </m:ctrlPr>
@@ -30272,7 +30579,7 @@
                           <m:rPr>
                             <m:sty m:val="p"/>
                           </m:rPr>
-                          <a:rPr lang="el-GR" altLang="ja-JP" b="0" i="1" smtClean="0">
+                          <a:rPr lang="el-GR" altLang="ja-JP" sz="2000" b="0" i="1" smtClean="0">
                             <a:latin typeface="Cambria Math" panose="02040503050406030204" pitchFamily="18" charset="0"/>
                             <a:ea typeface="Cambria Math" panose="02040503050406030204" pitchFamily="18" charset="0"/>
                           </a:rPr>
@@ -30281,7 +30588,7 @@
                       </m:e>
                       <m:sup>
                         <m:r>
-                          <a:rPr lang="en-US" altLang="ja-JP" b="0" i="1" smtClean="0">
+                          <a:rPr lang="en-US" altLang="ja-JP" sz="2000" b="0" i="1" smtClean="0">
                             <a:latin typeface="Cambria Math" panose="02040503050406030204" pitchFamily="18" charset="0"/>
                           </a:rPr>
                           <m:t>𝐺</m:t>
@@ -30291,15 +30598,15 @@
                   </m:oMath>
                 </a14:m>
                 <a:r>
-                  <a:rPr lang="en-US" altLang="ja-JP" b="0" dirty="0"/>
+                  <a:rPr lang="en-US" altLang="ja-JP" sz="2000" b="0" dirty="0"/>
                   <a:t> </a:t>
                 </a:r>
                 <a:r>
-                  <a:rPr lang="ja-JP" altLang="en-US" b="0" dirty="0"/>
+                  <a:rPr lang="ja-JP" altLang="en-US" sz="2000" b="0" dirty="0"/>
                   <a:t> グローバル領域の境界 </a:t>
                 </a:r>
                 <a:r>
-                  <a:rPr lang="en-US" altLang="ja-JP" dirty="0"/>
+                  <a:rPr lang="en-US" altLang="ja-JP" sz="2000" dirty="0"/>
                   <a:t>: </a:t>
                 </a:r>
                 <a14:m>
@@ -30307,7 +30614,7 @@
                     <m:sSup>
                       <m:sSupPr>
                         <m:ctrlPr>
-                          <a:rPr lang="en-US" altLang="ja-JP" i="1">
+                          <a:rPr lang="en-US" altLang="ja-JP" sz="2000" i="1">
                             <a:latin typeface="Cambria Math" panose="02040503050406030204" pitchFamily="18" charset="0"/>
                           </a:rPr>
                         </m:ctrlPr>
@@ -30317,7 +30624,7 @@
                           <m:rPr>
                             <m:sty m:val="p"/>
                           </m:rPr>
-                          <a:rPr lang="el-GR" altLang="ja-JP" i="1" smtClean="0">
+                          <a:rPr lang="el-GR" altLang="ja-JP" sz="2000" i="1" smtClean="0">
                             <a:latin typeface="Cambria Math" panose="02040503050406030204" pitchFamily="18" charset="0"/>
                             <a:ea typeface="Cambria Math" panose="02040503050406030204" pitchFamily="18" charset="0"/>
                           </a:rPr>
@@ -30326,7 +30633,7 @@
                       </m:e>
                       <m:sup>
                         <m:r>
-                          <a:rPr lang="en-US" altLang="ja-JP" i="1">
+                          <a:rPr lang="en-US" altLang="ja-JP" sz="2000" i="1">
                             <a:latin typeface="Cambria Math" panose="02040503050406030204" pitchFamily="18" charset="0"/>
                           </a:rPr>
                           <m:t>𝐺</m:t>
@@ -30335,15 +30642,15 @@
                     </m:sSup>
                   </m:oMath>
                 </a14:m>
-                <a:endParaRPr lang="en-US" altLang="ja-JP" dirty="0"/>
+                <a:endParaRPr lang="en-US" altLang="ja-JP" sz="2000" dirty="0"/>
               </a:p>
               <a:p>
                 <a:r>
-                  <a:rPr lang="ja-JP" altLang="en-US" b="0" dirty="0"/>
+                  <a:rPr lang="ja-JP" altLang="en-US" sz="2000" b="0" dirty="0"/>
                   <a:t>ローカル領域 </a:t>
                 </a:r>
                 <a:r>
-                  <a:rPr lang="en-US" altLang="ja-JP" b="0" dirty="0"/>
+                  <a:rPr lang="en-US" altLang="ja-JP" sz="2000" b="0" dirty="0"/>
                   <a:t>: </a:t>
                 </a:r>
                 <a14:m>
@@ -30351,7 +30658,7 @@
                     <m:sSup>
                       <m:sSupPr>
                         <m:ctrlPr>
-                          <a:rPr lang="en-US" altLang="ja-JP" b="0" i="1" smtClean="0">
+                          <a:rPr lang="en-US" altLang="ja-JP" sz="2000" b="0" i="1" smtClean="0">
                             <a:latin typeface="Cambria Math" panose="02040503050406030204" pitchFamily="18" charset="0"/>
                           </a:rPr>
                         </m:ctrlPr>
@@ -30361,7 +30668,7 @@
                           <m:rPr>
                             <m:sty m:val="p"/>
                           </m:rPr>
-                          <a:rPr lang="el-GR" altLang="ja-JP" b="0" i="1" smtClean="0">
+                          <a:rPr lang="el-GR" altLang="ja-JP" sz="2000" b="0" i="1" smtClean="0">
                             <a:latin typeface="Cambria Math" panose="02040503050406030204" pitchFamily="18" charset="0"/>
                             <a:ea typeface="Cambria Math" panose="02040503050406030204" pitchFamily="18" charset="0"/>
                           </a:rPr>
@@ -30370,7 +30677,7 @@
                       </m:e>
                       <m:sup>
                         <m:r>
-                          <a:rPr lang="en-US" altLang="ja-JP" b="0" i="1" smtClean="0">
+                          <a:rPr lang="en-US" altLang="ja-JP" sz="2000" b="0" i="1" smtClean="0">
                             <a:latin typeface="Cambria Math" panose="02040503050406030204" pitchFamily="18" charset="0"/>
                             <a:ea typeface="Cambria Math" panose="02040503050406030204" pitchFamily="18" charset="0"/>
                           </a:rPr>
@@ -30381,15 +30688,15 @@
                   </m:oMath>
                 </a14:m>
                 <a:r>
-                  <a:rPr lang="en-US" altLang="ja-JP" b="0" dirty="0"/>
+                  <a:rPr lang="en-US" altLang="ja-JP" sz="2000" b="0" dirty="0"/>
                   <a:t> </a:t>
                 </a:r>
                 <a:r>
-                  <a:rPr lang="ja-JP" altLang="en-US" b="0" dirty="0"/>
+                  <a:rPr lang="ja-JP" altLang="en-US" sz="2000" b="0" dirty="0"/>
                   <a:t> ローカル領域の境界 </a:t>
                 </a:r>
                 <a:r>
-                  <a:rPr lang="en-US" altLang="ja-JP" dirty="0"/>
+                  <a:rPr lang="en-US" altLang="ja-JP" sz="2000" dirty="0"/>
                   <a:t>: </a:t>
                 </a:r>
                 <a14:m>
@@ -30397,7 +30704,7 @@
                     <m:sSup>
                       <m:sSupPr>
                         <m:ctrlPr>
-                          <a:rPr lang="en-US" altLang="ja-JP" i="1">
+                          <a:rPr lang="en-US" altLang="ja-JP" sz="2000" i="1">
                             <a:latin typeface="Cambria Math" panose="02040503050406030204" pitchFamily="18" charset="0"/>
                           </a:rPr>
                         </m:ctrlPr>
@@ -30407,7 +30714,7 @@
                           <m:rPr>
                             <m:sty m:val="p"/>
                           </m:rPr>
-                          <a:rPr lang="el-GR" altLang="ja-JP" i="1" smtClean="0">
+                          <a:rPr lang="el-GR" altLang="ja-JP" sz="2000" i="1" smtClean="0">
                             <a:latin typeface="Cambria Math" panose="02040503050406030204" pitchFamily="18" charset="0"/>
                             <a:ea typeface="Cambria Math" panose="02040503050406030204" pitchFamily="18" charset="0"/>
                           </a:rPr>
@@ -30416,7 +30723,7 @@
                       </m:e>
                       <m:sup>
                         <m:r>
-                          <a:rPr lang="en-US" altLang="ja-JP" b="0" i="1" smtClean="0">
+                          <a:rPr lang="en-US" altLang="ja-JP" sz="2000" b="0" i="1" smtClean="0">
                             <a:latin typeface="Cambria Math" panose="02040503050406030204" pitchFamily="18" charset="0"/>
                             <a:ea typeface="Cambria Math" panose="02040503050406030204" pitchFamily="18" charset="0"/>
                           </a:rPr>
@@ -30426,7 +30733,7 @@
                     </m:sSup>
                   </m:oMath>
                 </a14:m>
-                <a:endParaRPr lang="en-US" altLang="ja-JP" b="0" dirty="0"/>
+                <a:endParaRPr lang="en-US" altLang="ja-JP" sz="2000" b="0" dirty="0"/>
               </a:p>
               <a:p>
                 <a14:m>
@@ -30434,7 +30741,7 @@
                     <m:sSup>
                       <m:sSupPr>
                         <m:ctrlPr>
-                          <a:rPr lang="en-US" altLang="ja-JP" b="0" i="1" smtClean="0">
+                          <a:rPr lang="en-US" altLang="ja-JP" sz="2000" b="0" i="1" smtClean="0">
                             <a:latin typeface="Cambria Math" panose="02040503050406030204" pitchFamily="18" charset="0"/>
                           </a:rPr>
                         </m:ctrlPr>
@@ -30444,7 +30751,7 @@
                           <m:rPr>
                             <m:sty m:val="p"/>
                           </m:rPr>
-                          <a:rPr lang="el-GR" altLang="ja-JP" b="0" i="1" smtClean="0">
+                          <a:rPr lang="el-GR" altLang="ja-JP" sz="2000" b="0" i="1" smtClean="0">
                             <a:latin typeface="Cambria Math" panose="02040503050406030204" pitchFamily="18" charset="0"/>
                             <a:ea typeface="Cambria Math" panose="02040503050406030204" pitchFamily="18" charset="0"/>
                           </a:rPr>
@@ -30453,7 +30760,7 @@
                       </m:e>
                       <m:sup>
                         <m:r>
-                          <a:rPr lang="en-US" altLang="ja-JP" b="0" i="1" smtClean="0">
+                          <a:rPr lang="en-US" altLang="ja-JP" sz="2000" b="0" i="1" smtClean="0">
                             <a:latin typeface="Cambria Math" panose="02040503050406030204" pitchFamily="18" charset="0"/>
                             <a:ea typeface="Cambria Math" panose="02040503050406030204" pitchFamily="18" charset="0"/>
                           </a:rPr>
@@ -30464,7 +30771,7 @@
                   </m:oMath>
                 </a14:m>
                 <a:r>
-                  <a:rPr lang="ja-JP" altLang="en-US" b="0" dirty="0"/>
+                  <a:rPr lang="ja-JP" altLang="en-US" sz="2000" b="0" dirty="0"/>
                   <a:t>と</a:t>
                 </a:r>
                 <a14:m>
@@ -30472,7 +30779,7 @@
                     <m:sSup>
                       <m:sSupPr>
                         <m:ctrlPr>
-                          <a:rPr lang="en-US" altLang="ja-JP" i="1">
+                          <a:rPr lang="en-US" altLang="ja-JP" sz="2000" i="1">
                             <a:latin typeface="Cambria Math" panose="02040503050406030204" pitchFamily="18" charset="0"/>
                           </a:rPr>
                         </m:ctrlPr>
@@ -30482,7 +30789,7 @@
                           <m:rPr>
                             <m:sty m:val="p"/>
                           </m:rPr>
-                          <a:rPr lang="el-GR" altLang="ja-JP" i="1">
+                          <a:rPr lang="el-GR" altLang="ja-JP" sz="2000" i="1">
                             <a:latin typeface="Cambria Math" panose="02040503050406030204" pitchFamily="18" charset="0"/>
                             <a:ea typeface="Cambria Math" panose="02040503050406030204" pitchFamily="18" charset="0"/>
                           </a:rPr>
@@ -30491,7 +30798,7 @@
                       </m:e>
                       <m:sup>
                         <m:r>
-                          <a:rPr lang="en-US" altLang="ja-JP" i="1" smtClean="0">
+                          <a:rPr lang="en-US" altLang="ja-JP" sz="2000" i="1" smtClean="0">
                             <a:latin typeface="Cambria Math" panose="02040503050406030204" pitchFamily="18" charset="0"/>
                             <a:ea typeface="Cambria Math" panose="02040503050406030204" pitchFamily="18" charset="0"/>
                           </a:rPr>
@@ -30502,11 +30809,11 @@
                   </m:oMath>
                 </a14:m>
                 <a:r>
-                  <a:rPr lang="ja-JP" altLang="en-US" b="0" dirty="0"/>
+                  <a:rPr lang="ja-JP" altLang="en-US" sz="2000" b="0" dirty="0"/>
                   <a:t>の境界 </a:t>
                 </a:r>
                 <a:r>
-                  <a:rPr lang="en-US" altLang="ja-JP" b="0" dirty="0"/>
+                  <a:rPr lang="en-US" altLang="ja-JP" sz="2000" b="0" dirty="0"/>
                   <a:t>: </a:t>
                 </a:r>
                 <a14:m>
@@ -30514,7 +30821,7 @@
                     <m:sSup>
                       <m:sSupPr>
                         <m:ctrlPr>
-                          <a:rPr lang="en-US" altLang="ja-JP" i="1">
+                          <a:rPr lang="en-US" altLang="ja-JP" sz="2000" i="1">
                             <a:latin typeface="Cambria Math" panose="02040503050406030204" pitchFamily="18" charset="0"/>
                           </a:rPr>
                         </m:ctrlPr>
@@ -30524,7 +30831,7 @@
                           <m:rPr>
                             <m:sty m:val="p"/>
                           </m:rPr>
-                          <a:rPr lang="el-GR" altLang="ja-JP" i="1">
+                          <a:rPr lang="el-GR" altLang="ja-JP" sz="2000" i="1">
                             <a:latin typeface="Cambria Math" panose="02040503050406030204" pitchFamily="18" charset="0"/>
                             <a:ea typeface="Cambria Math" panose="02040503050406030204" pitchFamily="18" charset="0"/>
                           </a:rPr>
@@ -30533,14 +30840,14 @@
                       </m:e>
                       <m:sup>
                         <m:r>
-                          <a:rPr lang="en-US" altLang="ja-JP" b="0" i="1" smtClean="0">
+                          <a:rPr lang="en-US" altLang="ja-JP" sz="2000" b="0" i="1" smtClean="0">
                             <a:latin typeface="Cambria Math" panose="02040503050406030204" pitchFamily="18" charset="0"/>
                             <a:ea typeface="Cambria Math" panose="02040503050406030204" pitchFamily="18" charset="0"/>
                           </a:rPr>
                           <m:t>𝐺</m:t>
                         </m:r>
                         <m:r>
-                          <a:rPr lang="en-US" altLang="ja-JP" i="1">
+                          <a:rPr lang="en-US" altLang="ja-JP" sz="2000" i="1">
                             <a:latin typeface="Cambria Math" panose="02040503050406030204" pitchFamily="18" charset="0"/>
                             <a:ea typeface="Cambria Math" panose="02040503050406030204" pitchFamily="18" charset="0"/>
                           </a:rPr>
@@ -30550,12 +30857,12 @@
                     </m:sSup>
                   </m:oMath>
                 </a14:m>
-                <a:endParaRPr lang="en-US" altLang="ja-JP" b="0" dirty="0"/>
+                <a:endParaRPr lang="en-US" altLang="ja-JP" sz="2000" b="0" dirty="0"/>
               </a:p>
             </p:txBody>
           </p:sp>
         </mc:Choice>
-        <mc:Fallback xmlns="">
+        <mc:Fallback>
           <p:sp>
             <p:nvSpPr>
               <p:cNvPr id="20" name="テキスト ボックス 19">
@@ -30572,8 +30879,8 @@
             </p:nvSpPr>
             <p:spPr>
               <a:xfrm>
-                <a:off x="412459" y="3951165"/>
-                <a:ext cx="5822551" cy="947888"/>
+                <a:off x="412459" y="3905949"/>
+                <a:ext cx="5822551" cy="1017715"/>
               </a:xfrm>
               <a:prstGeom prst="rect">
                 <a:avLst/>
@@ -30581,7 +30888,7 @@
               <a:blipFill>
                 <a:blip r:embed="rId2"/>
                 <a:stretch>
-                  <a:fillRect l="-942" t="-5128" b="-7692"/>
+                  <a:fillRect l="-1152" t="-5389" b="-10180"/>
                 </a:stretch>
               </a:blipFill>
             </p:spPr>
@@ -30600,8 +30907,8 @@
           </p:sp>
         </mc:Fallback>
       </mc:AlternateContent>
-      <mc:AlternateContent xmlns:mc="http://schemas.openxmlformats.org/markup-compatibility/2006" xmlns:a14="http://schemas.microsoft.com/office/drawing/2010/main">
-        <mc:Choice Requires="a14">
+      <mc:AlternateContent xmlns:mc="http://schemas.openxmlformats.org/markup-compatibility/2006">
+        <mc:Choice xmlns:a14="http://schemas.microsoft.com/office/drawing/2010/main" Requires="a14">
           <p:sp>
             <p:nvSpPr>
               <p:cNvPr id="22" name="テキスト ボックス 21">
@@ -30616,8 +30923,8 @@
             </p:nvSpPr>
             <p:spPr>
               <a:xfrm>
-                <a:off x="412459" y="4997015"/>
-                <a:ext cx="6102990" cy="1264192"/>
+                <a:off x="412459" y="5106293"/>
+                <a:ext cx="5348383" cy="1532920"/>
               </a:xfrm>
               <a:prstGeom prst="rect">
                 <a:avLst/>
@@ -30635,7 +30942,7 @@
                     <m:sSup>
                       <m:sSupPr>
                         <m:ctrlPr>
-                          <a:rPr lang="en-US" altLang="ja-JP" b="0" i="1" smtClean="0">
+                          <a:rPr lang="en-US" altLang="ja-JP" sz="2000" b="0" i="1" smtClean="0">
                             <a:latin typeface="Cambria Math" panose="02040503050406030204" pitchFamily="18" charset="0"/>
                           </a:rPr>
                         </m:ctrlPr>
@@ -30645,7 +30952,7 @@
                           <m:rPr>
                             <m:sty m:val="p"/>
                           </m:rPr>
-                          <a:rPr lang="el-GR" altLang="ja-JP" b="0" i="1" smtClean="0">
+                          <a:rPr lang="el-GR" altLang="ja-JP" sz="2000" b="0" i="1" smtClean="0">
                             <a:latin typeface="Cambria Math" panose="02040503050406030204" pitchFamily="18" charset="0"/>
                             <a:ea typeface="Cambria Math" panose="02040503050406030204" pitchFamily="18" charset="0"/>
                           </a:rPr>
@@ -30654,7 +30961,7 @@
                       </m:e>
                       <m:sup>
                         <m:r>
-                          <a:rPr lang="en-US" altLang="ja-JP" b="0" i="1" smtClean="0">
+                          <a:rPr lang="en-US" altLang="ja-JP" sz="2000" b="0" i="1" smtClean="0">
                             <a:latin typeface="Cambria Math" panose="02040503050406030204" pitchFamily="18" charset="0"/>
                             <a:ea typeface="Cambria Math" panose="02040503050406030204" pitchFamily="18" charset="0"/>
                           </a:rPr>
@@ -30665,17 +30972,17 @@
                   </m:oMath>
                 </a14:m>
                 <a:r>
-                  <a:rPr lang="en-US" altLang="ja-JP" b="0" dirty="0"/>
+                  <a:rPr lang="en-US" altLang="ja-JP" sz="2000" b="0" dirty="0"/>
                   <a:t> </a:t>
                 </a:r>
                 <a:r>
-                  <a:rPr lang="ja-JP" altLang="en-US" b="0" dirty="0"/>
+                  <a:rPr lang="ja-JP" altLang="en-US" sz="2000" b="0" dirty="0"/>
                   <a:t>では実際の変位が両モデルの変位の和で定義される</a:t>
                 </a:r>
-                <a:endParaRPr lang="en-US" altLang="ja-JP" b="0" dirty="0"/>
+                <a:endParaRPr lang="en-US" altLang="ja-JP" sz="2000" b="0" dirty="0"/>
               </a:p>
               <a:p>
-                <a:endParaRPr lang="en-US" altLang="ja-JP" b="0" dirty="0"/>
+                <a:endParaRPr lang="en-US" altLang="ja-JP" sz="900" b="0" dirty="0"/>
               </a:p>
               <a:p>
                 <a:pPr/>
@@ -30686,13 +30993,13 @@
                     </m:oMathParaPr>
                     <m:oMath xmlns:m="http://schemas.openxmlformats.org/officeDocument/2006/math">
                       <m:r>
-                        <a:rPr lang="en-US" altLang="ja-JP" b="1" i="1" smtClean="0">
+                        <a:rPr lang="en-US" altLang="ja-JP" sz="2000" b="1" i="1" smtClean="0">
                           <a:latin typeface="Cambria Math" panose="02040503050406030204" pitchFamily="18" charset="0"/>
                         </a:rPr>
                         <m:t>𝒖</m:t>
                       </m:r>
                       <m:r>
-                        <a:rPr lang="en-US" altLang="ja-JP" b="0" i="1" smtClean="0">
+                        <a:rPr lang="en-US" altLang="ja-JP" sz="2000" b="0" i="1" smtClean="0">
                           <a:latin typeface="Cambria Math" panose="02040503050406030204" pitchFamily="18" charset="0"/>
                         </a:rPr>
                         <m:t>=</m:t>
@@ -30702,7 +31009,7 @@
                           <m:begChr m:val="{"/>
                           <m:endChr m:val=""/>
                           <m:ctrlPr>
-                            <a:rPr lang="en-US" altLang="ja-JP" b="0" i="1" smtClean="0">
+                            <a:rPr lang="en-US" altLang="ja-JP" sz="2000" b="0" i="1" smtClean="0">
                               <a:latin typeface="Cambria Math" panose="02040503050406030204" pitchFamily="18" charset="0"/>
                             </a:rPr>
                           </m:ctrlPr>
@@ -30719,7 +31026,7 @@
                                 </m:mc>
                               </m:mcs>
                               <m:ctrlPr>
-                                <a:rPr lang="en-US" altLang="ja-JP" b="0" i="1" smtClean="0">
+                                <a:rPr lang="en-US" altLang="ja-JP" sz="2000" b="0" i="1" smtClean="0">
                                   <a:latin typeface="Cambria Math" panose="02040503050406030204" pitchFamily="18" charset="0"/>
                                 </a:rPr>
                               </m:ctrlPr>
@@ -30729,14 +31036,14 @@
                                 <m:sSup>
                                   <m:sSupPr>
                                     <m:ctrlPr>
-                                      <a:rPr lang="en-US" altLang="ja-JP" b="0" i="1" smtClean="0">
+                                      <a:rPr lang="en-US" altLang="ja-JP" sz="2000" b="0" i="1" smtClean="0">
                                         <a:latin typeface="Cambria Math" panose="02040503050406030204" pitchFamily="18" charset="0"/>
                                       </a:rPr>
                                     </m:ctrlPr>
                                   </m:sSupPr>
                                   <m:e>
                                     <m:r>
-                                      <a:rPr lang="en-US" altLang="ja-JP" b="1" i="1" smtClean="0">
+                                      <a:rPr lang="en-US" altLang="ja-JP" sz="2000" b="1" i="1" smtClean="0">
                                         <a:latin typeface="Cambria Math" panose="02040503050406030204" pitchFamily="18" charset="0"/>
                                       </a:rPr>
                                       <m:t>𝒖</m:t>
@@ -30744,7 +31051,7 @@
                                   </m:e>
                                   <m:sup>
                                     <m:r>
-                                      <a:rPr lang="en-US" altLang="ja-JP" b="0" i="1" smtClean="0">
+                                      <a:rPr lang="en-US" altLang="ja-JP" sz="2000" b="0" i="1" smtClean="0">
                                         <a:latin typeface="Cambria Math" panose="02040503050406030204" pitchFamily="18" charset="0"/>
                                       </a:rPr>
                                       <m:t>𝐺</m:t>
@@ -30754,13 +31061,13 @@
                               </m:e>
                               <m:e>
                                 <m:r>
-                                  <a:rPr lang="en-US" altLang="ja-JP" b="0" i="1" smtClean="0">
+                                  <a:rPr lang="en-US" altLang="ja-JP" sz="2000" b="0" i="1" smtClean="0">
                                     <a:latin typeface="Cambria Math" panose="02040503050406030204" pitchFamily="18" charset="0"/>
                                   </a:rPr>
                                   <m:t>𝑖𝑛</m:t>
                                 </m:r>
                                 <m:r>
-                                  <a:rPr lang="en-US" altLang="ja-JP" b="0" i="1" smtClean="0">
+                                  <a:rPr lang="en-US" altLang="ja-JP" sz="2000" b="0" i="1" smtClean="0">
                                     <a:latin typeface="Cambria Math" panose="02040503050406030204" pitchFamily="18" charset="0"/>
                                   </a:rPr>
                                   <m:t> </m:t>
@@ -30768,7 +31075,7 @@
                                 <m:sSup>
                                   <m:sSupPr>
                                     <m:ctrlPr>
-                                      <a:rPr lang="en-US" altLang="ja-JP" i="1">
+                                      <a:rPr lang="en-US" altLang="ja-JP" sz="2000" i="1">
                                         <a:latin typeface="Cambria Math" panose="02040503050406030204" pitchFamily="18" charset="0"/>
                                       </a:rPr>
                                     </m:ctrlPr>
@@ -30778,7 +31085,7 @@
                                       <m:rPr>
                                         <m:sty m:val="p"/>
                                       </m:rPr>
-                                      <a:rPr lang="el-GR" altLang="ja-JP" i="1">
+                                      <a:rPr lang="el-GR" altLang="ja-JP" sz="2000" i="1">
                                         <a:latin typeface="Cambria Math" panose="02040503050406030204" pitchFamily="18" charset="0"/>
                                         <a:ea typeface="Cambria Math" panose="02040503050406030204" pitchFamily="18" charset="0"/>
                                       </a:rPr>
@@ -30787,7 +31094,7 @@
                                   </m:e>
                                   <m:sup>
                                     <m:r>
-                                      <a:rPr lang="en-US" altLang="ja-JP" i="1">
+                                      <a:rPr lang="en-US" altLang="ja-JP" sz="2000" i="1">
                                         <a:latin typeface="Cambria Math" panose="02040503050406030204" pitchFamily="18" charset="0"/>
                                         <a:ea typeface="Cambria Math" panose="02040503050406030204" pitchFamily="18" charset="0"/>
                                       </a:rPr>
@@ -30796,7 +31103,7 @@
                                   </m:sup>
                                 </m:sSup>
                                 <m:r>
-                                  <a:rPr lang="en-US" altLang="ja-JP" b="0" i="1" smtClean="0">
+                                  <a:rPr lang="en-US" altLang="ja-JP" sz="2000" b="0" i="1" smtClean="0">
                                     <a:latin typeface="Cambria Math" panose="02040503050406030204" pitchFamily="18" charset="0"/>
                                     <a:ea typeface="Cambria Math" panose="02040503050406030204" pitchFamily="18" charset="0"/>
                                   </a:rPr>
@@ -30805,7 +31112,7 @@
                                 <m:sSup>
                                   <m:sSupPr>
                                     <m:ctrlPr>
-                                      <a:rPr lang="en-US" altLang="ja-JP" i="1">
+                                      <a:rPr lang="en-US" altLang="ja-JP" sz="2000" i="1">
                                         <a:latin typeface="Cambria Math" panose="02040503050406030204" pitchFamily="18" charset="0"/>
                                       </a:rPr>
                                     </m:ctrlPr>
@@ -30815,7 +31122,7 @@
                                       <m:rPr>
                                         <m:sty m:val="p"/>
                                       </m:rPr>
-                                      <a:rPr lang="el-GR" altLang="ja-JP" i="1">
+                                      <a:rPr lang="el-GR" altLang="ja-JP" sz="2000" i="1">
                                         <a:latin typeface="Cambria Math" panose="02040503050406030204" pitchFamily="18" charset="0"/>
                                         <a:ea typeface="Cambria Math" panose="02040503050406030204" pitchFamily="18" charset="0"/>
                                       </a:rPr>
@@ -30824,7 +31131,7 @@
                                   </m:e>
                                   <m:sup>
                                     <m:r>
-                                      <a:rPr lang="en-US" altLang="ja-JP" i="1">
+                                      <a:rPr lang="en-US" altLang="ja-JP" sz="2000" i="1">
                                         <a:latin typeface="Cambria Math" panose="02040503050406030204" pitchFamily="18" charset="0"/>
                                         <a:ea typeface="Cambria Math" panose="02040503050406030204" pitchFamily="18" charset="0"/>
                                       </a:rPr>
@@ -30839,14 +31146,14 @@
                                 <m:sSup>
                                   <m:sSupPr>
                                     <m:ctrlPr>
-                                      <a:rPr lang="en-US" altLang="ja-JP" i="1">
+                                      <a:rPr lang="en-US" altLang="ja-JP" sz="2000" i="1">
                                         <a:latin typeface="Cambria Math" panose="02040503050406030204" pitchFamily="18" charset="0"/>
                                       </a:rPr>
                                     </m:ctrlPr>
                                   </m:sSupPr>
                                   <m:e>
                                     <m:r>
-                                      <a:rPr lang="en-US" altLang="ja-JP" b="1" i="1">
+                                      <a:rPr lang="en-US" altLang="ja-JP" sz="2000" b="1" i="1">
                                         <a:latin typeface="Cambria Math" panose="02040503050406030204" pitchFamily="18" charset="0"/>
                                       </a:rPr>
                                       <m:t>𝒖</m:t>
@@ -30854,7 +31161,7 @@
                                   </m:e>
                                   <m:sup>
                                     <m:r>
-                                      <a:rPr lang="en-US" altLang="ja-JP" i="1">
+                                      <a:rPr lang="en-US" altLang="ja-JP" sz="2000" i="1">
                                         <a:latin typeface="Cambria Math" panose="02040503050406030204" pitchFamily="18" charset="0"/>
                                       </a:rPr>
                                       <m:t>𝐺</m:t>
@@ -30862,7 +31169,7 @@
                                   </m:sup>
                                 </m:sSup>
                                 <m:r>
-                                  <a:rPr lang="en-US" altLang="ja-JP" b="0" i="1" smtClean="0">
+                                  <a:rPr lang="en-US" altLang="ja-JP" sz="2000" b="0" i="1" smtClean="0">
                                     <a:latin typeface="Cambria Math" panose="02040503050406030204" pitchFamily="18" charset="0"/>
                                   </a:rPr>
                                   <m:t>+</m:t>
@@ -30870,14 +31177,14 @@
                                 <m:sSup>
                                   <m:sSupPr>
                                     <m:ctrlPr>
-                                      <a:rPr lang="en-US" altLang="ja-JP" i="1">
+                                      <a:rPr lang="en-US" altLang="ja-JP" sz="2000" i="1">
                                         <a:latin typeface="Cambria Math" panose="02040503050406030204" pitchFamily="18" charset="0"/>
                                       </a:rPr>
                                     </m:ctrlPr>
                                   </m:sSupPr>
                                   <m:e>
                                     <m:r>
-                                      <a:rPr lang="en-US" altLang="ja-JP" b="1" i="1">
+                                      <a:rPr lang="en-US" altLang="ja-JP" sz="2000" b="1" i="1">
                                         <a:latin typeface="Cambria Math" panose="02040503050406030204" pitchFamily="18" charset="0"/>
                                       </a:rPr>
                                       <m:t>𝒖</m:t>
@@ -30885,7 +31192,7 @@
                                   </m:e>
                                   <m:sup>
                                     <m:r>
-                                      <a:rPr lang="en-US" altLang="ja-JP" b="0" i="1" smtClean="0">
+                                      <a:rPr lang="en-US" altLang="ja-JP" sz="2000" b="0" i="1" smtClean="0">
                                         <a:latin typeface="Cambria Math" panose="02040503050406030204" pitchFamily="18" charset="0"/>
                                       </a:rPr>
                                       <m:t>𝐿</m:t>
@@ -30895,7 +31202,7 @@
                               </m:e>
                               <m:e>
                                 <m:r>
-                                  <a:rPr lang="en-US" altLang="ja-JP" b="0" i="1" smtClean="0">
+                                  <a:rPr lang="en-US" altLang="ja-JP" sz="2000" b="0" i="1" smtClean="0">
                                     <a:latin typeface="Cambria Math" panose="02040503050406030204" pitchFamily="18" charset="0"/>
                                   </a:rPr>
                                   <m:t>𝑖𝑛</m:t>
@@ -30903,14 +31210,14 @@
                                 <m:sSup>
                                   <m:sSupPr>
                                     <m:ctrlPr>
-                                      <a:rPr lang="en-US" altLang="ja-JP" i="1">
+                                      <a:rPr lang="en-US" altLang="ja-JP" sz="2000" i="1">
                                         <a:latin typeface="Cambria Math" panose="02040503050406030204" pitchFamily="18" charset="0"/>
                                       </a:rPr>
                                     </m:ctrlPr>
                                   </m:sSupPr>
                                   <m:e>
                                     <m:r>
-                                      <a:rPr lang="en-US" altLang="ja-JP" b="0" i="1" smtClean="0">
+                                      <a:rPr lang="en-US" altLang="ja-JP" sz="2000" b="0" i="1" smtClean="0">
                                         <a:latin typeface="Cambria Math" panose="02040503050406030204" pitchFamily="18" charset="0"/>
                                       </a:rPr>
                                       <m:t> </m:t>
@@ -30919,7 +31226,7 @@
                                       <m:rPr>
                                         <m:sty m:val="p"/>
                                       </m:rPr>
-                                      <a:rPr lang="el-GR" altLang="ja-JP" i="1">
+                                      <a:rPr lang="el-GR" altLang="ja-JP" sz="2000" i="1">
                                         <a:latin typeface="Cambria Math" panose="02040503050406030204" pitchFamily="18" charset="0"/>
                                         <a:ea typeface="Cambria Math" panose="02040503050406030204" pitchFamily="18" charset="0"/>
                                       </a:rPr>
@@ -30928,7 +31235,7 @@
                                   </m:e>
                                   <m:sup>
                                     <m:r>
-                                      <a:rPr lang="en-US" altLang="ja-JP" i="1">
+                                      <a:rPr lang="en-US" altLang="ja-JP" sz="2000" i="1">
                                         <a:latin typeface="Cambria Math" panose="02040503050406030204" pitchFamily="18" charset="0"/>
                                         <a:ea typeface="Cambria Math" panose="02040503050406030204" pitchFamily="18" charset="0"/>
                                       </a:rPr>
@@ -30944,12 +31251,12 @@
                     </m:oMath>
                   </m:oMathPara>
                 </a14:m>
-                <a:endParaRPr lang="ja-JP" altLang="en-US" dirty="0"/>
+                <a:endParaRPr lang="ja-JP" altLang="en-US" sz="2000" dirty="0"/>
               </a:p>
             </p:txBody>
           </p:sp>
         </mc:Choice>
-        <mc:Fallback xmlns="">
+        <mc:Fallback>
           <p:sp>
             <p:nvSpPr>
               <p:cNvPr id="22" name="テキスト ボックス 21">
@@ -30966,16 +31273,16 @@
             </p:nvSpPr>
             <p:spPr>
               <a:xfrm>
-                <a:off x="412459" y="4997015"/>
-                <a:ext cx="6102990" cy="1264192"/>
+                <a:off x="412459" y="5106293"/>
+                <a:ext cx="5348383" cy="1532920"/>
               </a:xfrm>
               <a:prstGeom prst="rect">
                 <a:avLst/>
               </a:prstGeom>
               <a:blipFill>
-                <a:blip r:embed="rId4"/>
+                <a:blip r:embed="rId3"/>
                 <a:stretch>
-                  <a:fillRect t="-1932"/>
+                  <a:fillRect l="-1254" t="-1992"/>
                 </a:stretch>
               </a:blipFill>
             </p:spPr>
@@ -30994,8 +31301,8 @@
           </p:sp>
         </mc:Fallback>
       </mc:AlternateContent>
-      <mc:AlternateContent xmlns:mc="http://schemas.openxmlformats.org/markup-compatibility/2006" xmlns:a14="http://schemas.microsoft.com/office/drawing/2010/main">
-        <mc:Choice Requires="a14">
+      <mc:AlternateContent xmlns:mc="http://schemas.openxmlformats.org/markup-compatibility/2006">
+        <mc:Choice xmlns:a14="http://schemas.microsoft.com/office/drawing/2010/main" Requires="a14">
           <p:sp>
             <p:nvSpPr>
               <p:cNvPr id="23" name="テキスト ボックス 22">
@@ -31011,7 +31318,7 @@
             <p:spPr>
               <a:xfrm>
                 <a:off x="6344874" y="900034"/>
-                <a:ext cx="6102990" cy="670889"/>
+                <a:ext cx="6102990" cy="709938"/>
               </a:xfrm>
               <a:prstGeom prst="rect">
                 <a:avLst/>
@@ -31027,7 +31334,7 @@
                 <a14:m>
                   <m:oMath xmlns:m="http://schemas.openxmlformats.org/officeDocument/2006/math">
                     <m:r>
-                      <a:rPr lang="ja-JP" altLang="en-US" i="1" smtClean="0">
+                      <a:rPr lang="ja-JP" altLang="en-US" sz="2000" i="1" smtClean="0">
                         <a:latin typeface="Cambria Math" panose="02040503050406030204" pitchFamily="18" charset="0"/>
                       </a:rPr>
                       <m:t>境界</m:t>
@@ -31035,7 +31342,7 @@
                     <m:sSup>
                       <m:sSupPr>
                         <m:ctrlPr>
-                          <a:rPr lang="en-US" altLang="ja-JP" i="1">
+                          <a:rPr lang="en-US" altLang="ja-JP" sz="2000" i="1">
                             <a:latin typeface="Cambria Math" panose="02040503050406030204" pitchFamily="18" charset="0"/>
                           </a:rPr>
                         </m:ctrlPr>
@@ -31045,7 +31352,7 @@
                           <m:rPr>
                             <m:sty m:val="p"/>
                           </m:rPr>
-                          <a:rPr lang="el-GR" altLang="ja-JP" i="1">
+                          <a:rPr lang="el-GR" altLang="ja-JP" sz="2000" i="1">
                             <a:latin typeface="Cambria Math" panose="02040503050406030204" pitchFamily="18" charset="0"/>
                             <a:ea typeface="Cambria Math" panose="02040503050406030204" pitchFamily="18" charset="0"/>
                           </a:rPr>
@@ -31054,7 +31361,7 @@
                       </m:e>
                       <m:sup>
                         <m:r>
-                          <a:rPr lang="en-US" altLang="ja-JP" i="1">
+                          <a:rPr lang="en-US" altLang="ja-JP" sz="2000" i="1">
                             <a:latin typeface="Cambria Math" panose="02040503050406030204" pitchFamily="18" charset="0"/>
                             <a:ea typeface="Cambria Math" panose="02040503050406030204" pitchFamily="18" charset="0"/>
                           </a:rPr>
@@ -31063,7 +31370,7 @@
                       </m:sup>
                     </m:sSup>
                     <m:r>
-                      <a:rPr lang="ja-JP" altLang="en-US" i="1">
+                      <a:rPr lang="ja-JP" altLang="en-US" sz="2000" i="1">
                         <a:latin typeface="Cambria Math" panose="02040503050406030204" pitchFamily="18" charset="0"/>
                         <a:ea typeface="Cambria Math" panose="02040503050406030204" pitchFamily="18" charset="0"/>
                       </a:rPr>
@@ -31072,7 +31379,7 @@
                   </m:oMath>
                 </a14:m>
                 <a:r>
-                  <a:rPr lang="ja-JP" altLang="en-US" b="0" dirty="0"/>
+                  <a:rPr lang="ja-JP" altLang="en-US" sz="2000" b="0" dirty="0"/>
                   <a:t>変位の</a:t>
                 </a:r>
                 <a14:m>
@@ -31080,14 +31387,14 @@
                     <m:sSup>
                       <m:sSupPr>
                         <m:ctrlPr>
-                          <a:rPr lang="en-US" altLang="ja-JP" b="0" i="1" smtClean="0">
+                          <a:rPr lang="en-US" altLang="ja-JP" sz="2000" b="0" i="1" smtClean="0">
                             <a:latin typeface="Cambria Math" panose="02040503050406030204" pitchFamily="18" charset="0"/>
                           </a:rPr>
                         </m:ctrlPr>
                       </m:sSupPr>
                       <m:e>
                         <m:r>
-                          <a:rPr lang="en-US" altLang="ja-JP" b="0" i="1" smtClean="0">
+                          <a:rPr lang="en-US" altLang="ja-JP" sz="2000" b="0" i="1" smtClean="0">
                             <a:latin typeface="Cambria Math" panose="02040503050406030204" pitchFamily="18" charset="0"/>
                           </a:rPr>
                           <m:t>𝐶</m:t>
@@ -31095,7 +31402,7 @@
                       </m:e>
                       <m:sup>
                         <m:r>
-                          <a:rPr lang="en-US" altLang="ja-JP" b="0" i="1" smtClean="0">
+                          <a:rPr lang="en-US" altLang="ja-JP" sz="2000" b="0" i="1" smtClean="0">
                             <a:latin typeface="Cambria Math" panose="02040503050406030204" pitchFamily="18" charset="0"/>
                           </a:rPr>
                           <m:t>0</m:t>
@@ -31103,7 +31410,7 @@
                       </m:sup>
                     </m:sSup>
                     <m:r>
-                      <a:rPr lang="ja-JP" altLang="en-US" i="1">
+                      <a:rPr lang="ja-JP" altLang="en-US" sz="2000" i="1">
                         <a:latin typeface="Cambria Math" panose="02040503050406030204" pitchFamily="18" charset="0"/>
                       </a:rPr>
                       <m:t>連続性を</m:t>
@@ -31111,10 +31418,10 @@
                   </m:oMath>
                 </a14:m>
                 <a:r>
-                  <a:rPr lang="ja-JP" altLang="en-US" b="0" dirty="0"/>
+                  <a:rPr lang="ja-JP" altLang="en-US" sz="2000" b="0" dirty="0"/>
                   <a:t>保証するため</a:t>
                 </a:r>
-                <a:endParaRPr lang="en-US" altLang="ja-JP" b="0" dirty="0"/>
+                <a:endParaRPr lang="en-US" altLang="ja-JP" sz="2000" b="0" dirty="0"/>
               </a:p>
               <a:p>
                 <a:pPr/>
@@ -31127,14 +31434,14 @@
                       <m:sSup>
                         <m:sSupPr>
                           <m:ctrlPr>
-                            <a:rPr lang="en-US" altLang="ja-JP" i="1" smtClean="0">
+                            <a:rPr lang="en-US" altLang="ja-JP" sz="2000" i="1" smtClean="0">
                               <a:latin typeface="Cambria Math" panose="02040503050406030204" pitchFamily="18" charset="0"/>
                             </a:rPr>
                           </m:ctrlPr>
                         </m:sSupPr>
                         <m:e>
                           <m:r>
-                            <a:rPr lang="en-US" altLang="ja-JP" b="1" i="1" smtClean="0">
+                            <a:rPr lang="en-US" altLang="ja-JP" sz="2000" b="1" i="1" smtClean="0">
                               <a:latin typeface="Cambria Math" panose="02040503050406030204" pitchFamily="18" charset="0"/>
                             </a:rPr>
                             <m:t>𝒖</m:t>
@@ -31142,7 +31449,7 @@
                         </m:e>
                         <m:sup>
                           <m:r>
-                            <a:rPr lang="en-US" altLang="ja-JP" b="0" i="1" smtClean="0">
+                            <a:rPr lang="en-US" altLang="ja-JP" sz="2000" b="0" i="1" smtClean="0">
                               <a:latin typeface="Cambria Math" panose="02040503050406030204" pitchFamily="18" charset="0"/>
                             </a:rPr>
                             <m:t>𝐿</m:t>
@@ -31150,31 +31457,31 @@
                         </m:sup>
                       </m:sSup>
                       <m:r>
-                        <a:rPr lang="en-US" altLang="ja-JP" b="0" i="1" smtClean="0">
+                        <a:rPr lang="en-US" altLang="ja-JP" sz="2000" b="0" i="1" smtClean="0">
                           <a:latin typeface="Cambria Math" panose="02040503050406030204" pitchFamily="18" charset="0"/>
                         </a:rPr>
                         <m:t>=</m:t>
                       </m:r>
                       <m:r>
-                        <a:rPr lang="en-US" altLang="ja-JP" b="1" i="1" smtClean="0">
+                        <a:rPr lang="en-US" altLang="ja-JP" sz="2000" b="1" i="1" smtClean="0">
                           <a:latin typeface="Cambria Math" panose="02040503050406030204" pitchFamily="18" charset="0"/>
                         </a:rPr>
                         <m:t>𝟎</m:t>
                       </m:r>
                       <m:r>
-                        <a:rPr lang="en-US" altLang="ja-JP" b="0" i="1" smtClean="0">
+                        <a:rPr lang="en-US" altLang="ja-JP" sz="2000" b="0" i="1" smtClean="0">
                           <a:latin typeface="Cambria Math" panose="02040503050406030204" pitchFamily="18" charset="0"/>
                         </a:rPr>
                         <m:t> </m:t>
                       </m:r>
                       <m:r>
-                        <a:rPr lang="en-US" altLang="ja-JP" b="0" i="1" smtClean="0">
+                        <a:rPr lang="en-US" altLang="ja-JP" sz="2000" b="0" i="1" smtClean="0">
                           <a:latin typeface="Cambria Math" panose="02040503050406030204" pitchFamily="18" charset="0"/>
                         </a:rPr>
                         <m:t>𝑜𝑛</m:t>
                       </m:r>
                       <m:r>
-                        <a:rPr lang="en-US" altLang="ja-JP" b="0" i="1" smtClean="0">
+                        <a:rPr lang="en-US" altLang="ja-JP" sz="2000" b="0" i="1" smtClean="0">
                           <a:latin typeface="Cambria Math" panose="02040503050406030204" pitchFamily="18" charset="0"/>
                         </a:rPr>
                         <m:t> </m:t>
@@ -31182,7 +31489,7 @@
                       <m:sSup>
                         <m:sSupPr>
                           <m:ctrlPr>
-                            <a:rPr lang="en-US" altLang="ja-JP" b="0" i="1" smtClean="0">
+                            <a:rPr lang="en-US" altLang="ja-JP" sz="2000" b="0" i="1" smtClean="0">
                               <a:latin typeface="Cambria Math" panose="02040503050406030204" pitchFamily="18" charset="0"/>
                             </a:rPr>
                           </m:ctrlPr>
@@ -31192,7 +31499,7 @@
                             <m:rPr>
                               <m:sty m:val="p"/>
                             </m:rPr>
-                            <a:rPr lang="el-GR" altLang="ja-JP" b="0" i="1" smtClean="0">
+                            <a:rPr lang="el-GR" altLang="ja-JP" sz="2000" b="0" i="1" smtClean="0">
                               <a:latin typeface="Cambria Math" panose="02040503050406030204" pitchFamily="18" charset="0"/>
                               <a:ea typeface="Cambria Math" panose="02040503050406030204" pitchFamily="18" charset="0"/>
                             </a:rPr>
@@ -31201,7 +31508,7 @@
                         </m:e>
                         <m:sup>
                           <m:r>
-                            <a:rPr lang="en-US" altLang="ja-JP" b="0" i="1" smtClean="0">
+                            <a:rPr lang="en-US" altLang="ja-JP" sz="2000" b="0" i="1" smtClean="0">
                               <a:latin typeface="Cambria Math" panose="02040503050406030204" pitchFamily="18" charset="0"/>
                             </a:rPr>
                             <m:t>𝐺𝐿</m:t>
@@ -31211,12 +31518,12 @@
                     </m:oMath>
                   </m:oMathPara>
                 </a14:m>
-                <a:endParaRPr lang="ja-JP" altLang="en-US" dirty="0"/>
+                <a:endParaRPr lang="ja-JP" altLang="en-US" sz="2000" dirty="0"/>
               </a:p>
             </p:txBody>
           </p:sp>
         </mc:Choice>
-        <mc:Fallback xmlns="">
+        <mc:Fallback>
           <p:sp>
             <p:nvSpPr>
               <p:cNvPr id="23" name="テキスト ボックス 22">
@@ -31234,15 +31541,15 @@
             <p:spPr>
               <a:xfrm>
                 <a:off x="6344874" y="900034"/>
-                <a:ext cx="6102990" cy="670889"/>
+                <a:ext cx="6102990" cy="709938"/>
               </a:xfrm>
               <a:prstGeom prst="rect">
                 <a:avLst/>
               </a:prstGeom>
               <a:blipFill>
-                <a:blip r:embed="rId5"/>
+                <a:blip r:embed="rId4"/>
                 <a:stretch>
-                  <a:fillRect l="-300" t="-3636"/>
+                  <a:fillRect l="-500" t="-4310"/>
                 </a:stretch>
               </a:blipFill>
             </p:spPr>
@@ -32720,8 +33027,8 @@
           </p:sp>
         </mc:Fallback>
       </mc:AlternateContent>
-      <mc:AlternateContent xmlns:mc="http://schemas.openxmlformats.org/markup-compatibility/2006" xmlns:a14="http://schemas.microsoft.com/office/drawing/2010/main">
-        <mc:Choice Requires="a14">
+      <mc:AlternateContent xmlns:mc="http://schemas.openxmlformats.org/markup-compatibility/2006">
+        <mc:Choice xmlns:a14="http://schemas.microsoft.com/office/drawing/2010/main" Requires="a14">
           <p:sp>
             <p:nvSpPr>
               <p:cNvPr id="28" name="テキスト ボックス 27">
@@ -32737,7 +33044,7 @@
             <p:spPr>
               <a:xfrm>
                 <a:off x="6344874" y="1897326"/>
-                <a:ext cx="3496812" cy="987193"/>
+                <a:ext cx="3496812" cy="1086644"/>
               </a:xfrm>
               <a:prstGeom prst="rect">
                 <a:avLst/>
@@ -32751,12 +33058,12 @@
               <a:lstStyle/>
               <a:p>
                 <a:r>
-                  <a:rPr lang="ja-JP" altLang="en-US" i="1" dirty="0">
+                  <a:rPr lang="ja-JP" altLang="en-US" sz="2000" i="1" dirty="0">
                     <a:latin typeface="Cambria Math" panose="02040503050406030204" pitchFamily="18" charset="0"/>
                   </a:rPr>
-                  <a:t>離散化したつり合い方程式</a:t>
+                  <a:t>離散化したつりあい方程式</a:t>
                 </a:r>
-                <a:endParaRPr lang="en-US" altLang="ja-JP" i="1" dirty="0">
+                <a:endParaRPr lang="en-US" altLang="ja-JP" sz="2000" i="1" dirty="0">
                   <a:latin typeface="Cambria Math" panose="02040503050406030204" pitchFamily="18" charset="0"/>
                 </a:endParaRPr>
               </a:p>
@@ -32773,7 +33080,7 @@
                           <m:begChr m:val="["/>
                           <m:endChr m:val="]"/>
                           <m:ctrlPr>
-                            <a:rPr lang="en-US" altLang="ja-JP" i="1" smtClean="0">
+                            <a:rPr lang="en-US" altLang="ja-JP" sz="2000" i="1" smtClean="0">
                               <a:latin typeface="Cambria Math" panose="02040503050406030204" pitchFamily="18" charset="0"/>
                             </a:rPr>
                           </m:ctrlPr>
@@ -32790,7 +33097,7 @@
                                 </m:mc>
                               </m:mcs>
                               <m:ctrlPr>
-                                <a:rPr lang="en-US" altLang="ja-JP" i="1" smtClean="0">
+                                <a:rPr lang="en-US" altLang="ja-JP" sz="2000" i="1" smtClean="0">
                                   <a:latin typeface="Cambria Math" panose="02040503050406030204" pitchFamily="18" charset="0"/>
                                 </a:rPr>
                               </m:ctrlPr>
@@ -32800,14 +33107,14 @@
                                 <m:sSup>
                                   <m:sSupPr>
                                     <m:ctrlPr>
-                                      <a:rPr lang="en-US" altLang="ja-JP" i="1" smtClean="0">
+                                      <a:rPr lang="en-US" altLang="ja-JP" sz="2000" i="1" smtClean="0">
                                         <a:latin typeface="Cambria Math" panose="02040503050406030204" pitchFamily="18" charset="0"/>
                                       </a:rPr>
                                     </m:ctrlPr>
                                   </m:sSupPr>
                                   <m:e>
                                     <m:r>
-                                      <a:rPr lang="en-US" altLang="ja-JP" b="1" i="1" smtClean="0">
+                                      <a:rPr lang="en-US" altLang="ja-JP" sz="2000" b="1" i="1" smtClean="0">
                                         <a:latin typeface="Cambria Math" panose="02040503050406030204" pitchFamily="18" charset="0"/>
                                       </a:rPr>
                                       <m:t>𝑲</m:t>
@@ -32815,7 +33122,7 @@
                                   </m:e>
                                   <m:sup>
                                     <m:r>
-                                      <a:rPr lang="en-US" altLang="ja-JP" b="0" i="1" smtClean="0">
+                                      <a:rPr lang="en-US" altLang="ja-JP" sz="2000" b="0" i="1" smtClean="0">
                                         <a:latin typeface="Cambria Math" panose="02040503050406030204" pitchFamily="18" charset="0"/>
                                       </a:rPr>
                                       <m:t>𝐺</m:t>
@@ -32827,14 +33134,14 @@
                                 <m:sSup>
                                   <m:sSupPr>
                                     <m:ctrlPr>
-                                      <a:rPr lang="en-US" altLang="ja-JP" i="1">
+                                      <a:rPr lang="en-US" altLang="ja-JP" sz="2000" i="1">
                                         <a:latin typeface="Cambria Math" panose="02040503050406030204" pitchFamily="18" charset="0"/>
                                       </a:rPr>
                                     </m:ctrlPr>
                                   </m:sSupPr>
                                   <m:e>
                                     <m:r>
-                                      <a:rPr lang="en-US" altLang="ja-JP" b="1" i="1">
+                                      <a:rPr lang="en-US" altLang="ja-JP" sz="2000" b="1" i="1">
                                         <a:latin typeface="Cambria Math" panose="02040503050406030204" pitchFamily="18" charset="0"/>
                                       </a:rPr>
                                       <m:t>𝑲</m:t>
@@ -32842,13 +33149,13 @@
                                   </m:e>
                                   <m:sup>
                                     <m:r>
-                                      <a:rPr lang="en-US" altLang="ja-JP" i="1">
+                                      <a:rPr lang="en-US" altLang="ja-JP" sz="2000" i="1">
                                         <a:latin typeface="Cambria Math" panose="02040503050406030204" pitchFamily="18" charset="0"/>
                                       </a:rPr>
                                       <m:t>𝐺</m:t>
                                     </m:r>
                                     <m:r>
-                                      <a:rPr lang="en-US" altLang="ja-JP" b="0" i="1" smtClean="0">
+                                      <a:rPr lang="en-US" altLang="ja-JP" sz="2000" b="0" i="1" smtClean="0">
                                         <a:latin typeface="Cambria Math" panose="02040503050406030204" pitchFamily="18" charset="0"/>
                                       </a:rPr>
                                       <m:t>𝐿</m:t>
@@ -32862,14 +33169,14 @@
                                 <m:sSup>
                                   <m:sSupPr>
                                     <m:ctrlPr>
-                                      <a:rPr lang="en-US" altLang="ja-JP" i="1">
+                                      <a:rPr lang="en-US" altLang="ja-JP" sz="2000" i="1">
                                         <a:latin typeface="Cambria Math" panose="02040503050406030204" pitchFamily="18" charset="0"/>
                                       </a:rPr>
                                     </m:ctrlPr>
                                   </m:sSupPr>
                                   <m:e>
                                     <m:r>
-                                      <a:rPr lang="en-US" altLang="ja-JP" b="1" i="1">
+                                      <a:rPr lang="en-US" altLang="ja-JP" sz="2000" b="1" i="1">
                                         <a:latin typeface="Cambria Math" panose="02040503050406030204" pitchFamily="18" charset="0"/>
                                       </a:rPr>
                                       <m:t>𝑲</m:t>
@@ -32877,7 +33184,7 @@
                                   </m:e>
                                   <m:sup>
                                     <m:r>
-                                      <a:rPr lang="en-US" altLang="ja-JP" b="0" i="1" smtClean="0">
+                                      <a:rPr lang="en-US" altLang="ja-JP" sz="2000" b="0" i="1" smtClean="0">
                                         <a:latin typeface="Cambria Math" panose="02040503050406030204" pitchFamily="18" charset="0"/>
                                       </a:rPr>
                                       <m:t>𝐺</m:t>
@@ -32885,14 +33192,14 @@
                                     <m:sSup>
                                       <m:sSupPr>
                                         <m:ctrlPr>
-                                          <a:rPr lang="en-US" altLang="ja-JP" i="1" smtClean="0">
+                                          <a:rPr lang="en-US" altLang="ja-JP" sz="2000" i="1" smtClean="0">
                                             <a:latin typeface="Cambria Math" panose="02040503050406030204" pitchFamily="18" charset="0"/>
                                           </a:rPr>
                                         </m:ctrlPr>
                                       </m:sSupPr>
                                       <m:e>
                                         <m:r>
-                                          <a:rPr lang="en-US" altLang="ja-JP" b="0" i="1" smtClean="0">
+                                          <a:rPr lang="en-US" altLang="ja-JP" sz="2000" b="0" i="1" smtClean="0">
                                             <a:latin typeface="Cambria Math" panose="02040503050406030204" pitchFamily="18" charset="0"/>
                                           </a:rPr>
                                           <m:t>𝐿</m:t>
@@ -32900,7 +33207,7 @@
                                       </m:e>
                                       <m:sup>
                                         <m:r>
-                                          <a:rPr lang="en-US" altLang="ja-JP" b="0" i="1" smtClean="0">
+                                          <a:rPr lang="en-US" altLang="ja-JP" sz="2000" b="0" i="1" smtClean="0">
                                             <a:latin typeface="Cambria Math" panose="02040503050406030204" pitchFamily="18" charset="0"/>
                                           </a:rPr>
                                           <m:t>𝑇</m:t>
@@ -32914,14 +33221,14 @@
                                 <m:sSup>
                                   <m:sSupPr>
                                     <m:ctrlPr>
-                                      <a:rPr lang="en-US" altLang="ja-JP" i="1">
+                                      <a:rPr lang="en-US" altLang="ja-JP" sz="2000" i="1">
                                         <a:latin typeface="Cambria Math" panose="02040503050406030204" pitchFamily="18" charset="0"/>
                                       </a:rPr>
                                     </m:ctrlPr>
                                   </m:sSupPr>
                                   <m:e>
                                     <m:r>
-                                      <a:rPr lang="en-US" altLang="ja-JP" b="1" i="1">
+                                      <a:rPr lang="en-US" altLang="ja-JP" sz="2000" b="1" i="1">
                                         <a:latin typeface="Cambria Math" panose="02040503050406030204" pitchFamily="18" charset="0"/>
                                       </a:rPr>
                                       <m:t>𝑲</m:t>
@@ -32929,7 +33236,7 @@
                                   </m:e>
                                   <m:sup>
                                     <m:r>
-                                      <a:rPr lang="en-US" altLang="ja-JP" b="0" i="1" smtClean="0">
+                                      <a:rPr lang="en-US" altLang="ja-JP" sz="2000" b="0" i="1" smtClean="0">
                                         <a:latin typeface="Cambria Math" panose="02040503050406030204" pitchFamily="18" charset="0"/>
                                       </a:rPr>
                                       <m:t>𝐿</m:t>
@@ -32946,7 +33253,7 @@
                           <m:begChr m:val="{"/>
                           <m:endChr m:val="}"/>
                           <m:ctrlPr>
-                            <a:rPr lang="en-US" altLang="ja-JP" i="1" smtClean="0">
+                            <a:rPr lang="en-US" altLang="ja-JP" sz="2000" i="1" smtClean="0">
                               <a:latin typeface="Cambria Math" panose="02040503050406030204" pitchFamily="18" charset="0"/>
                             </a:rPr>
                           </m:ctrlPr>
@@ -32963,7 +33270,7 @@
                                 </m:mc>
                               </m:mcs>
                               <m:ctrlPr>
-                                <a:rPr lang="en-US" altLang="ja-JP" i="1" smtClean="0">
+                                <a:rPr lang="en-US" altLang="ja-JP" sz="2000" i="1" smtClean="0">
                                   <a:latin typeface="Cambria Math" panose="02040503050406030204" pitchFamily="18" charset="0"/>
                                 </a:rPr>
                               </m:ctrlPr>
@@ -32973,14 +33280,14 @@
                                 <m:sSup>
                                   <m:sSupPr>
                                     <m:ctrlPr>
-                                      <a:rPr lang="en-US" altLang="ja-JP" i="1" smtClean="0">
+                                      <a:rPr lang="en-US" altLang="ja-JP" sz="2000" i="1" smtClean="0">
                                         <a:latin typeface="Cambria Math" panose="02040503050406030204" pitchFamily="18" charset="0"/>
                                       </a:rPr>
                                     </m:ctrlPr>
                                   </m:sSupPr>
                                   <m:e>
                                     <m:r>
-                                      <a:rPr lang="en-US" altLang="ja-JP" b="1" i="1" smtClean="0">
+                                      <a:rPr lang="en-US" altLang="ja-JP" sz="2000" b="1" i="1" smtClean="0">
                                         <a:latin typeface="Cambria Math" panose="02040503050406030204" pitchFamily="18" charset="0"/>
                                       </a:rPr>
                                       <m:t>𝒅</m:t>
@@ -32988,7 +33295,7 @@
                                   </m:e>
                                   <m:sup>
                                     <m:r>
-                                      <a:rPr lang="en-US" altLang="ja-JP" b="0" i="1" smtClean="0">
+                                      <a:rPr lang="en-US" altLang="ja-JP" sz="2000" b="0" i="1" smtClean="0">
                                         <a:latin typeface="Cambria Math" panose="02040503050406030204" pitchFamily="18" charset="0"/>
                                       </a:rPr>
                                       <m:t>𝐺</m:t>
@@ -33002,14 +33309,14 @@
                                 <m:sSup>
                                   <m:sSupPr>
                                     <m:ctrlPr>
-                                      <a:rPr lang="en-US" altLang="ja-JP" i="1">
+                                      <a:rPr lang="en-US" altLang="ja-JP" sz="2000" i="1">
                                         <a:latin typeface="Cambria Math" panose="02040503050406030204" pitchFamily="18" charset="0"/>
                                       </a:rPr>
                                     </m:ctrlPr>
                                   </m:sSupPr>
                                   <m:e>
                                     <m:r>
-                                      <a:rPr lang="en-US" altLang="ja-JP" b="1" i="1">
+                                      <a:rPr lang="en-US" altLang="ja-JP" sz="2000" b="1" i="1">
                                         <a:latin typeface="Cambria Math" panose="02040503050406030204" pitchFamily="18" charset="0"/>
                                       </a:rPr>
                                       <m:t>𝒅</m:t>
@@ -33017,7 +33324,7 @@
                                   </m:e>
                                   <m:sup>
                                     <m:r>
-                                      <a:rPr lang="en-US" altLang="ja-JP" b="0" i="1" smtClean="0">
+                                      <a:rPr lang="en-US" altLang="ja-JP" sz="2000" b="0" i="1" smtClean="0">
                                         <a:latin typeface="Cambria Math" panose="02040503050406030204" pitchFamily="18" charset="0"/>
                                       </a:rPr>
                                       <m:t>𝐿</m:t>
@@ -33030,7 +33337,7 @@
                         </m:e>
                       </m:d>
                       <m:r>
-                        <a:rPr lang="en-US" altLang="ja-JP" b="0" i="1" smtClean="0">
+                        <a:rPr lang="en-US" altLang="ja-JP" sz="2000" b="0" i="1" smtClean="0">
                           <a:latin typeface="Cambria Math" panose="02040503050406030204" pitchFamily="18" charset="0"/>
                         </a:rPr>
                         <m:t>=</m:t>
@@ -33040,7 +33347,7 @@
                           <m:begChr m:val="{"/>
                           <m:endChr m:val="}"/>
                           <m:ctrlPr>
-                            <a:rPr lang="en-US" altLang="ja-JP" b="0" i="1" smtClean="0">
+                            <a:rPr lang="en-US" altLang="ja-JP" sz="2000" b="0" i="1" smtClean="0">
                               <a:latin typeface="Cambria Math" panose="02040503050406030204" pitchFamily="18" charset="0"/>
                             </a:rPr>
                           </m:ctrlPr>
@@ -33057,7 +33364,7 @@
                                 </m:mc>
                               </m:mcs>
                               <m:ctrlPr>
-                                <a:rPr lang="en-US" altLang="ja-JP" b="0" i="1" smtClean="0">
+                                <a:rPr lang="en-US" altLang="ja-JP" sz="2000" b="0" i="1" smtClean="0">
                                   <a:latin typeface="Cambria Math" panose="02040503050406030204" pitchFamily="18" charset="0"/>
                                 </a:rPr>
                               </m:ctrlPr>
@@ -33067,14 +33374,14 @@
                                 <m:sSup>
                                   <m:sSupPr>
                                     <m:ctrlPr>
-                                      <a:rPr lang="en-US" altLang="ja-JP" i="1">
+                                      <a:rPr lang="en-US" altLang="ja-JP" sz="2000" i="1">
                                         <a:latin typeface="Cambria Math" panose="02040503050406030204" pitchFamily="18" charset="0"/>
                                       </a:rPr>
                                     </m:ctrlPr>
                                   </m:sSupPr>
                                   <m:e>
                                     <m:r>
-                                      <a:rPr lang="en-US" altLang="ja-JP" b="1" i="1">
+                                      <a:rPr lang="en-US" altLang="ja-JP" sz="2000" b="1" i="1">
                                         <a:latin typeface="Cambria Math" panose="02040503050406030204" pitchFamily="18" charset="0"/>
                                       </a:rPr>
                                       <m:t>𝒇</m:t>
@@ -33082,7 +33389,7 @@
                                   </m:e>
                                   <m:sup>
                                     <m:r>
-                                      <a:rPr lang="en-US" altLang="ja-JP" i="1">
+                                      <a:rPr lang="en-US" altLang="ja-JP" sz="2000" i="1">
                                         <a:latin typeface="Cambria Math" panose="02040503050406030204" pitchFamily="18" charset="0"/>
                                       </a:rPr>
                                       <m:t>𝐺</m:t>
@@ -33096,14 +33403,14 @@
                                 <m:sSup>
                                   <m:sSupPr>
                                     <m:ctrlPr>
-                                      <a:rPr lang="en-US" altLang="ja-JP" i="1">
+                                      <a:rPr lang="en-US" altLang="ja-JP" sz="2000" i="1">
                                         <a:latin typeface="Cambria Math" panose="02040503050406030204" pitchFamily="18" charset="0"/>
                                       </a:rPr>
                                     </m:ctrlPr>
                                   </m:sSupPr>
                                   <m:e>
                                     <m:r>
-                                      <a:rPr lang="en-US" altLang="ja-JP" b="1" i="1">
+                                      <a:rPr lang="en-US" altLang="ja-JP" sz="2000" b="1" i="1">
                                         <a:latin typeface="Cambria Math" panose="02040503050406030204" pitchFamily="18" charset="0"/>
                                       </a:rPr>
                                       <m:t>𝒇</m:t>
@@ -33111,7 +33418,7 @@
                                   </m:e>
                                   <m:sup>
                                     <m:r>
-                                      <a:rPr lang="en-US" altLang="ja-JP" i="1">
+                                      <a:rPr lang="en-US" altLang="ja-JP" sz="2000" i="1">
                                         <a:latin typeface="Cambria Math" panose="02040503050406030204" pitchFamily="18" charset="0"/>
                                       </a:rPr>
                                       <m:t>𝐿</m:t>
@@ -33126,12 +33433,12 @@
                     </m:oMath>
                   </m:oMathPara>
                 </a14:m>
-                <a:endParaRPr lang="ja-JP" altLang="en-US" dirty="0"/>
+                <a:endParaRPr lang="ja-JP" altLang="en-US" sz="2000" dirty="0"/>
               </a:p>
             </p:txBody>
           </p:sp>
         </mc:Choice>
-        <mc:Fallback xmlns="">
+        <mc:Fallback>
           <p:sp>
             <p:nvSpPr>
               <p:cNvPr id="28" name="テキスト ボックス 27">
@@ -33149,7 +33456,7 @@
             <p:spPr>
               <a:xfrm>
                 <a:off x="6344874" y="1897326"/>
-                <a:ext cx="3496812" cy="987193"/>
+                <a:ext cx="3496812" cy="1086644"/>
               </a:xfrm>
               <a:prstGeom prst="rect">
                 <a:avLst/>
@@ -33157,7 +33464,7 @@
               <a:blipFill>
                 <a:blip r:embed="rId8"/>
                 <a:stretch>
-                  <a:fillRect l="-1571" t="-1852"/>
+                  <a:fillRect l="-1920" t="-2247"/>
                 </a:stretch>
               </a:blipFill>
             </p:spPr>
@@ -33376,7 +33683,7 @@
         <p:spPr>
           <a:xfrm>
             <a:off x="412456" y="801812"/>
-            <a:ext cx="11537806" cy="5078313"/>
+            <a:ext cx="11537806" cy="5632311"/>
           </a:xfrm>
           <a:prstGeom prst="rect">
             <a:avLst/>
@@ -33390,68 +33697,68 @@
           <a:lstStyle/>
           <a:p>
             <a:r>
-              <a:rPr lang="ja-JP" altLang="en-US" dirty="0"/>
+              <a:rPr lang="ja-JP" altLang="en-US" sz="2000" dirty="0"/>
               <a:t>本研究では要素の細分化操作</a:t>
             </a:r>
             <a:r>
-              <a:rPr lang="en-US" altLang="ja-JP" dirty="0"/>
+              <a:rPr lang="en-US" altLang="ja-JP" sz="2000" dirty="0"/>
               <a:t>(Knot Insertion)</a:t>
             </a:r>
             <a:r>
-              <a:rPr lang="ja-JP" altLang="en-US" dirty="0"/>
+              <a:rPr lang="ja-JP" altLang="en-US" sz="2000" dirty="0"/>
               <a:t>と高次化操作</a:t>
             </a:r>
             <a:r>
-              <a:rPr lang="en-US" altLang="ja-JP" dirty="0"/>
+              <a:rPr lang="en-US" altLang="ja-JP" sz="2000" dirty="0"/>
               <a:t>(Order Elevation)</a:t>
             </a:r>
             <a:r>
-              <a:rPr lang="ja-JP" altLang="en-US" dirty="0"/>
+              <a:rPr lang="ja-JP" altLang="en-US" sz="2000" dirty="0"/>
               <a:t>を行い解析に必要な</a:t>
             </a:r>
-            <a:endParaRPr lang="en-US" altLang="ja-JP" dirty="0"/>
+            <a:endParaRPr lang="en-US" altLang="ja-JP" sz="2000" dirty="0"/>
           </a:p>
           <a:p>
             <a:r>
-              <a:rPr lang="ja-JP" altLang="en-US" dirty="0"/>
+              <a:rPr lang="ja-JP" altLang="en-US" sz="2000" dirty="0"/>
               <a:t>インプットデータを生成するプログラムを作成して，重合パッチ法のインハウスプログラムを</a:t>
             </a:r>
-            <a:endParaRPr lang="en-US" altLang="ja-JP" dirty="0"/>
+            <a:endParaRPr lang="en-US" altLang="ja-JP" sz="2000" dirty="0"/>
           </a:p>
           <a:p>
             <a:r>
-              <a:rPr lang="ja-JP" altLang="en-US" dirty="0"/>
+              <a:rPr lang="ja-JP" altLang="en-US" sz="2000" dirty="0"/>
               <a:t>高次の基底関数で解析が行えるように再構成した</a:t>
             </a:r>
-            <a:endParaRPr lang="en-US" altLang="ja-JP" dirty="0"/>
+            <a:endParaRPr lang="en-US" altLang="ja-JP" sz="2000" dirty="0"/>
           </a:p>
           <a:p>
-            <a:endParaRPr lang="en-US" altLang="ja-JP" dirty="0"/>
+            <a:endParaRPr lang="en-US" altLang="ja-JP" sz="2000" dirty="0"/>
           </a:p>
           <a:p>
             <a:r>
-              <a:rPr lang="en-US" altLang="ja-JP" dirty="0"/>
+              <a:rPr lang="en-US" altLang="ja-JP" sz="2000" dirty="0"/>
               <a:t>1</a:t>
             </a:r>
             <a:r>
-              <a:rPr lang="ja-JP" altLang="en-US" dirty="0"/>
+              <a:rPr lang="ja-JP" altLang="en-US" sz="2000" dirty="0"/>
               <a:t>．内圧を受ける厚肉円筒の解析 </a:t>
             </a:r>
             <a:r>
-              <a:rPr lang="en-US" altLang="ja-JP" dirty="0"/>
+              <a:rPr lang="en-US" altLang="ja-JP" sz="2000" dirty="0"/>
               <a:t>(</a:t>
             </a:r>
             <a:r>
-              <a:rPr lang="ja-JP" altLang="en-US" dirty="0"/>
+              <a:rPr lang="ja-JP" altLang="en-US" sz="2000" dirty="0"/>
               <a:t>通常の</a:t>
             </a:r>
             <a:r>
-              <a:rPr lang="en-US" altLang="ja-JP" dirty="0"/>
+              <a:rPr lang="en-US" altLang="ja-JP" sz="2000" dirty="0"/>
               <a:t>IGA)</a:t>
             </a:r>
           </a:p>
           <a:p>
-            <a:endParaRPr lang="en-US" altLang="ja-JP" dirty="0"/>
+            <a:endParaRPr lang="en-US" altLang="ja-JP" sz="2000" dirty="0"/>
           </a:p>
           <a:p>
             <a:pPr marL="285750" indent="-285750">
@@ -33459,26 +33766,26 @@
               <a:buChar char="ü"/>
             </a:pPr>
             <a:r>
-              <a:rPr lang="ja-JP" altLang="en-US" dirty="0"/>
+              <a:rPr lang="ja-JP" altLang="en-US" sz="2000" dirty="0"/>
               <a:t>通常の</a:t>
             </a:r>
             <a:r>
-              <a:rPr lang="en-US" altLang="ja-JP" dirty="0"/>
+              <a:rPr lang="en-US" altLang="ja-JP" sz="2000" dirty="0"/>
               <a:t>IGA</a:t>
             </a:r>
             <a:r>
-              <a:rPr lang="ja-JP" altLang="en-US" dirty="0"/>
+              <a:rPr lang="ja-JP" altLang="en-US" sz="2000" dirty="0"/>
               <a:t>で基底関数</a:t>
             </a:r>
             <a:r>
-              <a:rPr lang="en-US" altLang="ja-JP" dirty="0"/>
+              <a:rPr lang="en-US" altLang="ja-JP" sz="2000" dirty="0"/>
               <a:t>3</a:t>
             </a:r>
             <a:r>
-              <a:rPr lang="ja-JP" altLang="en-US" dirty="0"/>
+              <a:rPr lang="ja-JP" altLang="en-US" sz="2000" dirty="0"/>
               <a:t>次で正常に動作しているか確認</a:t>
             </a:r>
-            <a:endParaRPr lang="en-US" altLang="ja-JP" dirty="0"/>
+            <a:endParaRPr lang="en-US" altLang="ja-JP" sz="2000" dirty="0"/>
           </a:p>
           <a:p>
             <a:pPr marL="285750" indent="-285750">
@@ -33486,45 +33793,45 @@
               <a:buChar char="ü"/>
             </a:pPr>
             <a:r>
-              <a:rPr lang="en-US" altLang="ja-JP" dirty="0"/>
+              <a:rPr lang="en-US" altLang="ja-JP" sz="2000" dirty="0"/>
               <a:t>2</a:t>
             </a:r>
             <a:r>
-              <a:rPr lang="ja-JP" altLang="en-US" dirty="0"/>
+              <a:rPr lang="ja-JP" altLang="en-US" sz="2000" dirty="0"/>
               <a:t>次と</a:t>
             </a:r>
             <a:r>
-              <a:rPr lang="en-US" altLang="ja-JP" dirty="0"/>
+              <a:rPr lang="en-US" altLang="ja-JP" sz="2000" dirty="0"/>
               <a:t>3</a:t>
             </a:r>
             <a:r>
-              <a:rPr lang="ja-JP" altLang="en-US" dirty="0"/>
+              <a:rPr lang="ja-JP" altLang="en-US" sz="2000" dirty="0"/>
               <a:t>次の誤差を厳密解と比較</a:t>
             </a:r>
-            <a:endParaRPr lang="en-US" altLang="ja-JP" dirty="0"/>
+            <a:endParaRPr lang="en-US" altLang="ja-JP" sz="2000" dirty="0"/>
           </a:p>
           <a:p>
-            <a:endParaRPr lang="en-US" altLang="ja-JP" dirty="0"/>
+            <a:endParaRPr lang="en-US" altLang="ja-JP" sz="2000" dirty="0"/>
           </a:p>
           <a:p>
             <a:r>
-              <a:rPr lang="en-US" altLang="ja-JP" dirty="0"/>
+              <a:rPr lang="en-US" altLang="ja-JP" sz="2000" dirty="0"/>
               <a:t>2</a:t>
             </a:r>
             <a:r>
-              <a:rPr lang="ja-JP" altLang="en-US" dirty="0"/>
+              <a:rPr lang="ja-JP" altLang="en-US" sz="2000" dirty="0"/>
               <a:t>．遠方で一様引張を受ける円孔を有する平板の解析 </a:t>
             </a:r>
             <a:r>
-              <a:rPr lang="en-US" altLang="ja-JP" dirty="0"/>
+              <a:rPr lang="en-US" altLang="ja-JP" sz="2000" dirty="0"/>
               <a:t>(</a:t>
             </a:r>
             <a:r>
-              <a:rPr lang="ja-JP" altLang="en-US" dirty="0"/>
+              <a:rPr lang="ja-JP" altLang="en-US" sz="2000" dirty="0"/>
               <a:t>重合パッチ法</a:t>
             </a:r>
             <a:r>
-              <a:rPr lang="en-US" altLang="ja-JP" dirty="0"/>
+              <a:rPr lang="en-US" altLang="ja-JP" sz="2000" dirty="0"/>
               <a:t>)</a:t>
             </a:r>
           </a:p>
@@ -33534,10 +33841,10 @@
               <a:buChar char="Ø"/>
             </a:pPr>
             <a:r>
-              <a:rPr lang="ja-JP" altLang="en-US" sz="1800" dirty="0"/>
+              <a:rPr lang="ja-JP" altLang="en-US" sz="2000" dirty="0"/>
               <a:t>各パッチでの基底関数の次数の組み合わせによる解析精度検証</a:t>
             </a:r>
-            <a:endParaRPr lang="en-US" altLang="ja-JP" sz="1800" dirty="0"/>
+            <a:endParaRPr lang="en-US" altLang="ja-JP" sz="2000" dirty="0"/>
           </a:p>
           <a:p>
             <a:pPr marL="742950" lvl="1" indent="-285750">
@@ -33545,14 +33852,14 @@
               <a:buChar char="Ø"/>
             </a:pPr>
             <a:r>
-              <a:rPr lang="ja-JP" altLang="en-US" sz="1800" dirty="0"/>
+              <a:rPr lang="ja-JP" altLang="en-US" sz="2000" dirty="0"/>
               <a:t>グローバルパッチの分割数を固定してローカルパッチのサイズと分割数を変更した解析</a:t>
             </a:r>
-            <a:endParaRPr lang="en-US" altLang="ja-JP" sz="1800" dirty="0"/>
+            <a:endParaRPr lang="en-US" altLang="ja-JP" sz="2000" dirty="0"/>
           </a:p>
           <a:p>
             <a:pPr lvl="1"/>
-            <a:endParaRPr lang="en-US" altLang="ja-JP" dirty="0"/>
+            <a:endParaRPr lang="en-US" altLang="ja-JP" sz="2000" dirty="0"/>
           </a:p>
           <a:p>
             <a:pPr marL="742950" lvl="1" indent="-285750">
@@ -33560,18 +33867,18 @@
               <a:buChar char="ü"/>
             </a:pPr>
             <a:r>
-              <a:rPr lang="ja-JP" altLang="en-US" sz="1800" dirty="0"/>
+              <a:rPr lang="ja-JP" altLang="en-US" sz="2000" dirty="0"/>
               <a:t>重合パッチ法で基底関数</a:t>
             </a:r>
             <a:r>
-              <a:rPr lang="en-US" altLang="ja-JP" sz="1800" dirty="0"/>
+              <a:rPr lang="en-US" altLang="ja-JP" sz="2000" dirty="0"/>
               <a:t>3</a:t>
             </a:r>
             <a:r>
-              <a:rPr lang="ja-JP" altLang="en-US" sz="1800" dirty="0"/>
+              <a:rPr lang="ja-JP" altLang="en-US" sz="2000" dirty="0"/>
               <a:t>次で正常に動作しているか確認</a:t>
             </a:r>
-            <a:endParaRPr lang="en-US" altLang="ja-JP" sz="1800" dirty="0"/>
+            <a:endParaRPr lang="en-US" altLang="ja-JP" sz="2000" dirty="0"/>
           </a:p>
           <a:p>
             <a:pPr marL="742950" lvl="1" indent="-285750">
@@ -33579,22 +33886,22 @@
               <a:buChar char="ü"/>
             </a:pPr>
             <a:r>
-              <a:rPr lang="en-US" altLang="ja-JP" dirty="0"/>
+              <a:rPr lang="en-US" altLang="ja-JP" sz="2000" dirty="0"/>
               <a:t>2</a:t>
             </a:r>
             <a:r>
-              <a:rPr lang="ja-JP" altLang="en-US" dirty="0"/>
+              <a:rPr lang="ja-JP" altLang="en-US" sz="2000" dirty="0"/>
               <a:t>次と</a:t>
             </a:r>
             <a:r>
-              <a:rPr lang="en-US" altLang="ja-JP" dirty="0"/>
+              <a:rPr lang="en-US" altLang="ja-JP" sz="2000" dirty="0"/>
               <a:t>3</a:t>
             </a:r>
             <a:r>
-              <a:rPr lang="ja-JP" altLang="en-US" dirty="0"/>
+              <a:rPr lang="ja-JP" altLang="en-US" sz="2000" dirty="0"/>
               <a:t>次の誤差を比較</a:t>
             </a:r>
-            <a:endParaRPr lang="en-US" altLang="ja-JP" sz="1800" dirty="0"/>
+            <a:endParaRPr lang="en-US" altLang="ja-JP" sz="2000" dirty="0"/>
           </a:p>
           <a:p>
             <a:pPr marL="742950" lvl="1" indent="-285750">
@@ -33602,24 +33909,24 @@
               <a:buChar char="ü"/>
             </a:pPr>
             <a:r>
-              <a:rPr lang="ja-JP" altLang="en-US" dirty="0"/>
+              <a:rPr lang="ja-JP" altLang="en-US" sz="2000" dirty="0"/>
               <a:t>重合パッチ法における適切なパッチのサイズや分割数の関係を考察</a:t>
             </a:r>
-            <a:endParaRPr lang="en-US" altLang="ja-JP" sz="1800" dirty="0"/>
+            <a:endParaRPr lang="en-US" altLang="ja-JP" sz="2000" dirty="0"/>
           </a:p>
           <a:p>
             <a:pPr marL="742950" lvl="1" indent="-285750">
               <a:buFont typeface="Wingdings" panose="05000000000000000000" pitchFamily="2" charset="2"/>
               <a:buChar char="Ø"/>
             </a:pPr>
-            <a:endParaRPr lang="en-US" altLang="ja-JP" dirty="0"/>
+            <a:endParaRPr lang="en-US" altLang="ja-JP" sz="2000" dirty="0"/>
           </a:p>
           <a:p>
             <a:pPr marL="742950" lvl="1" indent="-285750">
               <a:buFont typeface="Wingdings" panose="05000000000000000000" pitchFamily="2" charset="2"/>
               <a:buChar char="Ø"/>
             </a:pPr>
-            <a:endParaRPr lang="en-US" altLang="ja-JP" dirty="0"/>
+            <a:endParaRPr lang="en-US" altLang="ja-JP" sz="2000" dirty="0"/>
           </a:p>
         </p:txBody>
       </p:sp>
@@ -33835,7 +34142,7 @@
         <p:spPr>
           <a:xfrm>
             <a:off x="412457" y="801812"/>
-            <a:ext cx="1139506" cy="369332"/>
+            <a:ext cx="1810626" cy="400110"/>
           </a:xfrm>
           <a:prstGeom prst="rect">
             <a:avLst/>
@@ -33849,10 +34156,10 @@
           <a:lstStyle/>
           <a:p>
             <a:r>
-              <a:rPr lang="ja-JP" altLang="en-US" dirty="0"/>
+              <a:rPr lang="ja-JP" altLang="en-US" sz="2000" dirty="0"/>
               <a:t>解析条件</a:t>
             </a:r>
-            <a:endParaRPr lang="en-US" altLang="ja-JP" dirty="0"/>
+            <a:endParaRPr lang="en-US" altLang="ja-JP" sz="2000" dirty="0"/>
           </a:p>
         </p:txBody>
       </p:sp>
@@ -33870,8 +34177,8 @@
         </p:nvSpPr>
         <p:spPr>
           <a:xfrm>
-            <a:off x="6343436" y="4344652"/>
-            <a:ext cx="6344012" cy="923330"/>
+            <a:off x="6645440" y="4194295"/>
+            <a:ext cx="5367595" cy="1015663"/>
           </a:xfrm>
           <a:prstGeom prst="rect">
             <a:avLst/>
@@ -33885,49 +34192,49 @@
           <a:lstStyle/>
           <a:p>
             <a:r>
-              <a:rPr lang="ja-JP" altLang="en-US" dirty="0"/>
+              <a:rPr lang="ja-JP" altLang="en-US" sz="2000" dirty="0"/>
               <a:t>誤差ノルムを次のように定義し，</a:t>
             </a:r>
-            <a:endParaRPr lang="en-US" altLang="ja-JP" dirty="0"/>
+            <a:endParaRPr lang="en-US" altLang="ja-JP" sz="2000" dirty="0"/>
           </a:p>
           <a:p>
             <a:r>
-              <a:rPr lang="ja-JP" altLang="en-US" dirty="0"/>
+              <a:rPr lang="ja-JP" altLang="en-US" sz="2000" dirty="0"/>
               <a:t>ガウス点での</a:t>
             </a:r>
             <a:r>
-              <a:rPr lang="en-US" altLang="ja-JP" i="1" dirty="0" err="1"/>
+              <a:rPr lang="en-US" altLang="ja-JP" sz="2000" i="1" dirty="0" err="1"/>
               <a:t>σ</a:t>
             </a:r>
             <a:r>
-              <a:rPr lang="en-US" altLang="ja-JP" i="1" baseline="-25000" dirty="0" err="1"/>
+              <a:rPr lang="en-US" altLang="ja-JP" sz="2000" i="1" baseline="-25000" dirty="0" err="1"/>
               <a:t>rr</a:t>
             </a:r>
             <a:r>
-              <a:rPr lang="ja-JP" altLang="en-US" dirty="0"/>
+              <a:rPr lang="ja-JP" altLang="en-US" sz="2000" dirty="0"/>
               <a:t>，</a:t>
             </a:r>
             <a:r>
-              <a:rPr lang="en-US" altLang="ja-JP" i="1" dirty="0" err="1"/>
+              <a:rPr lang="en-US" altLang="ja-JP" sz="2000" i="1" dirty="0" err="1"/>
               <a:t>σ</a:t>
             </a:r>
             <a:r>
-              <a:rPr lang="en-US" altLang="ja-JP" i="1" baseline="-25000" dirty="0" err="1"/>
+              <a:rPr lang="en-US" altLang="ja-JP" sz="2000" i="1" baseline="-25000" dirty="0" err="1"/>
               <a:t>θθ</a:t>
             </a:r>
             <a:r>
-              <a:rPr lang="ja-JP" altLang="en-US" dirty="0"/>
+              <a:rPr lang="ja-JP" altLang="en-US" sz="2000" dirty="0"/>
               <a:t>を積分して計算を行った</a:t>
             </a:r>
-            <a:endParaRPr lang="en-US" altLang="ja-JP" dirty="0"/>
+            <a:endParaRPr lang="en-US" altLang="ja-JP" sz="2000" dirty="0"/>
           </a:p>
           <a:p>
-            <a:endParaRPr lang="en-US" altLang="ja-JP" dirty="0"/>
+            <a:endParaRPr lang="en-US" altLang="ja-JP" sz="2000" dirty="0"/>
           </a:p>
         </p:txBody>
       </p:sp>
-      <mc:AlternateContent xmlns:mc="http://schemas.openxmlformats.org/markup-compatibility/2006" xmlns:a14="http://schemas.microsoft.com/office/drawing/2010/main">
-        <mc:Choice Requires="a14">
+      <mc:AlternateContent xmlns:mc="http://schemas.openxmlformats.org/markup-compatibility/2006">
+        <mc:Choice xmlns:a14="http://schemas.microsoft.com/office/drawing/2010/main" Requires="a14">
           <p:sp>
             <p:nvSpPr>
               <p:cNvPr id="14" name="テキスト ボックス 13">
@@ -33942,8 +34249,8 @@
             </p:nvSpPr>
             <p:spPr>
               <a:xfrm>
-                <a:off x="6215542" y="879591"/>
-                <a:ext cx="5007649" cy="646331"/>
+                <a:off x="6096000" y="882132"/>
+                <a:ext cx="5683541" cy="707886"/>
               </a:xfrm>
               <a:prstGeom prst="rect">
                 <a:avLst/>
@@ -33957,32 +34264,32 @@
               <a:lstStyle/>
               <a:p>
                 <a:r>
-                  <a:rPr lang="ja-JP" altLang="en-US" dirty="0"/>
+                  <a:rPr lang="ja-JP" altLang="en-US" sz="2000" dirty="0"/>
                   <a:t>コントロールポイントは，</a:t>
                 </a:r>
                 <a:r>
-                  <a:rPr lang="en-US" altLang="ja-JP" dirty="0"/>
+                  <a:rPr lang="en-US" altLang="ja-JP" sz="2000" dirty="0"/>
                   <a:t>2</a:t>
                 </a:r>
                 <a:r>
-                  <a:rPr lang="ja-JP" altLang="en-US" dirty="0"/>
+                  <a:rPr lang="ja-JP" altLang="en-US" sz="2000" dirty="0"/>
                   <a:t>次と</a:t>
                 </a:r>
                 <a:r>
-                  <a:rPr lang="en-US" altLang="ja-JP" dirty="0"/>
+                  <a:rPr lang="en-US" altLang="ja-JP" sz="2000" dirty="0"/>
                   <a:t>3</a:t>
                 </a:r>
                 <a:r>
-                  <a:rPr lang="ja-JP" altLang="en-US" dirty="0"/>
+                  <a:rPr lang="ja-JP" altLang="en-US" sz="2000" dirty="0"/>
                   <a:t>次でそれぞれ</a:t>
                 </a:r>
-                <a:endParaRPr lang="en-US" altLang="ja-JP" dirty="0"/>
+                <a:endParaRPr lang="en-US" altLang="ja-JP" sz="2000" dirty="0"/>
               </a:p>
               <a:p>
                 <a14:m>
                   <m:oMath xmlns:m="http://schemas.openxmlformats.org/officeDocument/2006/math">
                     <m:r>
-                      <a:rPr lang="ja-JP" altLang="en-US" i="1">
+                      <a:rPr lang="ja-JP" altLang="en-US" sz="2000" i="1">
                         <a:latin typeface="Cambria Math" panose="02040503050406030204" pitchFamily="18" charset="0"/>
                       </a:rPr>
                       <m:t>𝜉</m:t>
@@ -33990,13 +34297,13 @@
                   </m:oMath>
                 </a14:m>
                 <a:r>
-                  <a:rPr lang="en-US" altLang="ja-JP" dirty="0"/>
+                  <a:rPr lang="en-US" altLang="ja-JP" sz="2000" dirty="0"/>
                   <a:t> x </a:t>
                 </a:r>
                 <a14:m>
                   <m:oMath xmlns:m="http://schemas.openxmlformats.org/officeDocument/2006/math">
                     <m:r>
-                      <a:rPr lang="ja-JP" altLang="en-US" i="1">
+                      <a:rPr lang="ja-JP" altLang="en-US" sz="2000" i="1">
                         <a:latin typeface="Cambria Math" panose="02040503050406030204" pitchFamily="18" charset="0"/>
                       </a:rPr>
                       <m:t>𝜂</m:t>
@@ -34004,35 +34311,35 @@
                   </m:oMath>
                 </a14:m>
                 <a:r>
-                  <a:rPr lang="en-US" altLang="ja-JP" dirty="0"/>
+                  <a:rPr lang="en-US" altLang="ja-JP" sz="2000" dirty="0"/>
                   <a:t> </a:t>
                 </a:r>
                 <a:r>
-                  <a:rPr lang="ja-JP" altLang="en-US" dirty="0"/>
+                  <a:rPr lang="ja-JP" altLang="en-US" sz="2000" dirty="0"/>
                   <a:t>→</a:t>
                 </a:r>
                 <a:r>
-                  <a:rPr lang="en-US" altLang="ja-JP" dirty="0"/>
+                  <a:rPr lang="en-US" altLang="ja-JP" sz="2000" dirty="0"/>
                   <a:t> 5x5,10x10,20x20,40x40</a:t>
                 </a:r>
                 <a:r>
-                  <a:rPr lang="ja-JP" altLang="en-US" dirty="0"/>
+                  <a:rPr lang="ja-JP" altLang="en-US" sz="2000" dirty="0"/>
                   <a:t>の</a:t>
                 </a:r>
                 <a:r>
-                  <a:rPr lang="en-US" altLang="ja-JP" dirty="0"/>
+                  <a:rPr lang="en-US" altLang="ja-JP" sz="2000" dirty="0"/>
                   <a:t>4</a:t>
                 </a:r>
                 <a:r>
-                  <a:rPr lang="ja-JP" altLang="en-US" dirty="0"/>
+                  <a:rPr lang="ja-JP" altLang="en-US" sz="2000" dirty="0"/>
                   <a:t>通り</a:t>
                 </a:r>
-                <a:endParaRPr lang="en-US" altLang="ja-JP" dirty="0"/>
+                <a:endParaRPr lang="en-US" altLang="ja-JP" sz="2000" dirty="0"/>
               </a:p>
             </p:txBody>
           </p:sp>
         </mc:Choice>
-        <mc:Fallback xmlns="">
+        <mc:Fallback>
           <p:sp>
             <p:nvSpPr>
               <p:cNvPr id="14" name="テキスト ボックス 13">
@@ -34049,8 +34356,8 @@
             </p:nvSpPr>
             <p:spPr>
               <a:xfrm>
-                <a:off x="6215542" y="879591"/>
-                <a:ext cx="5007649" cy="646331"/>
+                <a:off x="6096000" y="882132"/>
+                <a:ext cx="5683541" cy="707886"/>
               </a:xfrm>
               <a:prstGeom prst="rect">
                 <a:avLst/>
@@ -34058,7 +34365,7 @@
               <a:blipFill>
                 <a:blip r:embed="rId3"/>
                 <a:stretch>
-                  <a:fillRect l="-1096" t="-7547" r="-974" b="-16038"/>
+                  <a:fillRect l="-1073" t="-7759" b="-15517"/>
                 </a:stretch>
               </a:blipFill>
             </p:spPr>
@@ -34127,7 +34434,7 @@
         <p:spPr>
           <a:xfrm>
             <a:off x="3741787" y="2886450"/>
-            <a:ext cx="3137207" cy="923330"/>
+            <a:ext cx="3137207" cy="1015663"/>
           </a:xfrm>
           <a:prstGeom prst="rect">
             <a:avLst/>
@@ -34141,36 +34448,36 @@
           <a:lstStyle/>
           <a:p>
             <a:r>
-              <a:rPr lang="ja-JP" altLang="en-US" dirty="0"/>
+              <a:rPr lang="ja-JP" altLang="en-US" sz="2000" dirty="0"/>
               <a:t>平面ひずみ</a:t>
             </a:r>
-            <a:endParaRPr lang="en-US" altLang="ja-JP" dirty="0"/>
+            <a:endParaRPr lang="en-US" altLang="ja-JP" sz="2000" dirty="0"/>
           </a:p>
           <a:p>
             <a:r>
-              <a:rPr lang="ja-JP" altLang="en-US" dirty="0"/>
+              <a:rPr lang="ja-JP" altLang="en-US" sz="2000" dirty="0"/>
               <a:t>ヤング率     </a:t>
             </a:r>
             <a:r>
-              <a:rPr lang="en-US" altLang="ja-JP" dirty="0"/>
+              <a:rPr lang="en-US" altLang="ja-JP" sz="2000" dirty="0"/>
               <a:t>:206[</a:t>
             </a:r>
             <a:r>
-              <a:rPr lang="en-US" altLang="ja-JP" dirty="0" err="1"/>
+              <a:rPr lang="en-US" altLang="ja-JP" sz="2000" dirty="0" err="1"/>
               <a:t>GPa</a:t>
             </a:r>
             <a:r>
-              <a:rPr lang="en-US" altLang="ja-JP" dirty="0"/>
+              <a:rPr lang="en-US" altLang="ja-JP" sz="2000" dirty="0"/>
               <a:t>]</a:t>
             </a:r>
           </a:p>
           <a:p>
             <a:r>
-              <a:rPr lang="ja-JP" altLang="en-US" dirty="0"/>
+              <a:rPr lang="ja-JP" altLang="en-US" sz="2000" dirty="0"/>
               <a:t>ポアソン比 </a:t>
             </a:r>
             <a:r>
-              <a:rPr lang="en-US" altLang="ja-JP" dirty="0"/>
+              <a:rPr lang="en-US" altLang="ja-JP" sz="2000" dirty="0"/>
               <a:t>:0.3 [-]</a:t>
             </a:r>
           </a:p>
@@ -34259,8 +34566,8 @@
         </p:nvSpPr>
         <p:spPr>
           <a:xfrm>
-            <a:off x="198540" y="4370687"/>
-            <a:ext cx="5823396" cy="369332"/>
+            <a:off x="0" y="4354517"/>
+            <a:ext cx="6479097" cy="400110"/>
           </a:xfrm>
           <a:prstGeom prst="rect">
             <a:avLst/>
@@ -34274,66 +34581,66 @@
           <a:lstStyle/>
           <a:p>
             <a:r>
-              <a:rPr lang="ja-JP" altLang="en-US" dirty="0"/>
+              <a:rPr lang="ja-JP" altLang="en-US" sz="2000" dirty="0"/>
               <a:t>内圧</a:t>
             </a:r>
             <a:r>
-              <a:rPr lang="en-US" altLang="ja-JP" i="1" dirty="0" err="1"/>
+              <a:rPr lang="en-US" altLang="ja-JP" sz="2000" i="1" dirty="0" err="1"/>
               <a:t>P</a:t>
             </a:r>
             <a:r>
-              <a:rPr lang="en-US" altLang="ja-JP" dirty="0" err="1"/>
+              <a:rPr lang="en-US" altLang="ja-JP" sz="2000" dirty="0" err="1"/>
               <a:t>MPa</a:t>
             </a:r>
             <a:r>
-              <a:rPr lang="en-US" altLang="ja-JP" dirty="0"/>
+              <a:rPr lang="en-US" altLang="ja-JP" sz="2000" dirty="0"/>
               <a:t>,</a:t>
             </a:r>
             <a:r>
-              <a:rPr lang="ja-JP" altLang="en-US" dirty="0"/>
+              <a:rPr lang="ja-JP" altLang="en-US" sz="2000" dirty="0"/>
               <a:t> 内径</a:t>
             </a:r>
             <a:r>
-              <a:rPr lang="en-US" altLang="ja-JP" dirty="0"/>
+              <a:rPr lang="en-US" altLang="ja-JP" sz="2000" dirty="0"/>
               <a:t>2</a:t>
             </a:r>
             <a:r>
-              <a:rPr lang="en-US" altLang="ja-JP" i="1" dirty="0"/>
+              <a:rPr lang="en-US" altLang="ja-JP" sz="2000" i="1" dirty="0"/>
               <a:t>r</a:t>
             </a:r>
             <a:r>
-              <a:rPr lang="en-US" altLang="ja-JP" i="1" baseline="-25000" dirty="0"/>
+              <a:rPr lang="en-US" altLang="ja-JP" sz="2000" i="1" baseline="-25000" dirty="0"/>
               <a:t>1</a:t>
             </a:r>
             <a:r>
-              <a:rPr lang="en-US" altLang="ja-JP" dirty="0"/>
+              <a:rPr lang="en-US" altLang="ja-JP" sz="2000" dirty="0"/>
               <a:t>mm, </a:t>
             </a:r>
             <a:r>
-              <a:rPr lang="ja-JP" altLang="en-US" dirty="0"/>
+              <a:rPr lang="ja-JP" altLang="en-US" sz="2000" dirty="0"/>
               <a:t>外径</a:t>
             </a:r>
             <a:r>
-              <a:rPr lang="en-US" altLang="ja-JP" dirty="0"/>
+              <a:rPr lang="en-US" altLang="ja-JP" sz="2000" dirty="0"/>
               <a:t>2</a:t>
             </a:r>
             <a:r>
-              <a:rPr lang="en-US" altLang="ja-JP" i="1" dirty="0"/>
+              <a:rPr lang="en-US" altLang="ja-JP" sz="2000" i="1" dirty="0"/>
               <a:t>r</a:t>
             </a:r>
             <a:r>
-              <a:rPr lang="en-US" altLang="ja-JP" i="1" baseline="-25000" dirty="0"/>
+              <a:rPr lang="en-US" altLang="ja-JP" sz="2000" i="1" baseline="-25000" dirty="0"/>
               <a:t>2</a:t>
             </a:r>
             <a:r>
-              <a:rPr lang="en-US" altLang="ja-JP" dirty="0"/>
+              <a:rPr lang="en-US" altLang="ja-JP" sz="2000" dirty="0"/>
               <a:t>mm</a:t>
             </a:r>
             <a:r>
-              <a:rPr lang="ja-JP" altLang="en-US" dirty="0"/>
+              <a:rPr lang="ja-JP" altLang="en-US" sz="2000" dirty="0"/>
               <a:t>とした場合の理論解</a:t>
             </a:r>
-            <a:endParaRPr lang="en-US" altLang="ja-JP" dirty="0"/>
+            <a:endParaRPr lang="en-US" altLang="ja-JP" sz="2000" dirty="0"/>
           </a:p>
         </p:txBody>
       </p:sp>
@@ -34367,8 +34674,8 @@
           </a:prstGeom>
         </p:spPr>
       </p:pic>
-      <mc:AlternateContent xmlns:mc="http://schemas.openxmlformats.org/markup-compatibility/2006" xmlns:a14="http://schemas.microsoft.com/office/drawing/2010/main">
-        <mc:Choice Requires="a14">
+      <mc:AlternateContent xmlns:mc="http://schemas.openxmlformats.org/markup-compatibility/2006">
+        <mc:Choice xmlns:a14="http://schemas.microsoft.com/office/drawing/2010/main" Requires="a14">
           <p:sp>
             <p:nvSpPr>
               <p:cNvPr id="23" name="テキスト ボックス 22">
@@ -34384,7 +34691,7 @@
             <p:spPr>
               <a:xfrm>
                 <a:off x="6343436" y="6256834"/>
-                <a:ext cx="5823396" cy="369332"/>
+                <a:ext cx="5823396" cy="400110"/>
               </a:xfrm>
               <a:prstGeom prst="rect">
                 <a:avLst/>
@@ -34400,7 +34707,7 @@
                 <a14:m>
                   <m:oMath xmlns:m="http://schemas.openxmlformats.org/officeDocument/2006/math">
                     <m:r>
-                      <a:rPr lang="ja-JP" altLang="en-US" i="1" smtClean="0">
+                      <a:rPr lang="ja-JP" altLang="en-US" sz="2000" i="1" smtClean="0">
                         <a:latin typeface="Cambria Math" panose="02040503050406030204" pitchFamily="18" charset="0"/>
                       </a:rPr>
                       <m:t>𝛼</m:t>
@@ -34408,39 +34715,39 @@
                   </m:oMath>
                 </a14:m>
                 <a:r>
-                  <a:rPr lang="en-US" altLang="ja-JP" dirty="0"/>
+                  <a:rPr lang="en-US" altLang="ja-JP" sz="2000" dirty="0"/>
                   <a:t>: </a:t>
                 </a:r>
                 <a:r>
-                  <a:rPr lang="ja-JP" altLang="en-US" dirty="0"/>
+                  <a:rPr lang="ja-JP" altLang="en-US" sz="2000" dirty="0"/>
                   <a:t>比較パラメータの</a:t>
                 </a:r>
                 <a:r>
-                  <a:rPr lang="en-US" altLang="ja-JP" i="1" dirty="0" err="1"/>
+                  <a:rPr lang="en-US" altLang="ja-JP" sz="2000" i="1" dirty="0" err="1"/>
                   <a:t>σ</a:t>
                 </a:r>
                 <a:r>
-                  <a:rPr lang="en-US" altLang="ja-JP" i="1" baseline="-25000" dirty="0" err="1"/>
+                  <a:rPr lang="en-US" altLang="ja-JP" sz="2000" i="1" baseline="-25000" dirty="0" err="1"/>
                   <a:t>rr</a:t>
                 </a:r>
                 <a:r>
-                  <a:rPr lang="ja-JP" altLang="en-US" dirty="0"/>
+                  <a:rPr lang="ja-JP" altLang="en-US" sz="2000" dirty="0"/>
                   <a:t>，</a:t>
                 </a:r>
                 <a:r>
-                  <a:rPr lang="en-US" altLang="ja-JP" i="1" dirty="0" err="1"/>
+                  <a:rPr lang="en-US" altLang="ja-JP" sz="2000" i="1" dirty="0" err="1"/>
                   <a:t>σ</a:t>
                 </a:r>
                 <a:r>
-                  <a:rPr lang="en-US" altLang="ja-JP" i="1" baseline="-25000" dirty="0" err="1"/>
+                  <a:rPr lang="en-US" altLang="ja-JP" sz="2000" i="1" baseline="-25000" dirty="0" err="1"/>
                   <a:t>θθ</a:t>
                 </a:r>
-                <a:endParaRPr lang="en-US" altLang="ja-JP" dirty="0"/>
+                <a:endParaRPr lang="en-US" altLang="ja-JP" sz="2000" dirty="0"/>
               </a:p>
             </p:txBody>
           </p:sp>
         </mc:Choice>
-        <mc:Fallback xmlns="">
+        <mc:Fallback>
           <p:sp>
             <p:nvSpPr>
               <p:cNvPr id="23" name="テキスト ボックス 22">
@@ -34458,7 +34765,7 @@
             <p:spPr>
               <a:xfrm>
                 <a:off x="6343436" y="6256834"/>
-                <a:ext cx="5823396" cy="369332"/>
+                <a:ext cx="5823396" cy="400110"/>
               </a:xfrm>
               <a:prstGeom prst="rect">
                 <a:avLst/>
@@ -34466,7 +34773,7 @@
               <a:blipFill>
                 <a:blip r:embed="rId9"/>
                 <a:stretch>
-                  <a:fillRect t="-13115" b="-27869"/>
+                  <a:fillRect t="-12121" b="-27273"/>
                 </a:stretch>
               </a:blipFill>
             </p:spPr>
@@ -34666,8 +34973,8 @@
         </p:nvSpPr>
         <p:spPr>
           <a:xfrm>
-            <a:off x="412459" y="5014593"/>
-            <a:ext cx="11367084" cy="646331"/>
+            <a:off x="412459" y="5220594"/>
+            <a:ext cx="11367084" cy="830997"/>
           </a:xfrm>
           <a:prstGeom prst="rect">
             <a:avLst/>
@@ -34681,64 +34988,28 @@
           <a:lstStyle/>
           <a:p>
             <a:r>
-              <a:rPr lang="ja-JP" altLang="en-US" dirty="0"/>
+              <a:rPr lang="ja-JP" altLang="en-US" sz="2400" dirty="0"/>
               <a:t>どちらも</a:t>
             </a:r>
             <a:r>
-              <a:rPr lang="en-US" altLang="ja-JP" dirty="0"/>
+              <a:rPr lang="en-US" altLang="ja-JP" sz="2400" dirty="0"/>
               <a:t>3</a:t>
             </a:r>
             <a:r>
-              <a:rPr lang="ja-JP" altLang="en-US" dirty="0"/>
+              <a:rPr lang="ja-JP" altLang="en-US" sz="2400" dirty="0"/>
               <a:t>次の方が誤差が小さく，</a:t>
             </a:r>
-            <a:endParaRPr lang="en-US" altLang="ja-JP" dirty="0"/>
+            <a:endParaRPr lang="en-US" altLang="ja-JP" sz="2400" dirty="0"/>
           </a:p>
           <a:p>
             <a:r>
-              <a:rPr lang="ja-JP" altLang="en-US" dirty="0"/>
+              <a:rPr lang="ja-JP" altLang="en-US" sz="2400" dirty="0"/>
               <a:t>より少ない自由度で同程度の精度の解析結果が得られることが確認できた</a:t>
             </a:r>
-            <a:endParaRPr lang="en-US" altLang="ja-JP" dirty="0"/>
+            <a:endParaRPr lang="en-US" altLang="ja-JP" sz="2400" dirty="0"/>
           </a:p>
         </p:txBody>
       </p:sp>
-      <p:pic>
-        <p:nvPicPr>
-          <p:cNvPr id="4" name="図 3" descr="グラフ&#10;&#10;自動的に生成された説明">
-            <a:extLst>
-              <a:ext uri="{FF2B5EF4-FFF2-40B4-BE49-F238E27FC236}">
-                <a16:creationId xmlns:a16="http://schemas.microsoft.com/office/drawing/2014/main" id="{1B78A588-5F49-42CB-8A2E-500D67D7D4AB}"/>
-              </a:ext>
-            </a:extLst>
-          </p:cNvPr>
-          <p:cNvPicPr>
-            <a:picLocks noChangeAspect="1"/>
-          </p:cNvPicPr>
-          <p:nvPr/>
-        </p:nvPicPr>
-        <p:blipFill>
-          <a:blip r:embed="rId2">
-            <a:extLst>
-              <a:ext uri="{28A0092B-C50C-407E-A947-70E740481C1C}">
-                <a14:useLocalDpi xmlns:a14="http://schemas.microsoft.com/office/drawing/2010/main" val="0"/>
-              </a:ext>
-            </a:extLst>
-          </a:blip>
-          <a:stretch>
-            <a:fillRect/>
-          </a:stretch>
-        </p:blipFill>
-        <p:spPr>
-          <a:xfrm>
-            <a:off x="9239774" y="1366942"/>
-            <a:ext cx="2952226" cy="2952226"/>
-          </a:xfrm>
-          <a:prstGeom prst="rect">
-            <a:avLst/>
-          </a:prstGeom>
-        </p:spPr>
-      </p:pic>
       <p:sp>
         <p:nvSpPr>
           <p:cNvPr id="19" name="テキスト ボックス 18">
@@ -34754,7 +35025,7 @@
         <p:spPr>
           <a:xfrm>
             <a:off x="412459" y="861018"/>
-            <a:ext cx="11367084" cy="369332"/>
+            <a:ext cx="11367084" cy="461665"/>
           </a:xfrm>
           <a:prstGeom prst="rect">
             <a:avLst/>
@@ -34768,10 +35039,10 @@
           <a:lstStyle/>
           <a:p>
             <a:r>
-              <a:rPr lang="ja-JP" altLang="en-US" dirty="0"/>
+              <a:rPr lang="ja-JP" altLang="en-US" sz="2400" dirty="0"/>
               <a:t>各次数での自由度と誤差ノルムの関係</a:t>
             </a:r>
-            <a:endParaRPr lang="en-US" altLang="ja-JP" dirty="0"/>
+            <a:endParaRPr lang="en-US" altLang="ja-JP" sz="2400" dirty="0"/>
           </a:p>
         </p:txBody>
       </p:sp>
@@ -34789,8 +35060,8 @@
         </p:nvSpPr>
         <p:spPr>
           <a:xfrm>
-            <a:off x="933972" y="1449744"/>
-            <a:ext cx="2295789" cy="369332"/>
+            <a:off x="1110141" y="1449744"/>
+            <a:ext cx="2295789" cy="400110"/>
           </a:xfrm>
           <a:prstGeom prst="rect">
             <a:avLst/>
@@ -34804,27 +35075,27 @@
           <a:lstStyle/>
           <a:p>
             <a:r>
-              <a:rPr lang="en-US" altLang="ja-JP" dirty="0"/>
+              <a:rPr lang="en-US" altLang="ja-JP" sz="2000" dirty="0"/>
               <a:t>Error</a:t>
             </a:r>
             <a:r>
-              <a:rPr lang="ja-JP" altLang="en-US" dirty="0"/>
+              <a:rPr lang="ja-JP" altLang="en-US" sz="2000" dirty="0"/>
               <a:t> </a:t>
             </a:r>
             <a:r>
-              <a:rPr lang="en-US" altLang="ja-JP" dirty="0"/>
+              <a:rPr lang="en-US" altLang="ja-JP" sz="2000" dirty="0"/>
               <a:t>norm of </a:t>
             </a:r>
             <a:r>
-              <a:rPr lang="en-US" altLang="ja-JP" i="1" dirty="0" err="1"/>
+              <a:rPr lang="en-US" altLang="ja-JP" sz="2000" i="1" dirty="0" err="1"/>
               <a:t>σ</a:t>
             </a:r>
             <a:r>
-              <a:rPr lang="en-US" altLang="ja-JP" i="1" baseline="-25000" dirty="0" err="1"/>
+              <a:rPr lang="en-US" altLang="ja-JP" sz="2000" i="1" baseline="-25000" dirty="0" err="1"/>
               <a:t>rr</a:t>
             </a:r>
             <a:r>
-              <a:rPr lang="en-US" altLang="ja-JP" dirty="0"/>
+              <a:rPr lang="en-US" altLang="ja-JP" sz="2000" dirty="0"/>
               <a:t> </a:t>
             </a:r>
           </a:p>
@@ -34844,8 +35115,8 @@
         </p:nvSpPr>
         <p:spPr>
           <a:xfrm>
-            <a:off x="5675239" y="1449744"/>
-            <a:ext cx="2845791" cy="369332"/>
+            <a:off x="5893353" y="1449744"/>
+            <a:ext cx="2845791" cy="400110"/>
           </a:xfrm>
           <a:prstGeom prst="rect">
             <a:avLst/>
@@ -34859,35 +35130,35 @@
           <a:lstStyle/>
           <a:p>
             <a:r>
-              <a:rPr lang="en-US" altLang="ja-JP" dirty="0"/>
+              <a:rPr lang="en-US" altLang="ja-JP" sz="2000" dirty="0"/>
               <a:t>Error</a:t>
             </a:r>
             <a:r>
-              <a:rPr lang="ja-JP" altLang="en-US" dirty="0"/>
+              <a:rPr lang="ja-JP" altLang="en-US" sz="2000" dirty="0"/>
               <a:t> </a:t>
             </a:r>
             <a:r>
-              <a:rPr lang="en-US" altLang="ja-JP" dirty="0"/>
+              <a:rPr lang="en-US" altLang="ja-JP" sz="2000" dirty="0"/>
               <a:t>norm of </a:t>
             </a:r>
             <a:r>
-              <a:rPr lang="en-US" altLang="ja-JP" i="1" dirty="0" err="1"/>
+              <a:rPr lang="en-US" altLang="ja-JP" sz="2000" i="1" dirty="0" err="1"/>
               <a:t>σ</a:t>
             </a:r>
             <a:r>
-              <a:rPr lang="en-US" altLang="ja-JP" i="1" baseline="-25000" dirty="0" err="1"/>
+              <a:rPr lang="en-US" altLang="ja-JP" sz="2000" i="1" baseline="-25000" dirty="0" err="1"/>
               <a:t>θθ</a:t>
             </a:r>
-            <a:endParaRPr lang="en-US" altLang="ja-JP" dirty="0"/>
+            <a:endParaRPr lang="en-US" altLang="ja-JP" sz="2000" dirty="0"/>
           </a:p>
         </p:txBody>
       </p:sp>
       <p:pic>
         <p:nvPicPr>
-          <p:cNvPr id="10" name="グラフィックス 9">
+          <p:cNvPr id="6" name="グラフィックス 5">
             <a:extLst>
               <a:ext uri="{FF2B5EF4-FFF2-40B4-BE49-F238E27FC236}">
-                <a16:creationId xmlns:a16="http://schemas.microsoft.com/office/drawing/2014/main" id="{0276A568-87B8-48EB-928C-7F66EB89534F}"/>
+                <a16:creationId xmlns:a16="http://schemas.microsoft.com/office/drawing/2014/main" id="{BAD03D9D-A418-4D9C-BE7A-7F51336376E0}"/>
               </a:ext>
             </a:extLst>
           </p:cNvPr>
@@ -34897,13 +35168,13 @@
           <p:nvPr/>
         </p:nvPicPr>
         <p:blipFill>
-          <a:blip r:embed="rId3">
+          <a:blip r:embed="rId2">
             <a:extLst>
               <a:ext uri="{28A0092B-C50C-407E-A947-70E740481C1C}">
                 <a14:useLocalDpi xmlns:a14="http://schemas.microsoft.com/office/drawing/2010/main" val="0"/>
               </a:ext>
               <a:ext uri="{96DAC541-7B7A-43D3-8B79-37D633B846F1}">
-                <asvg:svgBlip xmlns:asvg="http://schemas.microsoft.com/office/drawing/2016/SVG/main" r:embed="rId4"/>
+                <asvg:svgBlip xmlns:asvg="http://schemas.microsoft.com/office/drawing/2016/SVG/main" r:embed="rId3"/>
               </a:ext>
             </a:extLst>
           </a:blip>
@@ -34913,8 +35184,8 @@
         </p:blipFill>
         <p:spPr>
           <a:xfrm>
-            <a:off x="260058" y="1784555"/>
-            <a:ext cx="4462150" cy="2675832"/>
+            <a:off x="0" y="1784555"/>
+            <a:ext cx="4781311" cy="3064282"/>
           </a:xfrm>
           <a:prstGeom prst="rect">
             <a:avLst/>
@@ -34923,10 +35194,10 @@
       </p:pic>
       <p:pic>
         <p:nvPicPr>
-          <p:cNvPr id="14" name="グラフィックス 13">
+          <p:cNvPr id="8" name="グラフィックス 7">
             <a:extLst>
               <a:ext uri="{FF2B5EF4-FFF2-40B4-BE49-F238E27FC236}">
-                <a16:creationId xmlns:a16="http://schemas.microsoft.com/office/drawing/2014/main" id="{0837D8DD-312E-42F8-9847-19DED3BFCB8D}"/>
+                <a16:creationId xmlns:a16="http://schemas.microsoft.com/office/drawing/2014/main" id="{7D2DCFB3-9503-4496-B9CA-236CEE70D09D}"/>
               </a:ext>
             </a:extLst>
           </p:cNvPr>
@@ -34936,13 +35207,13 @@
           <p:nvPr/>
         </p:nvPicPr>
         <p:blipFill>
-          <a:blip r:embed="rId5">
+          <a:blip r:embed="rId4">
             <a:extLst>
               <a:ext uri="{28A0092B-C50C-407E-A947-70E740481C1C}">
                 <a14:useLocalDpi xmlns:a14="http://schemas.microsoft.com/office/drawing/2010/main" val="0"/>
               </a:ext>
               <a:ext uri="{96DAC541-7B7A-43D3-8B79-37D633B846F1}">
-                <asvg:svgBlip xmlns:asvg="http://schemas.microsoft.com/office/drawing/2016/SVG/main" r:embed="rId6"/>
+                <asvg:svgBlip xmlns:asvg="http://schemas.microsoft.com/office/drawing/2016/SVG/main" r:embed="rId5"/>
               </a:ext>
             </a:extLst>
           </a:blip>
@@ -34952,8 +35223,44 @@
         </p:blipFill>
         <p:spPr>
           <a:xfrm>
-            <a:off x="4941989" y="1784555"/>
-            <a:ext cx="4462150" cy="2675832"/>
+            <a:off x="4707478" y="1849854"/>
+            <a:ext cx="4781311" cy="3062445"/>
+          </a:xfrm>
+          <a:prstGeom prst="rect">
+            <a:avLst/>
+          </a:prstGeom>
+        </p:spPr>
+      </p:pic>
+      <p:pic>
+        <p:nvPicPr>
+          <p:cNvPr id="4" name="図 3" descr="グラフ&#10;&#10;自動的に生成された説明">
+            <a:extLst>
+              <a:ext uri="{FF2B5EF4-FFF2-40B4-BE49-F238E27FC236}">
+                <a16:creationId xmlns:a16="http://schemas.microsoft.com/office/drawing/2014/main" id="{1B78A588-5F49-42CB-8A2E-500D67D7D4AB}"/>
+              </a:ext>
+            </a:extLst>
+          </p:cNvPr>
+          <p:cNvPicPr>
+            <a:picLocks noChangeAspect="1"/>
+          </p:cNvPicPr>
+          <p:nvPr/>
+        </p:nvPicPr>
+        <p:blipFill>
+          <a:blip r:embed="rId6">
+            <a:extLst>
+              <a:ext uri="{28A0092B-C50C-407E-A947-70E740481C1C}">
+                <a14:useLocalDpi xmlns:a14="http://schemas.microsoft.com/office/drawing/2010/main" val="0"/>
+              </a:ext>
+            </a:extLst>
+          </a:blip>
+          <a:stretch>
+            <a:fillRect/>
+          </a:stretch>
+        </p:blipFill>
+        <p:spPr>
+          <a:xfrm>
+            <a:off x="9239774" y="1366942"/>
+            <a:ext cx="2952226" cy="2952226"/>
           </a:xfrm>
           <a:prstGeom prst="rect">
             <a:avLst/>
